--- a/files/W1-Intro.pptx
+++ b/files/W1-Intro.pptx
@@ -5,7 +5,7 @@
     <p:sldMasterId id="2147483660" r:id="rId1"/>
   </p:sldMasterIdLst>
   <p:notesMasterIdLst>
-    <p:notesMasterId r:id="rId37"/>
+    <p:notesMasterId r:id="rId28"/>
   </p:notesMasterIdLst>
   <p:sldIdLst>
     <p:sldId id="256" r:id="rId2"/>
@@ -18,31 +18,22 @@
     <p:sldId id="300" r:id="rId9"/>
     <p:sldId id="280" r:id="rId10"/>
     <p:sldId id="281" r:id="rId11"/>
-    <p:sldId id="282" r:id="rId12"/>
-    <p:sldId id="257" r:id="rId13"/>
-    <p:sldId id="258" r:id="rId14"/>
-    <p:sldId id="259" r:id="rId15"/>
-    <p:sldId id="264" r:id="rId16"/>
-    <p:sldId id="265" r:id="rId17"/>
-    <p:sldId id="260" r:id="rId18"/>
-    <p:sldId id="261" r:id="rId19"/>
-    <p:sldId id="262" r:id="rId20"/>
-    <p:sldId id="263" r:id="rId21"/>
-    <p:sldId id="301" r:id="rId22"/>
-    <p:sldId id="302" r:id="rId23"/>
-    <p:sldId id="303" r:id="rId24"/>
-    <p:sldId id="283" r:id="rId25"/>
-    <p:sldId id="270" r:id="rId26"/>
-    <p:sldId id="276" r:id="rId27"/>
-    <p:sldId id="268" r:id="rId28"/>
-    <p:sldId id="278" r:id="rId29"/>
-    <p:sldId id="295" r:id="rId30"/>
-    <p:sldId id="296" r:id="rId31"/>
-    <p:sldId id="297" r:id="rId32"/>
-    <p:sldId id="298" r:id="rId33"/>
-    <p:sldId id="299" r:id="rId34"/>
-    <p:sldId id="309" r:id="rId35"/>
-    <p:sldId id="287" r:id="rId36"/>
+    <p:sldId id="301" r:id="rId12"/>
+    <p:sldId id="302" r:id="rId13"/>
+    <p:sldId id="303" r:id="rId14"/>
+    <p:sldId id="283" r:id="rId15"/>
+    <p:sldId id="270" r:id="rId16"/>
+    <p:sldId id="276" r:id="rId17"/>
+    <p:sldId id="268" r:id="rId18"/>
+    <p:sldId id="278" r:id="rId19"/>
+    <p:sldId id="295" r:id="rId20"/>
+    <p:sldId id="296" r:id="rId21"/>
+    <p:sldId id="297" r:id="rId22"/>
+    <p:sldId id="298" r:id="rId23"/>
+    <p:sldId id="299" r:id="rId24"/>
+    <p:sldId id="309" r:id="rId25"/>
+    <p:sldId id="365" r:id="rId26"/>
+    <p:sldId id="287" r:id="rId27"/>
   </p:sldIdLst>
   <p:sldSz cx="10287000" cy="6858000" type="35mm"/>
   <p:notesSz cx="6858000" cy="9144000"/>
@@ -313,7 +304,7 @@
           <a:p>
             <a:fld id="{8C3EA14B-9730-4B14-B276-7835B7D11ED2}" type="datetimeFigureOut">
               <a:rPr lang="zh-CN" altLang="en-US" smtClean="0"/>
-              <a:t>2021/9/18</a:t>
+              <a:t>2021/12/6</a:t>
             </a:fld>
             <a:endParaRPr lang="zh-CN" altLang="en-US"/>
           </a:p>
@@ -844,7 +835,7 @@
             <a:fld id="{FDF2B654-E532-CD43-80F7-7D95D6EDB8D9}" type="datetime1">
               <a:rPr lang="en-US" altLang="zh-CN" smtClean="0"/>
               <a:pPr/>
-              <a:t>9/18/21</a:t>
+              <a:t>12/6/21</a:t>
             </a:fld>
             <a:endParaRPr lang="en-US" altLang="zh-CN"/>
           </a:p>
@@ -868,7 +859,7 @@
             <a:fld id="{A2D96119-4DA5-354D-B04D-99D6609BA6BC}" type="slidenum">
               <a:rPr lang="en-US" altLang="zh-CN" smtClean="0"/>
               <a:pPr/>
-              <a:t>22</a:t>
+              <a:t>12</a:t>
             </a:fld>
             <a:endParaRPr lang="en-US" altLang="zh-CN"/>
           </a:p>
@@ -1003,7 +994,7 @@
             <a:fld id="{FDF2B654-E532-CD43-80F7-7D95D6EDB8D9}" type="datetime1">
               <a:rPr lang="en-US" altLang="zh-CN" smtClean="0"/>
               <a:pPr/>
-              <a:t>9/18/21</a:t>
+              <a:t>12/6/21</a:t>
             </a:fld>
             <a:endParaRPr lang="en-US" altLang="zh-CN"/>
           </a:p>
@@ -1027,7 +1018,7 @@
             <a:fld id="{A2D96119-4DA5-354D-B04D-99D6609BA6BC}" type="slidenum">
               <a:rPr lang="en-US" altLang="zh-CN" smtClean="0"/>
               <a:pPr/>
-              <a:t>23</a:t>
+              <a:t>13</a:t>
             </a:fld>
             <a:endParaRPr lang="en-US" altLang="zh-CN"/>
           </a:p>
@@ -1185,7 +1176,7 @@
                   <a:srgbClr val="000000"/>
                 </a:solidFill>
               </a:rPr>
-              <a:t>September 18, 2021</a:t>
+              <a:t>December 6, 2021</a:t>
             </a:fld>
             <a:endParaRPr lang="zh-CN" altLang="en-US">
               <a:solidFill>
@@ -1392,7 +1383,7 @@
                   <a:srgbClr val="000000"/>
                 </a:solidFill>
               </a:rPr>
-              <a:t>September 18, 2021</a:t>
+              <a:t>December 6, 2021</a:t>
             </a:fld>
             <a:endParaRPr lang="zh-CN" altLang="en-US">
               <a:solidFill>
@@ -1609,7 +1600,7 @@
                   <a:srgbClr val="000000"/>
                 </a:solidFill>
               </a:rPr>
-              <a:t>September 18, 2021</a:t>
+              <a:t>December 6, 2021</a:t>
             </a:fld>
             <a:endParaRPr lang="zh-CN" altLang="en-US">
               <a:solidFill>
@@ -1877,7 +1868,7 @@
                   <a:srgbClr val="000000"/>
                 </a:solidFill>
               </a:rPr>
-              <a:t>September 18, 2021</a:t>
+              <a:t>December 6, 2021</a:t>
             </a:fld>
             <a:endParaRPr lang="zh-CN" altLang="en-US">
               <a:solidFill>
@@ -2145,7 +2136,7 @@
                   <a:srgbClr val="000000"/>
                 </a:solidFill>
               </a:rPr>
-              <a:t>September 18, 2021</a:t>
+              <a:t>December 6, 2021</a:t>
             </a:fld>
             <a:endParaRPr lang="zh-CN" altLang="en-US">
               <a:solidFill>
@@ -2429,7 +2420,7 @@
                   <a:srgbClr val="000000"/>
                 </a:solidFill>
               </a:rPr>
-              <a:t>September 18, 2021</a:t>
+              <a:t>December 6, 2021</a:t>
             </a:fld>
             <a:endParaRPr lang="zh-CN" altLang="en-US">
               <a:solidFill>
@@ -2697,7 +2688,7 @@
                   <a:srgbClr val="000000"/>
                 </a:solidFill>
               </a:rPr>
-              <a:t>September 18, 2021</a:t>
+              <a:t>December 6, 2021</a:t>
             </a:fld>
             <a:endParaRPr lang="zh-CN" altLang="en-US">
               <a:solidFill>
@@ -3100,7 +3091,7 @@
                   <a:srgbClr val="000000"/>
                 </a:solidFill>
               </a:rPr>
-              <a:t>September 18, 2021</a:t>
+              <a:t>December 6, 2021</a:t>
             </a:fld>
             <a:endParaRPr lang="zh-CN" altLang="en-US">
               <a:solidFill>
@@ -3256,7 +3247,7 @@
                   <a:srgbClr val="000000"/>
                 </a:solidFill>
               </a:rPr>
-              <a:t>September 18, 2021</a:t>
+              <a:t>December 6, 2021</a:t>
             </a:fld>
             <a:endParaRPr lang="zh-CN" altLang="en-US">
               <a:solidFill>
@@ -3390,7 +3381,7 @@
                   <a:srgbClr val="000000"/>
                 </a:solidFill>
               </a:rPr>
-              <a:t>September 18, 2021</a:t>
+              <a:t>December 6, 2021</a:t>
             </a:fld>
             <a:endParaRPr lang="zh-CN" altLang="en-US">
               <a:solidFill>
@@ -3704,7 +3695,7 @@
                   <a:srgbClr val="000000"/>
                 </a:solidFill>
               </a:rPr>
-              <a:t>September 18, 2021</a:t>
+              <a:t>December 6, 2021</a:t>
             </a:fld>
             <a:endParaRPr lang="zh-CN" altLang="en-US">
               <a:solidFill>
@@ -3995,7 +3986,7 @@
                   <a:srgbClr val="000000"/>
                 </a:solidFill>
               </a:rPr>
-              <a:t>September 18, 2021</a:t>
+              <a:t>December 6, 2021</a:t>
             </a:fld>
             <a:endParaRPr lang="zh-CN" altLang="en-US">
               <a:solidFill>
@@ -4151,7 +4142,7 @@
               </a14:hiddenLine>
             </a:ext>
             <a:ext uri="{FAA26D3D-D897-4be2-8F04-BA451C77F1D7}">
-              <ma14:placeholderFlag xmlns:ma14="http://schemas.microsoft.com/office/mac/drawingml/2011/main" xmlns="" val="1"/>
+              <ma14:placeholderFlag xmlns="" xmlns:ma14="http://schemas.microsoft.com/office/mac/drawingml/2011/main" val="1"/>
             </a:ext>
           </a:extLst>
         </p:spPr>
@@ -4212,7 +4203,7 @@
               </a14:hiddenLine>
             </a:ext>
             <a:ext uri="{FAA26D3D-D897-4be2-8F04-BA451C77F1D7}">
-              <ma14:placeholderFlag xmlns:ma14="http://schemas.microsoft.com/office/mac/drawingml/2011/main" xmlns="" val="1"/>
+              <ma14:placeholderFlag xmlns="" xmlns:ma14="http://schemas.microsoft.com/office/mac/drawingml/2011/main" val="1"/>
             </a:ext>
           </a:extLst>
         </p:spPr>
@@ -4312,7 +4303,7 @@
                   <a:srgbClr val="000000"/>
                 </a:solidFill>
               </a:rPr>
-              <a:t>September 18, 2021</a:t>
+              <a:t>December 6, 2021</a:t>
             </a:fld>
             <a:endParaRPr lang="zh-CN" altLang="en-US">
               <a:solidFill>
@@ -5909,12 +5900,12 @@
       </p:grpSpPr>
       <p:sp>
         <p:nvSpPr>
-          <p:cNvPr id="5" name="标题 4"/>
-          <p:cNvSpPr>
-            <a:spLocks noGrp="1"/>
-          </p:cNvSpPr>
-          <p:nvPr>
-            <p:ph type="ctrTitle"/>
+          <p:cNvPr id="2" name="标题 1"/>
+          <p:cNvSpPr>
+            <a:spLocks noGrp="1"/>
+          </p:cNvSpPr>
+          <p:nvPr>
+            <p:ph type="title"/>
           </p:nvPr>
         </p:nvSpPr>
         <p:spPr/>
@@ -5923,20 +5914,8 @@
           <a:lstStyle/>
           <a:p>
             <a:r>
-              <a:rPr lang="zh-CN" altLang="en-US" dirty="0"/>
-              <a:t>时代变化 </a:t>
-            </a:r>
-            <a:r>
-              <a:rPr lang="en-US" altLang="zh-CN" dirty="0">
-                <a:sym typeface="Wingdings" pitchFamily="2" charset="2"/>
-              </a:rPr>
-              <a:t> </a:t>
-            </a:r>
-            <a:r>
-              <a:rPr lang="zh-CN" altLang="en-US" dirty="0">
-                <a:sym typeface="Wingdings" pitchFamily="2" charset="2"/>
-              </a:rPr>
-              <a:t>技术更新</a:t>
+              <a:rPr lang="en-US" altLang="zh-CN" dirty="0"/>
+              <a:t>No-SQL</a:t>
             </a:r>
             <a:endParaRPr lang="zh-CN" altLang="en-US" dirty="0"/>
           </a:p>
@@ -5944,12 +5923,12 @@
       </p:sp>
       <p:sp>
         <p:nvSpPr>
-          <p:cNvPr id="6" name="副标题 5"/>
-          <p:cNvSpPr>
-            <a:spLocks noGrp="1"/>
-          </p:cNvSpPr>
-          <p:nvPr>
-            <p:ph type="subTitle" idx="1"/>
+          <p:cNvPr id="3" name="内容占位符 2"/>
+          <p:cNvSpPr>
+            <a:spLocks noGrp="1"/>
+          </p:cNvSpPr>
+          <p:nvPr>
+            <p:ph idx="1"/>
           </p:nvPr>
         </p:nvSpPr>
         <p:spPr/>
@@ -5957,7 +5936,7 @@
           <a:bodyPr/>
           <a:lstStyle/>
           <a:p>
-            <a:endParaRPr lang="zh-CN" altLang="en-US"/>
+            <a:endParaRPr lang="zh-CN" altLang="en-US" dirty="0"/>
           </a:p>
         </p:txBody>
       </p:sp>
@@ -5984,1532 +5963,6 @@
               </a:rPr>
               <a:pPr/>
               <a:t>11</a:t>
-            </a:fld>
-            <a:endParaRPr lang="zh-CN" altLang="en-US">
-              <a:solidFill>
-                <a:srgbClr val="000000"/>
-              </a:solidFill>
-            </a:endParaRPr>
-          </a:p>
-        </p:txBody>
-      </p:sp>
-    </p:spTree>
-    <p:extLst>
-      <p:ext uri="{BB962C8B-B14F-4D97-AF65-F5344CB8AC3E}">
-        <p14:creationId xmlns:p14="http://schemas.microsoft.com/office/powerpoint/2010/main" val="364740974"/>
-      </p:ext>
-    </p:extLst>
-  </p:cSld>
-  <p:clrMapOvr>
-    <a:masterClrMapping/>
-  </p:clrMapOvr>
-</p:sld>
-</file>
-
-<file path=ppt/slides/slide12.xml><?xml version="1.0" encoding="utf-8"?>
-<p:sld xmlns:a="http://schemas.openxmlformats.org/drawingml/2006/main" xmlns:r="http://schemas.openxmlformats.org/officeDocument/2006/relationships" xmlns:p="http://schemas.openxmlformats.org/presentationml/2006/main">
-  <p:cSld>
-    <p:spTree>
-      <p:nvGrpSpPr>
-        <p:cNvPr id="1" name=""/>
-        <p:cNvGrpSpPr/>
-        <p:nvPr/>
-      </p:nvGrpSpPr>
-      <p:grpSpPr>
-        <a:xfrm>
-          <a:off x="0" y="0"/>
-          <a:ext cx="0" cy="0"/>
-          <a:chOff x="0" y="0"/>
-          <a:chExt cx="0" cy="0"/>
-        </a:xfrm>
-      </p:grpSpPr>
-      <p:sp>
-        <p:nvSpPr>
-          <p:cNvPr id="2" name="标题 1"/>
-          <p:cNvSpPr>
-            <a:spLocks noGrp="1"/>
-          </p:cNvSpPr>
-          <p:nvPr>
-            <p:ph type="title"/>
-          </p:nvPr>
-        </p:nvSpPr>
-        <p:spPr/>
-        <p:txBody>
-          <a:bodyPr/>
-          <a:lstStyle/>
-          <a:p>
-            <a:r>
-              <a:rPr lang="zh-CN" altLang="en-US" dirty="0"/>
-              <a:t>计算机的演变</a:t>
-            </a:r>
-          </a:p>
-        </p:txBody>
-      </p:sp>
-      <p:sp>
-        <p:nvSpPr>
-          <p:cNvPr id="5" name="灯片编号占位符 4"/>
-          <p:cNvSpPr>
-            <a:spLocks noGrp="1"/>
-          </p:cNvSpPr>
-          <p:nvPr>
-            <p:ph type="sldNum" sz="quarter" idx="12"/>
-          </p:nvPr>
-        </p:nvSpPr>
-        <p:spPr/>
-        <p:txBody>
-          <a:bodyPr/>
-          <a:lstStyle/>
-          <a:p>
-            <a:fld id="{6415963F-B422-0E4C-94FB-293280FD86B8}" type="slidenum">
-              <a:rPr lang="zh-CN" altLang="en-US" smtClean="0">
-                <a:solidFill>
-                  <a:srgbClr val="000000"/>
-                </a:solidFill>
-              </a:rPr>
-              <a:pPr/>
-              <a:t>12</a:t>
-            </a:fld>
-            <a:endParaRPr lang="zh-CN" altLang="en-US">
-              <a:solidFill>
-                <a:srgbClr val="000000"/>
-              </a:solidFill>
-            </a:endParaRPr>
-          </a:p>
-        </p:txBody>
-      </p:sp>
-      <p:pic>
-        <p:nvPicPr>
-          <p:cNvPr id="1026" name="Picture 2" descr="Image result for computer evolving"/>
-          <p:cNvPicPr>
-            <a:picLocks noChangeAspect="1" noChangeArrowheads="1"/>
-          </p:cNvPicPr>
-          <p:nvPr/>
-        </p:nvPicPr>
-        <p:blipFill>
-          <a:blip r:embed="rId2">
-            <a:extLst>
-              <a:ext uri="{28A0092B-C50C-407E-A947-70E740481C1C}">
-                <a14:useLocalDpi xmlns:a14="http://schemas.microsoft.com/office/drawing/2010/main" val="0"/>
-              </a:ext>
-            </a:extLst>
-          </a:blip>
-          <a:srcRect/>
-          <a:stretch>
-            <a:fillRect/>
-          </a:stretch>
-        </p:blipFill>
-        <p:spPr bwMode="auto">
-          <a:xfrm>
-            <a:off x="1255068" y="1844824"/>
-            <a:ext cx="7620000" cy="3552825"/>
-          </a:xfrm>
-          <a:prstGeom prst="rect">
-            <a:avLst/>
-          </a:prstGeom>
-          <a:noFill/>
-          <a:extLst>
-            <a:ext uri="{909E8E84-426E-40DD-AFC4-6F175D3DCCD1}">
-              <a14:hiddenFill xmlns:a14="http://schemas.microsoft.com/office/drawing/2010/main">
-                <a:solidFill>
-                  <a:srgbClr val="FFFFFF"/>
-                </a:solidFill>
-              </a14:hiddenFill>
-            </a:ext>
-          </a:extLst>
-        </p:spPr>
-      </p:pic>
-    </p:spTree>
-    <p:extLst>
-      <p:ext uri="{BB962C8B-B14F-4D97-AF65-F5344CB8AC3E}">
-        <p14:creationId xmlns:p14="http://schemas.microsoft.com/office/powerpoint/2010/main" val="393346068"/>
-      </p:ext>
-    </p:extLst>
-  </p:cSld>
-  <p:clrMapOvr>
-    <a:masterClrMapping/>
-  </p:clrMapOvr>
-  <p:timing>
-    <p:tnLst>
-      <p:par>
-        <p:cTn id="1" dur="indefinite" restart="never" nodeType="tmRoot">
-          <p:childTnLst>
-            <p:seq concurrent="1" nextAc="seek">
-              <p:cTn id="2" dur="indefinite" nodeType="mainSeq">
-                <p:childTnLst>
-                  <p:par>
-                    <p:cTn id="3" fill="hold">
-                      <p:stCondLst>
-                        <p:cond delay="indefinite"/>
-                      </p:stCondLst>
-                      <p:childTnLst>
-                        <p:par>
-                          <p:cTn id="4" fill="hold">
-                            <p:stCondLst>
-                              <p:cond delay="0"/>
-                            </p:stCondLst>
-                            <p:childTnLst>
-                              <p:par>
-                                <p:cTn id="5" presetID="1" presetClass="entr" presetSubtype="0" fill="hold" nodeType="clickEffect">
-                                  <p:stCondLst>
-                                    <p:cond delay="0"/>
-                                  </p:stCondLst>
-                                  <p:childTnLst>
-                                    <p:set>
-                                      <p:cBhvr>
-                                        <p:cTn id="6" dur="1" fill="hold">
-                                          <p:stCondLst>
-                                            <p:cond delay="0"/>
-                                          </p:stCondLst>
-                                        </p:cTn>
-                                        <p:tgtEl>
-                                          <p:spTgt spid="1026"/>
-                                        </p:tgtEl>
-                                        <p:attrNameLst>
-                                          <p:attrName>style.visibility</p:attrName>
-                                        </p:attrNameLst>
-                                      </p:cBhvr>
-                                      <p:to>
-                                        <p:strVal val="visible"/>
-                                      </p:to>
-                                    </p:set>
-                                  </p:childTnLst>
-                                </p:cTn>
-                              </p:par>
-                            </p:childTnLst>
-                          </p:cTn>
-                        </p:par>
-                      </p:childTnLst>
-                    </p:cTn>
-                  </p:par>
-                </p:childTnLst>
-              </p:cTn>
-              <p:prevCondLst>
-                <p:cond evt="onPrev" delay="0">
-                  <p:tgtEl>
-                    <p:sldTgt/>
-                  </p:tgtEl>
-                </p:cond>
-              </p:prevCondLst>
-              <p:nextCondLst>
-                <p:cond evt="onNext" delay="0">
-                  <p:tgtEl>
-                    <p:sldTgt/>
-                  </p:tgtEl>
-                </p:cond>
-              </p:nextCondLst>
-            </p:seq>
-          </p:childTnLst>
-        </p:cTn>
-      </p:par>
-    </p:tnLst>
-  </p:timing>
-</p:sld>
-</file>
-
-<file path=ppt/slides/slide13.xml><?xml version="1.0" encoding="utf-8"?>
-<p:sld xmlns:a="http://schemas.openxmlformats.org/drawingml/2006/main" xmlns:r="http://schemas.openxmlformats.org/officeDocument/2006/relationships" xmlns:p="http://schemas.openxmlformats.org/presentationml/2006/main">
-  <p:cSld>
-    <p:spTree>
-      <p:nvGrpSpPr>
-        <p:cNvPr id="1" name=""/>
-        <p:cNvGrpSpPr/>
-        <p:nvPr/>
-      </p:nvGrpSpPr>
-      <p:grpSpPr>
-        <a:xfrm>
-          <a:off x="0" y="0"/>
-          <a:ext cx="0" cy="0"/>
-          <a:chOff x="0" y="0"/>
-          <a:chExt cx="0" cy="0"/>
-        </a:xfrm>
-      </p:grpSpPr>
-      <p:sp>
-        <p:nvSpPr>
-          <p:cNvPr id="2" name="标题 1"/>
-          <p:cNvSpPr>
-            <a:spLocks noGrp="1"/>
-          </p:cNvSpPr>
-          <p:nvPr>
-            <p:ph type="title"/>
-          </p:nvPr>
-        </p:nvSpPr>
-        <p:spPr/>
-        <p:txBody>
-          <a:bodyPr/>
-          <a:lstStyle/>
-          <a:p>
-            <a:r>
-              <a:rPr lang="zh-CN" altLang="en-US" dirty="0"/>
-              <a:t>计算机的演变</a:t>
-            </a:r>
-          </a:p>
-        </p:txBody>
-      </p:sp>
-      <p:sp>
-        <p:nvSpPr>
-          <p:cNvPr id="5" name="灯片编号占位符 4"/>
-          <p:cNvSpPr>
-            <a:spLocks noGrp="1"/>
-          </p:cNvSpPr>
-          <p:nvPr>
-            <p:ph type="sldNum" sz="quarter" idx="12"/>
-          </p:nvPr>
-        </p:nvSpPr>
-        <p:spPr/>
-        <p:txBody>
-          <a:bodyPr/>
-          <a:lstStyle/>
-          <a:p>
-            <a:fld id="{6415963F-B422-0E4C-94FB-293280FD86B8}" type="slidenum">
-              <a:rPr lang="zh-CN" altLang="en-US" smtClean="0">
-                <a:solidFill>
-                  <a:srgbClr val="000000"/>
-                </a:solidFill>
-              </a:rPr>
-              <a:pPr/>
-              <a:t>13</a:t>
-            </a:fld>
-            <a:endParaRPr lang="zh-CN" altLang="en-US">
-              <a:solidFill>
-                <a:srgbClr val="000000"/>
-              </a:solidFill>
-            </a:endParaRPr>
-          </a:p>
-        </p:txBody>
-      </p:sp>
-      <p:sp>
-        <p:nvSpPr>
-          <p:cNvPr id="6" name="AutoShape 2" descr="Image result for evolving computer wearable"/>
-          <p:cNvSpPr>
-            <a:spLocks noChangeAspect="1" noChangeArrowheads="1"/>
-          </p:cNvSpPr>
-          <p:nvPr/>
-        </p:nvSpPr>
-        <p:spPr bwMode="auto">
-          <a:xfrm>
-            <a:off x="63500" y="-136525"/>
-            <a:ext cx="304800" cy="304800"/>
-          </a:xfrm>
-          <a:prstGeom prst="rect">
-            <a:avLst/>
-          </a:prstGeom>
-          <a:noFill/>
-          <a:extLst>
-            <a:ext uri="{909E8E84-426E-40DD-AFC4-6F175D3DCCD1}">
-              <a14:hiddenFill xmlns:a14="http://schemas.microsoft.com/office/drawing/2010/main">
-                <a:solidFill>
-                  <a:srgbClr val="FFFFFF"/>
-                </a:solidFill>
-              </a14:hiddenFill>
-            </a:ext>
-          </a:extLst>
-        </p:spPr>
-        <p:txBody>
-          <a:bodyPr vert="horz" wrap="square" lIns="91440" tIns="45720" rIns="91440" bIns="45720" numCol="1" anchor="t" anchorCtr="0" compatLnSpc="1">
-            <a:prstTxWarp prst="textNoShape">
-              <a:avLst/>
-            </a:prstTxWarp>
-          </a:bodyPr>
-          <a:lstStyle/>
-          <a:p>
-            <a:endParaRPr lang="zh-CN" altLang="en-US"/>
-          </a:p>
-        </p:txBody>
-      </p:sp>
-      <p:pic>
-        <p:nvPicPr>
-          <p:cNvPr id="7" name="图片 6"/>
-          <p:cNvPicPr>
-            <a:picLocks noChangeAspect="1"/>
-          </p:cNvPicPr>
-          <p:nvPr/>
-        </p:nvPicPr>
-        <p:blipFill>
-          <a:blip r:embed="rId2" cstate="print">
-            <a:extLst>
-              <a:ext uri="{28A0092B-C50C-407E-A947-70E740481C1C}">
-                <a14:useLocalDpi xmlns:a14="http://schemas.microsoft.com/office/drawing/2010/main" val="0"/>
-              </a:ext>
-            </a:extLst>
-          </a:blip>
-          <a:stretch>
-            <a:fillRect/>
-          </a:stretch>
-        </p:blipFill>
-        <p:spPr>
-          <a:xfrm>
-            <a:off x="516632" y="1484784"/>
-            <a:ext cx="9235380" cy="4485755"/>
-          </a:xfrm>
-          <a:prstGeom prst="rect">
-            <a:avLst/>
-          </a:prstGeom>
-        </p:spPr>
-      </p:pic>
-    </p:spTree>
-    <p:extLst>
-      <p:ext uri="{BB962C8B-B14F-4D97-AF65-F5344CB8AC3E}">
-        <p14:creationId xmlns:p14="http://schemas.microsoft.com/office/powerpoint/2010/main" val="1816012608"/>
-      </p:ext>
-    </p:extLst>
-  </p:cSld>
-  <p:clrMapOvr>
-    <a:masterClrMapping/>
-  </p:clrMapOvr>
-</p:sld>
-</file>
-
-<file path=ppt/slides/slide14.xml><?xml version="1.0" encoding="utf-8"?>
-<p:sld xmlns:a="http://schemas.openxmlformats.org/drawingml/2006/main" xmlns:r="http://schemas.openxmlformats.org/officeDocument/2006/relationships" xmlns:p="http://schemas.openxmlformats.org/presentationml/2006/main">
-  <p:cSld>
-    <p:spTree>
-      <p:nvGrpSpPr>
-        <p:cNvPr id="1" name=""/>
-        <p:cNvGrpSpPr/>
-        <p:nvPr/>
-      </p:nvGrpSpPr>
-      <p:grpSpPr>
-        <a:xfrm>
-          <a:off x="0" y="0"/>
-          <a:ext cx="0" cy="0"/>
-          <a:chOff x="0" y="0"/>
-          <a:chExt cx="0" cy="0"/>
-        </a:xfrm>
-      </p:grpSpPr>
-      <p:sp>
-        <p:nvSpPr>
-          <p:cNvPr id="2" name="标题 1"/>
-          <p:cNvSpPr>
-            <a:spLocks noGrp="1"/>
-          </p:cNvSpPr>
-          <p:nvPr>
-            <p:ph type="title"/>
-          </p:nvPr>
-        </p:nvSpPr>
-        <p:spPr/>
-        <p:txBody>
-          <a:bodyPr/>
-          <a:lstStyle/>
-          <a:p>
-            <a:r>
-              <a:rPr lang="zh-CN" altLang="en-US" dirty="0"/>
-              <a:t>服务器的演变</a:t>
-            </a:r>
-          </a:p>
-        </p:txBody>
-      </p:sp>
-      <p:sp>
-        <p:nvSpPr>
-          <p:cNvPr id="5" name="灯片编号占位符 4"/>
-          <p:cNvSpPr>
-            <a:spLocks noGrp="1"/>
-          </p:cNvSpPr>
-          <p:nvPr>
-            <p:ph type="sldNum" sz="quarter" idx="12"/>
-          </p:nvPr>
-        </p:nvSpPr>
-        <p:spPr/>
-        <p:txBody>
-          <a:bodyPr/>
-          <a:lstStyle/>
-          <a:p>
-            <a:fld id="{6415963F-B422-0E4C-94FB-293280FD86B8}" type="slidenum">
-              <a:rPr lang="zh-CN" altLang="en-US" smtClean="0">
-                <a:solidFill>
-                  <a:srgbClr val="000000"/>
-                </a:solidFill>
-              </a:rPr>
-              <a:pPr/>
-              <a:t>14</a:t>
-            </a:fld>
-            <a:endParaRPr lang="zh-CN" altLang="en-US">
-              <a:solidFill>
-                <a:srgbClr val="000000"/>
-              </a:solidFill>
-            </a:endParaRPr>
-          </a:p>
-        </p:txBody>
-      </p:sp>
-      <p:sp>
-        <p:nvSpPr>
-          <p:cNvPr id="6" name="AutoShape 2" descr="Image result for ibm mainframe"/>
-          <p:cNvSpPr>
-            <a:spLocks noChangeAspect="1" noChangeArrowheads="1"/>
-          </p:cNvSpPr>
-          <p:nvPr/>
-        </p:nvSpPr>
-        <p:spPr bwMode="auto">
-          <a:xfrm>
-            <a:off x="155575" y="-144463"/>
-            <a:ext cx="304800" cy="304801"/>
-          </a:xfrm>
-          <a:prstGeom prst="rect">
-            <a:avLst/>
-          </a:prstGeom>
-          <a:noFill/>
-          <a:extLst>
-            <a:ext uri="{909E8E84-426E-40DD-AFC4-6F175D3DCCD1}">
-              <a14:hiddenFill xmlns:a14="http://schemas.microsoft.com/office/drawing/2010/main">
-                <a:solidFill>
-                  <a:srgbClr val="FFFFFF"/>
-                </a:solidFill>
-              </a14:hiddenFill>
-            </a:ext>
-          </a:extLst>
-        </p:spPr>
-        <p:txBody>
-          <a:bodyPr vert="horz" wrap="square" lIns="91440" tIns="45720" rIns="91440" bIns="45720" numCol="1" anchor="t" anchorCtr="0" compatLnSpc="1">
-            <a:prstTxWarp prst="textNoShape">
-              <a:avLst/>
-            </a:prstTxWarp>
-          </a:bodyPr>
-          <a:lstStyle/>
-          <a:p>
-            <a:endParaRPr lang="zh-CN" altLang="en-US"/>
-          </a:p>
-        </p:txBody>
-      </p:sp>
-      <p:pic>
-        <p:nvPicPr>
-          <p:cNvPr id="7" name="图片 6"/>
-          <p:cNvPicPr>
-            <a:picLocks noChangeAspect="1"/>
-          </p:cNvPicPr>
-          <p:nvPr/>
-        </p:nvPicPr>
-        <p:blipFill>
-          <a:blip r:embed="rId2">
-            <a:extLst>
-              <a:ext uri="{28A0092B-C50C-407E-A947-70E740481C1C}">
-                <a14:useLocalDpi xmlns:a14="http://schemas.microsoft.com/office/drawing/2010/main" val="0"/>
-              </a:ext>
-            </a:extLst>
-          </a:blip>
-          <a:stretch>
-            <a:fillRect/>
-          </a:stretch>
-        </p:blipFill>
-        <p:spPr>
-          <a:xfrm>
-            <a:off x="1759264" y="1484784"/>
-            <a:ext cx="6912628" cy="4655666"/>
-          </a:xfrm>
-          <a:prstGeom prst="rect">
-            <a:avLst/>
-          </a:prstGeom>
-        </p:spPr>
-      </p:pic>
-    </p:spTree>
-    <p:extLst>
-      <p:ext uri="{BB962C8B-B14F-4D97-AF65-F5344CB8AC3E}">
-        <p14:creationId xmlns:p14="http://schemas.microsoft.com/office/powerpoint/2010/main" val="2001519899"/>
-      </p:ext>
-    </p:extLst>
-  </p:cSld>
-  <p:clrMapOvr>
-    <a:masterClrMapping/>
-  </p:clrMapOvr>
-</p:sld>
-</file>
-
-<file path=ppt/slides/slide15.xml><?xml version="1.0" encoding="utf-8"?>
-<p:sld xmlns:a="http://schemas.openxmlformats.org/drawingml/2006/main" xmlns:r="http://schemas.openxmlformats.org/officeDocument/2006/relationships" xmlns:p="http://schemas.openxmlformats.org/presentationml/2006/main">
-  <p:cSld>
-    <p:spTree>
-      <p:nvGrpSpPr>
-        <p:cNvPr id="1" name=""/>
-        <p:cNvGrpSpPr/>
-        <p:nvPr/>
-      </p:nvGrpSpPr>
-      <p:grpSpPr>
-        <a:xfrm>
-          <a:off x="0" y="0"/>
-          <a:ext cx="0" cy="0"/>
-          <a:chOff x="0" y="0"/>
-          <a:chExt cx="0" cy="0"/>
-        </a:xfrm>
-      </p:grpSpPr>
-      <p:sp>
-        <p:nvSpPr>
-          <p:cNvPr id="2" name="标题 1"/>
-          <p:cNvSpPr>
-            <a:spLocks noGrp="1"/>
-          </p:cNvSpPr>
-          <p:nvPr>
-            <p:ph type="title"/>
-          </p:nvPr>
-        </p:nvSpPr>
-        <p:spPr/>
-        <p:txBody>
-          <a:bodyPr/>
-          <a:lstStyle/>
-          <a:p>
-            <a:r>
-              <a:rPr lang="zh-CN" altLang="en-US" dirty="0"/>
-              <a:t>服务器的演变</a:t>
-            </a:r>
-          </a:p>
-        </p:txBody>
-      </p:sp>
-      <p:sp>
-        <p:nvSpPr>
-          <p:cNvPr id="5" name="灯片编号占位符 4"/>
-          <p:cNvSpPr>
-            <a:spLocks noGrp="1"/>
-          </p:cNvSpPr>
-          <p:nvPr>
-            <p:ph type="sldNum" sz="quarter" idx="12"/>
-          </p:nvPr>
-        </p:nvSpPr>
-        <p:spPr/>
-        <p:txBody>
-          <a:bodyPr/>
-          <a:lstStyle/>
-          <a:p>
-            <a:fld id="{6415963F-B422-0E4C-94FB-293280FD86B8}" type="slidenum">
-              <a:rPr lang="zh-CN" altLang="en-US" smtClean="0">
-                <a:solidFill>
-                  <a:srgbClr val="000000"/>
-                </a:solidFill>
-              </a:rPr>
-              <a:pPr/>
-              <a:t>15</a:t>
-            </a:fld>
-            <a:endParaRPr lang="zh-CN" altLang="en-US">
-              <a:solidFill>
-                <a:srgbClr val="000000"/>
-              </a:solidFill>
-            </a:endParaRPr>
-          </a:p>
-        </p:txBody>
-      </p:sp>
-      <p:pic>
-        <p:nvPicPr>
-          <p:cNvPr id="6" name="图片 5"/>
-          <p:cNvPicPr>
-            <a:picLocks noChangeAspect="1"/>
-          </p:cNvPicPr>
-          <p:nvPr/>
-        </p:nvPicPr>
-        <p:blipFill>
-          <a:blip r:embed="rId2" cstate="print">
-            <a:extLst>
-              <a:ext uri="{28A0092B-C50C-407E-A947-70E740481C1C}">
-                <a14:useLocalDpi xmlns:a14="http://schemas.microsoft.com/office/drawing/2010/main" val="0"/>
-              </a:ext>
-            </a:extLst>
-          </a:blip>
-          <a:stretch>
-            <a:fillRect/>
-          </a:stretch>
-        </p:blipFill>
-        <p:spPr>
-          <a:xfrm>
-            <a:off x="2070756" y="1628800"/>
-            <a:ext cx="6025072" cy="4283450"/>
-          </a:xfrm>
-          <a:prstGeom prst="rect">
-            <a:avLst/>
-          </a:prstGeom>
-        </p:spPr>
-      </p:pic>
-    </p:spTree>
-    <p:extLst>
-      <p:ext uri="{BB962C8B-B14F-4D97-AF65-F5344CB8AC3E}">
-        <p14:creationId xmlns:p14="http://schemas.microsoft.com/office/powerpoint/2010/main" val="3675473779"/>
-      </p:ext>
-    </p:extLst>
-  </p:cSld>
-  <p:clrMapOvr>
-    <a:masterClrMapping/>
-  </p:clrMapOvr>
-</p:sld>
-</file>
-
-<file path=ppt/slides/slide16.xml><?xml version="1.0" encoding="utf-8"?>
-<p:sld xmlns:a="http://schemas.openxmlformats.org/drawingml/2006/main" xmlns:r="http://schemas.openxmlformats.org/officeDocument/2006/relationships" xmlns:p="http://schemas.openxmlformats.org/presentationml/2006/main">
-  <p:cSld>
-    <p:spTree>
-      <p:nvGrpSpPr>
-        <p:cNvPr id="1" name=""/>
-        <p:cNvGrpSpPr/>
-        <p:nvPr/>
-      </p:nvGrpSpPr>
-      <p:grpSpPr>
-        <a:xfrm>
-          <a:off x="0" y="0"/>
-          <a:ext cx="0" cy="0"/>
-          <a:chOff x="0" y="0"/>
-          <a:chExt cx="0" cy="0"/>
-        </a:xfrm>
-      </p:grpSpPr>
-      <p:sp>
-        <p:nvSpPr>
-          <p:cNvPr id="2" name="标题 1"/>
-          <p:cNvSpPr>
-            <a:spLocks noGrp="1"/>
-          </p:cNvSpPr>
-          <p:nvPr>
-            <p:ph type="title"/>
-          </p:nvPr>
-        </p:nvSpPr>
-        <p:spPr/>
-        <p:txBody>
-          <a:bodyPr/>
-          <a:lstStyle/>
-          <a:p>
-            <a:r>
-              <a:rPr lang="zh-CN" altLang="en-US" dirty="0"/>
-              <a:t>服务器的演变</a:t>
-            </a:r>
-          </a:p>
-        </p:txBody>
-      </p:sp>
-      <p:sp>
-        <p:nvSpPr>
-          <p:cNvPr id="5" name="灯片编号占位符 4"/>
-          <p:cNvSpPr>
-            <a:spLocks noGrp="1"/>
-          </p:cNvSpPr>
-          <p:nvPr>
-            <p:ph type="sldNum" sz="quarter" idx="12"/>
-          </p:nvPr>
-        </p:nvSpPr>
-        <p:spPr/>
-        <p:txBody>
-          <a:bodyPr/>
-          <a:lstStyle/>
-          <a:p>
-            <a:fld id="{6415963F-B422-0E4C-94FB-293280FD86B8}" type="slidenum">
-              <a:rPr lang="zh-CN" altLang="en-US" smtClean="0">
-                <a:solidFill>
-                  <a:srgbClr val="000000"/>
-                </a:solidFill>
-              </a:rPr>
-              <a:pPr/>
-              <a:t>16</a:t>
-            </a:fld>
-            <a:endParaRPr lang="zh-CN" altLang="en-US">
-              <a:solidFill>
-                <a:srgbClr val="000000"/>
-              </a:solidFill>
-            </a:endParaRPr>
-          </a:p>
-        </p:txBody>
-      </p:sp>
-      <p:pic>
-        <p:nvPicPr>
-          <p:cNvPr id="3" name="图片 2"/>
-          <p:cNvPicPr>
-            <a:picLocks noChangeAspect="1"/>
-          </p:cNvPicPr>
-          <p:nvPr/>
-        </p:nvPicPr>
-        <p:blipFill>
-          <a:blip r:embed="rId2" cstate="print">
-            <a:extLst>
-              <a:ext uri="{28A0092B-C50C-407E-A947-70E740481C1C}">
-                <a14:useLocalDpi xmlns:a14="http://schemas.microsoft.com/office/drawing/2010/main" val="0"/>
-              </a:ext>
-            </a:extLst>
-          </a:blip>
-          <a:stretch>
-            <a:fillRect/>
-          </a:stretch>
-        </p:blipFill>
-        <p:spPr>
-          <a:xfrm>
-            <a:off x="1244286" y="1268760"/>
-            <a:ext cx="8003670" cy="5334446"/>
-          </a:xfrm>
-          <a:prstGeom prst="rect">
-            <a:avLst/>
-          </a:prstGeom>
-        </p:spPr>
-      </p:pic>
-    </p:spTree>
-    <p:extLst>
-      <p:ext uri="{BB962C8B-B14F-4D97-AF65-F5344CB8AC3E}">
-        <p14:creationId xmlns:p14="http://schemas.microsoft.com/office/powerpoint/2010/main" val="3699640973"/>
-      </p:ext>
-    </p:extLst>
-  </p:cSld>
-  <p:clrMapOvr>
-    <a:masterClrMapping/>
-  </p:clrMapOvr>
-</p:sld>
-</file>
-
-<file path=ppt/slides/slide17.xml><?xml version="1.0" encoding="utf-8"?>
-<p:sld xmlns:a="http://schemas.openxmlformats.org/drawingml/2006/main" xmlns:r="http://schemas.openxmlformats.org/officeDocument/2006/relationships" xmlns:p="http://schemas.openxmlformats.org/presentationml/2006/main">
-  <p:cSld>
-    <p:spTree>
-      <p:nvGrpSpPr>
-        <p:cNvPr id="1" name=""/>
-        <p:cNvGrpSpPr/>
-        <p:nvPr/>
-      </p:nvGrpSpPr>
-      <p:grpSpPr>
-        <a:xfrm>
-          <a:off x="0" y="0"/>
-          <a:ext cx="0" cy="0"/>
-          <a:chOff x="0" y="0"/>
-          <a:chExt cx="0" cy="0"/>
-        </a:xfrm>
-      </p:grpSpPr>
-      <p:sp>
-        <p:nvSpPr>
-          <p:cNvPr id="2" name="标题 1"/>
-          <p:cNvSpPr>
-            <a:spLocks noGrp="1"/>
-          </p:cNvSpPr>
-          <p:nvPr>
-            <p:ph type="title"/>
-          </p:nvPr>
-        </p:nvSpPr>
-        <p:spPr/>
-        <p:txBody>
-          <a:bodyPr/>
-          <a:lstStyle/>
-          <a:p>
-            <a:r>
-              <a:rPr lang="zh-CN" altLang="en-US" dirty="0"/>
-              <a:t>终端的演变</a:t>
-            </a:r>
-          </a:p>
-        </p:txBody>
-      </p:sp>
-      <p:sp>
-        <p:nvSpPr>
-          <p:cNvPr id="5" name="灯片编号占位符 4"/>
-          <p:cNvSpPr>
-            <a:spLocks noGrp="1"/>
-          </p:cNvSpPr>
-          <p:nvPr>
-            <p:ph type="sldNum" sz="quarter" idx="12"/>
-          </p:nvPr>
-        </p:nvSpPr>
-        <p:spPr/>
-        <p:txBody>
-          <a:bodyPr/>
-          <a:lstStyle/>
-          <a:p>
-            <a:fld id="{6415963F-B422-0E4C-94FB-293280FD86B8}" type="slidenum">
-              <a:rPr lang="zh-CN" altLang="en-US" smtClean="0">
-                <a:solidFill>
-                  <a:srgbClr val="000000"/>
-                </a:solidFill>
-              </a:rPr>
-              <a:pPr/>
-              <a:t>17</a:t>
-            </a:fld>
-            <a:endParaRPr lang="zh-CN" altLang="en-US">
-              <a:solidFill>
-                <a:srgbClr val="000000"/>
-              </a:solidFill>
-            </a:endParaRPr>
-          </a:p>
-        </p:txBody>
-      </p:sp>
-      <p:pic>
-        <p:nvPicPr>
-          <p:cNvPr id="6" name="图片 5"/>
-          <p:cNvPicPr>
-            <a:picLocks noChangeAspect="1"/>
-          </p:cNvPicPr>
-          <p:nvPr/>
-        </p:nvPicPr>
-        <p:blipFill>
-          <a:blip r:embed="rId2">
-            <a:extLst>
-              <a:ext uri="{28A0092B-C50C-407E-A947-70E740481C1C}">
-                <a14:useLocalDpi xmlns:a14="http://schemas.microsoft.com/office/drawing/2010/main" val="0"/>
-              </a:ext>
-            </a:extLst>
-          </a:blip>
-          <a:stretch>
-            <a:fillRect/>
-          </a:stretch>
-        </p:blipFill>
-        <p:spPr>
-          <a:xfrm>
-            <a:off x="4905549" y="1916832"/>
-            <a:ext cx="4630439" cy="2880827"/>
-          </a:xfrm>
-          <a:prstGeom prst="rect">
-            <a:avLst/>
-          </a:prstGeom>
-        </p:spPr>
-      </p:pic>
-      <p:pic>
-        <p:nvPicPr>
-          <p:cNvPr id="7" name="图片 6"/>
-          <p:cNvPicPr>
-            <a:picLocks noChangeAspect="1"/>
-          </p:cNvPicPr>
-          <p:nvPr/>
-        </p:nvPicPr>
-        <p:blipFill>
-          <a:blip r:embed="rId3">
-            <a:extLst>
-              <a:ext uri="{28A0092B-C50C-407E-A947-70E740481C1C}">
-                <a14:useLocalDpi xmlns:a14="http://schemas.microsoft.com/office/drawing/2010/main" val="0"/>
-              </a:ext>
-            </a:extLst>
-          </a:blip>
-          <a:stretch>
-            <a:fillRect/>
-          </a:stretch>
-        </p:blipFill>
-        <p:spPr>
-          <a:xfrm>
-            <a:off x="679004" y="1916832"/>
-            <a:ext cx="3893294" cy="3978966"/>
-          </a:xfrm>
-          <a:prstGeom prst="rect">
-            <a:avLst/>
-          </a:prstGeom>
-        </p:spPr>
-      </p:pic>
-    </p:spTree>
-    <p:extLst>
-      <p:ext uri="{BB962C8B-B14F-4D97-AF65-F5344CB8AC3E}">
-        <p14:creationId xmlns:p14="http://schemas.microsoft.com/office/powerpoint/2010/main" val="3574176605"/>
-      </p:ext>
-    </p:extLst>
-  </p:cSld>
-  <p:clrMapOvr>
-    <a:masterClrMapping/>
-  </p:clrMapOvr>
-</p:sld>
-</file>
-
-<file path=ppt/slides/slide18.xml><?xml version="1.0" encoding="utf-8"?>
-<p:sld xmlns:a="http://schemas.openxmlformats.org/drawingml/2006/main" xmlns:r="http://schemas.openxmlformats.org/officeDocument/2006/relationships" xmlns:p="http://schemas.openxmlformats.org/presentationml/2006/main">
-  <p:cSld>
-    <p:spTree>
-      <p:nvGrpSpPr>
-        <p:cNvPr id="1" name=""/>
-        <p:cNvGrpSpPr/>
-        <p:nvPr/>
-      </p:nvGrpSpPr>
-      <p:grpSpPr>
-        <a:xfrm>
-          <a:off x="0" y="0"/>
-          <a:ext cx="0" cy="0"/>
-          <a:chOff x="0" y="0"/>
-          <a:chExt cx="0" cy="0"/>
-        </a:xfrm>
-      </p:grpSpPr>
-      <p:sp>
-        <p:nvSpPr>
-          <p:cNvPr id="2" name="标题 1"/>
-          <p:cNvSpPr>
-            <a:spLocks noGrp="1"/>
-          </p:cNvSpPr>
-          <p:nvPr>
-            <p:ph type="title"/>
-          </p:nvPr>
-        </p:nvSpPr>
-        <p:spPr/>
-        <p:txBody>
-          <a:bodyPr/>
-          <a:lstStyle/>
-          <a:p>
-            <a:r>
-              <a:rPr lang="zh-CN" altLang="en-US" dirty="0"/>
-              <a:t>终端的演变</a:t>
-            </a:r>
-          </a:p>
-        </p:txBody>
-      </p:sp>
-      <p:sp>
-        <p:nvSpPr>
-          <p:cNvPr id="5" name="灯片编号占位符 4"/>
-          <p:cNvSpPr>
-            <a:spLocks noGrp="1"/>
-          </p:cNvSpPr>
-          <p:nvPr>
-            <p:ph type="sldNum" sz="quarter" idx="12"/>
-          </p:nvPr>
-        </p:nvSpPr>
-        <p:spPr/>
-        <p:txBody>
-          <a:bodyPr/>
-          <a:lstStyle/>
-          <a:p>
-            <a:fld id="{6415963F-B422-0E4C-94FB-293280FD86B8}" type="slidenum">
-              <a:rPr lang="zh-CN" altLang="en-US" smtClean="0">
-                <a:solidFill>
-                  <a:srgbClr val="000000"/>
-                </a:solidFill>
-              </a:rPr>
-              <a:pPr/>
-              <a:t>18</a:t>
-            </a:fld>
-            <a:endParaRPr lang="zh-CN" altLang="en-US">
-              <a:solidFill>
-                <a:srgbClr val="000000"/>
-              </a:solidFill>
-            </a:endParaRPr>
-          </a:p>
-        </p:txBody>
-      </p:sp>
-      <p:pic>
-        <p:nvPicPr>
-          <p:cNvPr id="7" name="图片 6"/>
-          <p:cNvPicPr>
-            <a:picLocks noChangeAspect="1"/>
-          </p:cNvPicPr>
-          <p:nvPr/>
-        </p:nvPicPr>
-        <p:blipFill>
-          <a:blip r:embed="rId2">
-            <a:extLst>
-              <a:ext uri="{28A0092B-C50C-407E-A947-70E740481C1C}">
-                <a14:useLocalDpi xmlns:a14="http://schemas.microsoft.com/office/drawing/2010/main" val="0"/>
-              </a:ext>
-            </a:extLst>
-          </a:blip>
-          <a:stretch>
-            <a:fillRect/>
-          </a:stretch>
-        </p:blipFill>
-        <p:spPr>
-          <a:xfrm>
-            <a:off x="4685538" y="1613519"/>
-            <a:ext cx="5354506" cy="3975721"/>
-          </a:xfrm>
-          <a:prstGeom prst="rect">
-            <a:avLst/>
-          </a:prstGeom>
-        </p:spPr>
-      </p:pic>
-      <p:pic>
-        <p:nvPicPr>
-          <p:cNvPr id="8" name="图片 7"/>
-          <p:cNvPicPr>
-            <a:picLocks noChangeAspect="1"/>
-          </p:cNvPicPr>
-          <p:nvPr/>
-        </p:nvPicPr>
-        <p:blipFill>
-          <a:blip r:embed="rId3">
-            <a:extLst>
-              <a:ext uri="{28A0092B-C50C-407E-A947-70E740481C1C}">
-                <a14:useLocalDpi xmlns:a14="http://schemas.microsoft.com/office/drawing/2010/main" val="0"/>
-              </a:ext>
-            </a:extLst>
-          </a:blip>
-          <a:stretch>
-            <a:fillRect/>
-          </a:stretch>
-        </p:blipFill>
-        <p:spPr>
-          <a:xfrm>
-            <a:off x="233284" y="2780928"/>
-            <a:ext cx="5414272" cy="3456384"/>
-          </a:xfrm>
-          <a:prstGeom prst="rect">
-            <a:avLst/>
-          </a:prstGeom>
-        </p:spPr>
-      </p:pic>
-    </p:spTree>
-    <p:extLst>
-      <p:ext uri="{BB962C8B-B14F-4D97-AF65-F5344CB8AC3E}">
-        <p14:creationId xmlns:p14="http://schemas.microsoft.com/office/powerpoint/2010/main" val="253308982"/>
-      </p:ext>
-    </p:extLst>
-  </p:cSld>
-  <p:clrMapOvr>
-    <a:masterClrMapping/>
-  </p:clrMapOvr>
-</p:sld>
-</file>
-
-<file path=ppt/slides/slide19.xml><?xml version="1.0" encoding="utf-8"?>
-<p:sld xmlns:a="http://schemas.openxmlformats.org/drawingml/2006/main" xmlns:r="http://schemas.openxmlformats.org/officeDocument/2006/relationships" xmlns:p="http://schemas.openxmlformats.org/presentationml/2006/main">
-  <p:cSld>
-    <p:spTree>
-      <p:nvGrpSpPr>
-        <p:cNvPr id="1" name=""/>
-        <p:cNvGrpSpPr/>
-        <p:nvPr/>
-      </p:nvGrpSpPr>
-      <p:grpSpPr>
-        <a:xfrm>
-          <a:off x="0" y="0"/>
-          <a:ext cx="0" cy="0"/>
-          <a:chOff x="0" y="0"/>
-          <a:chExt cx="0" cy="0"/>
-        </a:xfrm>
-      </p:grpSpPr>
-      <p:sp>
-        <p:nvSpPr>
-          <p:cNvPr id="2" name="标题 1"/>
-          <p:cNvSpPr>
-            <a:spLocks noGrp="1"/>
-          </p:cNvSpPr>
-          <p:nvPr>
-            <p:ph type="title"/>
-          </p:nvPr>
-        </p:nvSpPr>
-        <p:spPr/>
-        <p:txBody>
-          <a:bodyPr/>
-          <a:lstStyle/>
-          <a:p>
-            <a:r>
-              <a:rPr lang="zh-CN" altLang="en-US" dirty="0"/>
-              <a:t>终端的演变</a:t>
-            </a:r>
-          </a:p>
-        </p:txBody>
-      </p:sp>
-      <p:sp>
-        <p:nvSpPr>
-          <p:cNvPr id="5" name="灯片编号占位符 4"/>
-          <p:cNvSpPr>
-            <a:spLocks noGrp="1"/>
-          </p:cNvSpPr>
-          <p:nvPr>
-            <p:ph type="sldNum" sz="quarter" idx="12"/>
-          </p:nvPr>
-        </p:nvSpPr>
-        <p:spPr/>
-        <p:txBody>
-          <a:bodyPr/>
-          <a:lstStyle/>
-          <a:p>
-            <a:fld id="{6415963F-B422-0E4C-94FB-293280FD86B8}" type="slidenum">
-              <a:rPr lang="zh-CN" altLang="en-US" smtClean="0">
-                <a:solidFill>
-                  <a:srgbClr val="000000"/>
-                </a:solidFill>
-              </a:rPr>
-              <a:pPr/>
-              <a:t>19</a:t>
-            </a:fld>
-            <a:endParaRPr lang="zh-CN" altLang="en-US">
-              <a:solidFill>
-                <a:srgbClr val="000000"/>
-              </a:solidFill>
-            </a:endParaRPr>
-          </a:p>
-        </p:txBody>
-      </p:sp>
-      <p:pic>
-        <p:nvPicPr>
-          <p:cNvPr id="6" name="图片 5"/>
-          <p:cNvPicPr>
-            <a:picLocks noChangeAspect="1"/>
-          </p:cNvPicPr>
-          <p:nvPr/>
-        </p:nvPicPr>
-        <p:blipFill>
-          <a:blip r:embed="rId2">
-            <a:extLst>
-              <a:ext uri="{28A0092B-C50C-407E-A947-70E740481C1C}">
-                <a14:useLocalDpi xmlns:a14="http://schemas.microsoft.com/office/drawing/2010/main" val="0"/>
-              </a:ext>
-            </a:extLst>
-          </a:blip>
-          <a:stretch>
-            <a:fillRect/>
-          </a:stretch>
-        </p:blipFill>
-        <p:spPr>
-          <a:xfrm>
-            <a:off x="751012" y="2027813"/>
-            <a:ext cx="5277452" cy="3484939"/>
-          </a:xfrm>
-          <a:prstGeom prst="rect">
-            <a:avLst/>
-          </a:prstGeom>
-        </p:spPr>
-      </p:pic>
-      <p:pic>
-        <p:nvPicPr>
-          <p:cNvPr id="7" name="图片 6"/>
-          <p:cNvPicPr>
-            <a:picLocks noChangeAspect="1"/>
-          </p:cNvPicPr>
-          <p:nvPr/>
-        </p:nvPicPr>
-        <p:blipFill>
-          <a:blip r:embed="rId3">
-            <a:extLst>
-              <a:ext uri="{28A0092B-C50C-407E-A947-70E740481C1C}">
-                <a14:useLocalDpi xmlns:a14="http://schemas.microsoft.com/office/drawing/2010/main" val="0"/>
-              </a:ext>
-            </a:extLst>
-          </a:blip>
-          <a:stretch>
-            <a:fillRect/>
-          </a:stretch>
-        </p:blipFill>
-        <p:spPr>
-          <a:xfrm>
-            <a:off x="6283308" y="2060848"/>
-            <a:ext cx="3396696" cy="3396696"/>
-          </a:xfrm>
-          <a:prstGeom prst="rect">
-            <a:avLst/>
-          </a:prstGeom>
-        </p:spPr>
-      </p:pic>
-    </p:spTree>
-    <p:extLst>
-      <p:ext uri="{BB962C8B-B14F-4D97-AF65-F5344CB8AC3E}">
-        <p14:creationId xmlns:p14="http://schemas.microsoft.com/office/powerpoint/2010/main" val="4015013917"/>
-      </p:ext>
-    </p:extLst>
-  </p:cSld>
-  <p:clrMapOvr>
-    <a:masterClrMapping/>
-  </p:clrMapOvr>
-</p:sld>
-</file>
-
-<file path=ppt/slides/slide2.xml><?xml version="1.0" encoding="utf-8"?>
-<p:sld xmlns:a="http://schemas.openxmlformats.org/drawingml/2006/main" xmlns:r="http://schemas.openxmlformats.org/officeDocument/2006/relationships" xmlns:p="http://schemas.openxmlformats.org/presentationml/2006/main">
-  <p:cSld>
-    <p:spTree>
-      <p:nvGrpSpPr>
-        <p:cNvPr id="1" name=""/>
-        <p:cNvGrpSpPr/>
-        <p:nvPr/>
-      </p:nvGrpSpPr>
-      <p:grpSpPr>
-        <a:xfrm>
-          <a:off x="0" y="0"/>
-          <a:ext cx="0" cy="0"/>
-          <a:chOff x="0" y="0"/>
-          <a:chExt cx="0" cy="0"/>
-        </a:xfrm>
-      </p:grpSpPr>
-      <p:sp>
-        <p:nvSpPr>
-          <p:cNvPr id="2" name="标题 1"/>
-          <p:cNvSpPr>
-            <a:spLocks noGrp="1"/>
-          </p:cNvSpPr>
-          <p:nvPr>
-            <p:ph type="title"/>
-          </p:nvPr>
-        </p:nvSpPr>
-        <p:spPr/>
-        <p:txBody>
-          <a:bodyPr/>
-          <a:lstStyle/>
-          <a:p>
-            <a:r>
-              <a:rPr lang="zh-CN" altLang="en-US" dirty="0"/>
-              <a:t>课程简介</a:t>
-            </a:r>
-          </a:p>
-        </p:txBody>
-      </p:sp>
-      <p:sp>
-        <p:nvSpPr>
-          <p:cNvPr id="3" name="内容占位符 2"/>
-          <p:cNvSpPr>
-            <a:spLocks noGrp="1"/>
-          </p:cNvSpPr>
-          <p:nvPr>
-            <p:ph idx="1"/>
-          </p:nvPr>
-        </p:nvSpPr>
-        <p:spPr>
-          <a:xfrm>
-            <a:off x="514350" y="1600201"/>
-            <a:ext cx="9885734" cy="4610100"/>
-          </a:xfrm>
-        </p:spPr>
-        <p:txBody>
-          <a:bodyPr/>
-          <a:lstStyle/>
-          <a:p>
-            <a:r>
-              <a:rPr lang="zh-CN" altLang="en-US" dirty="0"/>
-              <a:t>先修课：数据库概论</a:t>
-            </a:r>
-            <a:endParaRPr lang="en-US" altLang="zh-CN" dirty="0"/>
-          </a:p>
-          <a:p>
-            <a:pPr lvl="1"/>
-            <a:r>
-              <a:rPr lang="zh-CN" altLang="en-US" dirty="0"/>
-              <a:t>如何使用数据库系统？</a:t>
-            </a:r>
-            <a:endParaRPr lang="en-US" altLang="zh-CN" dirty="0"/>
-          </a:p>
-          <a:p>
-            <a:r>
-              <a:rPr lang="zh-CN" altLang="en-US" dirty="0"/>
-              <a:t>本课程：高级数据库系统</a:t>
-            </a:r>
-            <a:endParaRPr lang="en-US" altLang="zh-CN" dirty="0"/>
-          </a:p>
-          <a:p>
-            <a:pPr lvl="1"/>
-            <a:r>
-              <a:rPr lang="zh-CN" altLang="en-US" dirty="0"/>
-              <a:t>数据库理论的拓展。</a:t>
-            </a:r>
-            <a:endParaRPr lang="en-US" altLang="zh-CN" dirty="0"/>
-          </a:p>
-          <a:p>
-            <a:pPr lvl="1"/>
-            <a:r>
-              <a:rPr lang="zh-CN" altLang="en-US" dirty="0"/>
-              <a:t>数据库系统的一些内部实现方法</a:t>
-            </a:r>
-          </a:p>
-        </p:txBody>
-      </p:sp>
-      <p:sp>
-        <p:nvSpPr>
-          <p:cNvPr id="5" name="灯片编号占位符 4"/>
-          <p:cNvSpPr>
-            <a:spLocks noGrp="1"/>
-          </p:cNvSpPr>
-          <p:nvPr>
-            <p:ph type="sldNum" sz="quarter" idx="12"/>
-          </p:nvPr>
-        </p:nvSpPr>
-        <p:spPr/>
-        <p:txBody>
-          <a:bodyPr/>
-          <a:lstStyle/>
-          <a:p>
-            <a:fld id="{6415963F-B422-0E4C-94FB-293280FD86B8}" type="slidenum">
-              <a:rPr lang="zh-CN" altLang="en-US" smtClean="0">
-                <a:solidFill>
-                  <a:srgbClr val="000000"/>
-                </a:solidFill>
-              </a:rPr>
-              <a:pPr/>
-              <a:t>2</a:t>
-            </a:fld>
-            <a:endParaRPr lang="zh-CN" altLang="en-US">
-              <a:solidFill>
-                <a:srgbClr val="000000"/>
-              </a:solidFill>
-            </a:endParaRPr>
-          </a:p>
-        </p:txBody>
-      </p:sp>
-    </p:spTree>
-    <p:extLst>
-      <p:ext uri="{BB962C8B-B14F-4D97-AF65-F5344CB8AC3E}">
-        <p14:creationId xmlns:p14="http://schemas.microsoft.com/office/powerpoint/2010/main" val="2470174590"/>
-      </p:ext>
-    </p:extLst>
-  </p:cSld>
-  <p:clrMapOvr>
-    <a:masterClrMapping/>
-  </p:clrMapOvr>
-</p:sld>
-</file>
-
-<file path=ppt/slides/slide20.xml><?xml version="1.0" encoding="utf-8"?>
-<p:sld xmlns:a="http://schemas.openxmlformats.org/drawingml/2006/main" xmlns:r="http://schemas.openxmlformats.org/officeDocument/2006/relationships" xmlns:p="http://schemas.openxmlformats.org/presentationml/2006/main">
-  <p:cSld>
-    <p:spTree>
-      <p:nvGrpSpPr>
-        <p:cNvPr id="1" name=""/>
-        <p:cNvGrpSpPr/>
-        <p:nvPr/>
-      </p:nvGrpSpPr>
-      <p:grpSpPr>
-        <a:xfrm>
-          <a:off x="0" y="0"/>
-          <a:ext cx="0" cy="0"/>
-          <a:chOff x="0" y="0"/>
-          <a:chExt cx="0" cy="0"/>
-        </a:xfrm>
-      </p:grpSpPr>
-      <p:sp>
-        <p:nvSpPr>
-          <p:cNvPr id="2" name="标题 1"/>
-          <p:cNvSpPr>
-            <a:spLocks noGrp="1"/>
-          </p:cNvSpPr>
-          <p:nvPr>
-            <p:ph type="title"/>
-          </p:nvPr>
-        </p:nvSpPr>
-        <p:spPr/>
-        <p:txBody>
-          <a:bodyPr/>
-          <a:lstStyle/>
-          <a:p>
-            <a:r>
-              <a:rPr lang="zh-CN" altLang="en-US" dirty="0"/>
-              <a:t>终端的演变</a:t>
-            </a:r>
-          </a:p>
-        </p:txBody>
-      </p:sp>
-      <p:sp>
-        <p:nvSpPr>
-          <p:cNvPr id="5" name="灯片编号占位符 4"/>
-          <p:cNvSpPr>
-            <a:spLocks noGrp="1"/>
-          </p:cNvSpPr>
-          <p:nvPr>
-            <p:ph type="sldNum" sz="quarter" idx="12"/>
-          </p:nvPr>
-        </p:nvSpPr>
-        <p:spPr/>
-        <p:txBody>
-          <a:bodyPr/>
-          <a:lstStyle/>
-          <a:p>
-            <a:fld id="{6415963F-B422-0E4C-94FB-293280FD86B8}" type="slidenum">
-              <a:rPr lang="zh-CN" altLang="en-US" smtClean="0">
-                <a:solidFill>
-                  <a:srgbClr val="000000"/>
-                </a:solidFill>
-              </a:rPr>
-              <a:pPr/>
-              <a:t>20</a:t>
-            </a:fld>
-            <a:endParaRPr lang="zh-CN" altLang="en-US">
-              <a:solidFill>
-                <a:srgbClr val="000000"/>
-              </a:solidFill>
-            </a:endParaRPr>
-          </a:p>
-        </p:txBody>
-      </p:sp>
-      <p:pic>
-        <p:nvPicPr>
-          <p:cNvPr id="6" name="图片 5"/>
-          <p:cNvPicPr>
-            <a:picLocks noChangeAspect="1"/>
-          </p:cNvPicPr>
-          <p:nvPr/>
-        </p:nvPicPr>
-        <p:blipFill>
-          <a:blip r:embed="rId2" cstate="print">
-            <a:extLst>
-              <a:ext uri="{28A0092B-C50C-407E-A947-70E740481C1C}">
-                <a14:useLocalDpi xmlns:a14="http://schemas.microsoft.com/office/drawing/2010/main" val="0"/>
-              </a:ext>
-            </a:extLst>
-          </a:blip>
-          <a:stretch>
-            <a:fillRect/>
-          </a:stretch>
-        </p:blipFill>
-        <p:spPr>
-          <a:xfrm>
-            <a:off x="1471092" y="1396052"/>
-            <a:ext cx="7272808" cy="4841260"/>
-          </a:xfrm>
-          <a:prstGeom prst="rect">
-            <a:avLst/>
-          </a:prstGeom>
-        </p:spPr>
-      </p:pic>
-    </p:spTree>
-    <p:extLst>
-      <p:ext uri="{BB962C8B-B14F-4D97-AF65-F5344CB8AC3E}">
-        <p14:creationId xmlns:p14="http://schemas.microsoft.com/office/powerpoint/2010/main" val="542734211"/>
-      </p:ext>
-    </p:extLst>
-  </p:cSld>
-  <p:clrMapOvr>
-    <a:masterClrMapping/>
-  </p:clrMapOvr>
-</p:sld>
-</file>
-
-<file path=ppt/slides/slide21.xml><?xml version="1.0" encoding="utf-8"?>
-<p:sld xmlns:a="http://schemas.openxmlformats.org/drawingml/2006/main" xmlns:r="http://schemas.openxmlformats.org/officeDocument/2006/relationships" xmlns:p="http://schemas.openxmlformats.org/presentationml/2006/main">
-  <p:cSld>
-    <p:spTree>
-      <p:nvGrpSpPr>
-        <p:cNvPr id="1" name=""/>
-        <p:cNvGrpSpPr/>
-        <p:nvPr/>
-      </p:nvGrpSpPr>
-      <p:grpSpPr>
-        <a:xfrm>
-          <a:off x="0" y="0"/>
-          <a:ext cx="0" cy="0"/>
-          <a:chOff x="0" y="0"/>
-          <a:chExt cx="0" cy="0"/>
-        </a:xfrm>
-      </p:grpSpPr>
-      <p:sp>
-        <p:nvSpPr>
-          <p:cNvPr id="2" name="标题 1"/>
-          <p:cNvSpPr>
-            <a:spLocks noGrp="1"/>
-          </p:cNvSpPr>
-          <p:nvPr>
-            <p:ph type="title"/>
-          </p:nvPr>
-        </p:nvSpPr>
-        <p:spPr/>
-        <p:txBody>
-          <a:bodyPr/>
-          <a:lstStyle/>
-          <a:p>
-            <a:r>
-              <a:rPr lang="en-US" altLang="zh-CN" dirty="0"/>
-              <a:t>No-SQL</a:t>
-            </a:r>
-            <a:endParaRPr lang="zh-CN" altLang="en-US" dirty="0"/>
-          </a:p>
-        </p:txBody>
-      </p:sp>
-      <p:sp>
-        <p:nvSpPr>
-          <p:cNvPr id="3" name="内容占位符 2"/>
-          <p:cNvSpPr>
-            <a:spLocks noGrp="1"/>
-          </p:cNvSpPr>
-          <p:nvPr>
-            <p:ph idx="1"/>
-          </p:nvPr>
-        </p:nvSpPr>
-        <p:spPr/>
-        <p:txBody>
-          <a:bodyPr/>
-          <a:lstStyle/>
-          <a:p>
-            <a:endParaRPr lang="zh-CN" altLang="en-US" dirty="0"/>
-          </a:p>
-        </p:txBody>
-      </p:sp>
-      <p:sp>
-        <p:nvSpPr>
-          <p:cNvPr id="4" name="灯片编号占位符 3"/>
-          <p:cNvSpPr>
-            <a:spLocks noGrp="1"/>
-          </p:cNvSpPr>
-          <p:nvPr>
-            <p:ph type="sldNum" sz="quarter" idx="12"/>
-          </p:nvPr>
-        </p:nvSpPr>
-        <p:spPr/>
-        <p:txBody>
-          <a:bodyPr/>
-          <a:lstStyle/>
-          <a:p>
-            <a:fld id="{6415963F-B422-0E4C-94FB-293280FD86B8}" type="slidenum">
-              <a:rPr lang="zh-CN" altLang="en-US" smtClean="0">
-                <a:solidFill>
-                  <a:srgbClr val="000000"/>
-                </a:solidFill>
-              </a:rPr>
-              <a:pPr/>
-              <a:t>21</a:t>
             </a:fld>
             <a:endParaRPr lang="zh-CN" altLang="en-US">
               <a:solidFill>
@@ -7562,7 +6015,7 @@
 </p:sld>
 </file>
 
-<file path=ppt/slides/slide22.xml><?xml version="1.0" encoding="utf-8"?>
+<file path=ppt/slides/slide12.xml><?xml version="1.0" encoding="utf-8"?>
 <p:sld xmlns:a="http://schemas.openxmlformats.org/drawingml/2006/main" xmlns:r="http://schemas.openxmlformats.org/officeDocument/2006/relationships" xmlns:p="http://schemas.openxmlformats.org/presentationml/2006/main">
   <p:cSld>
     <p:spTree>
@@ -8349,7 +6802,7 @@
               <a:pPr>
                 <a:defRPr/>
               </a:pPr>
-              <a:t>22</a:t>
+              <a:t>12</a:t>
             </a:fld>
             <a:endParaRPr lang="zh-CN" altLang="en-US" dirty="0"/>
           </a:p>
@@ -8368,7 +6821,7 @@
 </p:sld>
 </file>
 
-<file path=ppt/slides/slide23.xml><?xml version="1.0" encoding="utf-8"?>
+<file path=ppt/slides/slide13.xml><?xml version="1.0" encoding="utf-8"?>
 <p:sld xmlns:a="http://schemas.openxmlformats.org/drawingml/2006/main" xmlns:r="http://schemas.openxmlformats.org/officeDocument/2006/relationships" xmlns:p="http://schemas.openxmlformats.org/presentationml/2006/main">
   <p:cSld>
     <p:spTree>
@@ -8507,7 +6960,7 @@
             <a:fld id="{781C05F3-0AEC-3447-B57F-5C3ABD76D55B}" type="slidenum">
               <a:rPr lang="zh-CN" altLang="en-US" smtClean="0"/>
               <a:pPr/>
-              <a:t>23</a:t>
+              <a:t>13</a:t>
             </a:fld>
             <a:endParaRPr lang="en-US" altLang="zh-CN"/>
           </a:p>
@@ -8550,7 +7003,7 @@
 </p:sld>
 </file>
 
-<file path=ppt/slides/slide24.xml><?xml version="1.0" encoding="utf-8"?>
+<file path=ppt/slides/slide14.xml><?xml version="1.0" encoding="utf-8"?>
 <p:sld xmlns:a="http://schemas.openxmlformats.org/drawingml/2006/main" xmlns:r="http://schemas.openxmlformats.org/officeDocument/2006/relationships" xmlns:p="http://schemas.openxmlformats.org/presentationml/2006/main">
   <p:cSld>
     <p:spTree>
@@ -8664,7 +7117,7 @@
                 </a:solidFill>
               </a:rPr>
               <a:pPr/>
-              <a:t>24</a:t>
+              <a:t>14</a:t>
             </a:fld>
             <a:endParaRPr lang="zh-CN" altLang="en-US">
               <a:solidFill>
@@ -8687,7 +7140,7 @@
 </p:sld>
 </file>
 
-<file path=ppt/slides/slide25.xml><?xml version="1.0" encoding="utf-8"?>
+<file path=ppt/slides/slide15.xml><?xml version="1.0" encoding="utf-8"?>
 <p:sld xmlns:a="http://schemas.openxmlformats.org/drawingml/2006/main" xmlns:r="http://schemas.openxmlformats.org/officeDocument/2006/relationships" xmlns:p="http://schemas.openxmlformats.org/presentationml/2006/main">
   <p:cSld>
     <p:spTree>
@@ -8748,7 +7201,7 @@
                 </a:solidFill>
               </a:rPr>
               <a:pPr/>
-              <a:t>25</a:t>
+              <a:t>15</a:t>
             </a:fld>
             <a:endParaRPr lang="zh-CN" altLang="en-US">
               <a:solidFill>
@@ -8920,7 +7373,7 @@
 </p:sld>
 </file>
 
-<file path=ppt/slides/slide26.xml><?xml version="1.0" encoding="utf-8"?>
+<file path=ppt/slides/slide16.xml><?xml version="1.0" encoding="utf-8"?>
 <p:sld xmlns:a="http://schemas.openxmlformats.org/drawingml/2006/main" xmlns:r="http://schemas.openxmlformats.org/officeDocument/2006/relationships" xmlns:p="http://schemas.openxmlformats.org/presentationml/2006/main">
   <p:cSld>
     <p:spTree>
@@ -9040,7 +7493,7 @@
                 </a:solidFill>
               </a:rPr>
               <a:pPr/>
-              <a:t>26</a:t>
+              <a:t>16</a:t>
             </a:fld>
             <a:endParaRPr lang="zh-CN" altLang="en-US">
               <a:solidFill>
@@ -9197,7 +7650,7 @@
 </p:sld>
 </file>
 
-<file path=ppt/slides/slide27.xml><?xml version="1.0" encoding="utf-8"?>
+<file path=ppt/slides/slide17.xml><?xml version="1.0" encoding="utf-8"?>
 <p:sld xmlns:a="http://schemas.openxmlformats.org/drawingml/2006/main" xmlns:r="http://schemas.openxmlformats.org/officeDocument/2006/relationships" xmlns:p="http://schemas.openxmlformats.org/presentationml/2006/main">
   <p:cSld>
     <p:spTree>
@@ -9315,7 +7768,7 @@
                 </a:solidFill>
               </a:rPr>
               <a:pPr/>
-              <a:t>27</a:t>
+              <a:t>17</a:t>
             </a:fld>
             <a:endParaRPr lang="zh-CN" altLang="en-US">
               <a:solidFill>
@@ -9374,7 +7827,7 @@
 </p:sld>
 </file>
 
-<file path=ppt/slides/slide28.xml><?xml version="1.0" encoding="utf-8"?>
+<file path=ppt/slides/slide18.xml><?xml version="1.0" encoding="utf-8"?>
 <p:sld xmlns:a="http://schemas.openxmlformats.org/drawingml/2006/main" xmlns:r="http://schemas.openxmlformats.org/officeDocument/2006/relationships" xmlns:p="http://schemas.openxmlformats.org/presentationml/2006/main">
   <p:cSld>
     <p:spTree>
@@ -9456,7 +7909,7 @@
                 </a:solidFill>
               </a:rPr>
               <a:pPr/>
-              <a:t>28</a:t>
+              <a:t>18</a:t>
             </a:fld>
             <a:endParaRPr lang="zh-CN" altLang="en-US">
               <a:solidFill>
@@ -9479,7 +7932,7 @@
 </p:sld>
 </file>
 
-<file path=ppt/slides/slide29.xml><?xml version="1.0" encoding="utf-8"?>
+<file path=ppt/slides/slide19.xml><?xml version="1.0" encoding="utf-8"?>
 <p:sld xmlns:a="http://schemas.openxmlformats.org/drawingml/2006/main" xmlns:r="http://schemas.openxmlformats.org/officeDocument/2006/relationships" xmlns:p="http://schemas.openxmlformats.org/presentationml/2006/main">
   <p:cSld>
     <p:spTree>
@@ -9666,7 +8119,7 @@
                 </a:solidFill>
               </a:rPr>
               <a:pPr/>
-              <a:t>29</a:t>
+              <a:t>19</a:t>
             </a:fld>
             <a:endParaRPr lang="zh-CN" altLang="en-US">
               <a:solidFill>
@@ -9689,7 +8142,7 @@
 </p:sld>
 </file>
 
-<file path=ppt/slides/slide3.xml><?xml version="1.0" encoding="utf-8"?>
+<file path=ppt/slides/slide2.xml><?xml version="1.0" encoding="utf-8"?>
 <p:sld xmlns:a="http://schemas.openxmlformats.org/drawingml/2006/main" xmlns:r="http://schemas.openxmlformats.org/officeDocument/2006/relationships" xmlns:p="http://schemas.openxmlformats.org/presentationml/2006/main">
   <p:cSld>
     <p:spTree>
@@ -9723,7 +8176,7 @@
           <a:p>
             <a:r>
               <a:rPr lang="zh-CN" altLang="en-US" dirty="0"/>
-              <a:t>本课程的内容</a:t>
+              <a:t>课程简介</a:t>
             </a:r>
           </a:p>
         </p:txBody>
@@ -9740,33 +8193,40 @@
         </p:nvSpPr>
         <p:spPr>
           <a:xfrm>
-            <a:off x="514350" y="1417641"/>
-            <a:ext cx="9258300" cy="4610100"/>
+            <a:off x="514350" y="1600201"/>
+            <a:ext cx="9885734" cy="4610100"/>
           </a:xfrm>
         </p:spPr>
         <p:txBody>
-          <a:bodyPr>
-            <a:normAutofit fontScale="55000" lnSpcReduction="20000"/>
-          </a:bodyPr>
+          <a:bodyPr/>
           <a:lstStyle/>
           <a:p>
-            <a:pPr marL="0" indent="0">
-              <a:buNone/>
-            </a:pPr>
+            <a:r>
+              <a:rPr lang="zh-CN" altLang="en-US" dirty="0"/>
+              <a:t>先修课：数据库概论</a:t>
+            </a:r>
             <a:endParaRPr lang="en-US" altLang="zh-CN" dirty="0"/>
           </a:p>
           <a:p>
+            <a:pPr lvl="1"/>
             <a:r>
               <a:rPr lang="zh-CN" altLang="en-US" dirty="0"/>
-              <a:t>数据库系统的设计思想</a:t>
+              <a:t>如何使用数据库系统？</a:t>
             </a:r>
             <a:endParaRPr lang="en-US" altLang="zh-CN" dirty="0"/>
           </a:p>
           <a:p>
+            <a:r>
+              <a:rPr lang="zh-CN" altLang="en-US" dirty="0"/>
+              <a:t>本课程：高级数据库系统</a:t>
+            </a:r>
+            <a:endParaRPr lang="en-US" altLang="zh-CN" dirty="0"/>
+          </a:p>
+          <a:p>
             <a:pPr lvl="1"/>
             <a:r>
               <a:rPr lang="zh-CN" altLang="en-US" dirty="0"/>
-              <a:t>为什么长这样？</a:t>
+              <a:t>数据库理论的拓展。</a:t>
             </a:r>
             <a:endParaRPr lang="en-US" altLang="zh-CN" dirty="0"/>
           </a:p>
@@ -9774,78 +8234,14 @@
             <a:pPr lvl="1"/>
             <a:r>
               <a:rPr lang="zh-CN" altLang="en-US" dirty="0"/>
-              <a:t>数据库系统的实现</a:t>
-            </a:r>
-            <a:endParaRPr lang="en-US" altLang="zh-CN" dirty="0"/>
-          </a:p>
-          <a:p>
-            <a:r>
-              <a:rPr lang="zh-CN" altLang="en-US" dirty="0"/>
-              <a:t>主要内容</a:t>
-            </a:r>
-            <a:endParaRPr lang="en-US" altLang="zh-CN" dirty="0"/>
-          </a:p>
-          <a:p>
-            <a:pPr lvl="1"/>
-            <a:r>
-              <a:rPr lang="zh-CN" altLang="en-US" dirty="0"/>
-              <a:t>存储、查询引擎、事务管理、分布式一致性协议</a:t>
-            </a:r>
-            <a:endParaRPr lang="en-US" altLang="zh-CN" dirty="0"/>
-          </a:p>
-          <a:p>
-            <a:r>
-              <a:rPr lang="zh-CN" altLang="en-US" dirty="0"/>
-              <a:t>以当下系统为案例，可能涉及的数据管理系统</a:t>
-            </a:r>
-            <a:endParaRPr lang="en-US" altLang="zh-CN" dirty="0"/>
-          </a:p>
-          <a:p>
-            <a:pPr lvl="1"/>
-            <a:r>
-              <a:rPr lang="en-US" altLang="zh-CN" dirty="0" err="1"/>
-              <a:t>LevelDB</a:t>
-            </a:r>
-            <a:r>
-              <a:rPr lang="en-US" altLang="zh-CN" dirty="0"/>
-              <a:t> (Google)</a:t>
-            </a:r>
-          </a:p>
-          <a:p>
-            <a:pPr lvl="1"/>
-            <a:r>
-              <a:rPr lang="en-US" altLang="zh-CN" dirty="0" err="1"/>
-              <a:t>TiDB</a:t>
-            </a:r>
-            <a:r>
-              <a:rPr lang="en-US" altLang="zh-CN" dirty="0"/>
-              <a:t> (</a:t>
-            </a:r>
-            <a:r>
-              <a:rPr lang="en-US" altLang="zh-CN" dirty="0" err="1"/>
-              <a:t>PingCAP</a:t>
-            </a:r>
-            <a:r>
-              <a:rPr lang="en-US" altLang="zh-CN" dirty="0"/>
-              <a:t>)</a:t>
-            </a:r>
-          </a:p>
-          <a:p>
-            <a:pPr lvl="1"/>
-            <a:r>
-              <a:rPr lang="en-US" altLang="zh-CN" dirty="0"/>
-              <a:t>DBX1000 (Prototype)</a:t>
-            </a:r>
-          </a:p>
-          <a:p>
-            <a:pPr lvl="1"/>
-            <a:endParaRPr lang="en-US" altLang="zh-CN" dirty="0"/>
-          </a:p>
-        </p:txBody>
-      </p:sp>
-      <p:sp>
-        <p:nvSpPr>
-          <p:cNvPr id="4" name="灯片编号占位符 3"/>
+              <a:t>数据库系统的一些内部实现方法</a:t>
+            </a:r>
+          </a:p>
+        </p:txBody>
+      </p:sp>
+      <p:sp>
+        <p:nvSpPr>
+          <p:cNvPr id="5" name="灯片编号占位符 4"/>
           <p:cNvSpPr>
             <a:spLocks noGrp="1"/>
           </p:cNvSpPr>
@@ -9865,7 +8261,7 @@
                 </a:solidFill>
               </a:rPr>
               <a:pPr/>
-              <a:t>3</a:t>
+              <a:t>2</a:t>
             </a:fld>
             <a:endParaRPr lang="zh-CN" altLang="en-US">
               <a:solidFill>
@@ -9878,7 +8274,7 @@
     </p:spTree>
     <p:extLst>
       <p:ext uri="{BB962C8B-B14F-4D97-AF65-F5344CB8AC3E}">
-        <p14:creationId xmlns:p14="http://schemas.microsoft.com/office/powerpoint/2010/main" val="2023706280"/>
+        <p14:creationId xmlns:p14="http://schemas.microsoft.com/office/powerpoint/2010/main" val="2470174590"/>
       </p:ext>
     </p:extLst>
   </p:cSld>
@@ -9888,7 +8284,7 @@
 </p:sld>
 </file>
 
-<file path=ppt/slides/slide30.xml><?xml version="1.0" encoding="utf-8"?>
+<file path=ppt/slides/slide20.xml><?xml version="1.0" encoding="utf-8"?>
 <p:sld xmlns:a="http://schemas.openxmlformats.org/drawingml/2006/main" xmlns:r="http://schemas.openxmlformats.org/officeDocument/2006/relationships" xmlns:p="http://schemas.openxmlformats.org/presentationml/2006/main">
   <p:cSld>
     <p:spTree>
@@ -10014,7 +8410,7 @@
                 </a:solidFill>
               </a:rPr>
               <a:pPr/>
-              <a:t>30</a:t>
+              <a:t>20</a:t>
             </a:fld>
             <a:endParaRPr lang="zh-CN" altLang="en-US">
               <a:solidFill>
@@ -10037,7 +8433,7 @@
 </p:sld>
 </file>
 
-<file path=ppt/slides/slide31.xml><?xml version="1.0" encoding="utf-8"?>
+<file path=ppt/slides/slide21.xml><?xml version="1.0" encoding="utf-8"?>
 <p:sld xmlns:a="http://schemas.openxmlformats.org/drawingml/2006/main" xmlns:r="http://schemas.openxmlformats.org/officeDocument/2006/relationships" xmlns:p="http://schemas.openxmlformats.org/presentationml/2006/main">
   <p:cSld>
     <p:spTree>
@@ -10176,7 +8572,7 @@
                 </a:solidFill>
               </a:rPr>
               <a:pPr/>
-              <a:t>31</a:t>
+              <a:t>21</a:t>
             </a:fld>
             <a:endParaRPr lang="zh-CN" altLang="en-US">
               <a:solidFill>
@@ -10199,7 +8595,7 @@
 </p:sld>
 </file>
 
-<file path=ppt/slides/slide32.xml><?xml version="1.0" encoding="utf-8"?>
+<file path=ppt/slides/slide22.xml><?xml version="1.0" encoding="utf-8"?>
 <p:sld xmlns:a="http://schemas.openxmlformats.org/drawingml/2006/main" xmlns:r="http://schemas.openxmlformats.org/officeDocument/2006/relationships" xmlns:p="http://schemas.openxmlformats.org/presentationml/2006/main">
   <p:cSld>
     <p:spTree>
@@ -10341,7 +8737,7 @@
                 </a:solidFill>
               </a:rPr>
               <a:pPr/>
-              <a:t>32</a:t>
+              <a:t>22</a:t>
             </a:fld>
             <a:endParaRPr lang="zh-CN" altLang="en-US">
               <a:solidFill>
@@ -10364,7 +8760,7 @@
 </p:sld>
 </file>
 
-<file path=ppt/slides/slide33.xml><?xml version="1.0" encoding="utf-8"?>
+<file path=ppt/slides/slide23.xml><?xml version="1.0" encoding="utf-8"?>
 <p:sld xmlns:a="http://schemas.openxmlformats.org/drawingml/2006/main" xmlns:r="http://schemas.openxmlformats.org/officeDocument/2006/relationships" xmlns:p="http://schemas.openxmlformats.org/presentationml/2006/main">
   <p:cSld>
     <p:spTree>
@@ -10483,7 +8879,7 @@
                 </a:solidFill>
               </a:rPr>
               <a:pPr/>
-              <a:t>33</a:t>
+              <a:t>23</a:t>
             </a:fld>
             <a:endParaRPr lang="zh-CN" altLang="en-US">
               <a:solidFill>
@@ -10506,7 +8902,7 @@
 </p:sld>
 </file>
 
-<file path=ppt/slides/slide34.xml><?xml version="1.0" encoding="utf-8"?>
+<file path=ppt/slides/slide24.xml><?xml version="1.0" encoding="utf-8"?>
 <p:sld xmlns:a="http://schemas.openxmlformats.org/drawingml/2006/main" xmlns:r="http://schemas.openxmlformats.org/officeDocument/2006/relationships" xmlns:p="http://schemas.openxmlformats.org/presentationml/2006/main">
   <p:cSld>
     <p:spTree>
@@ -10598,7 +8994,7 @@
                 </a:solidFill>
               </a:rPr>
               <a:pPr/>
-              <a:t>34</a:t>
+              <a:t>24</a:t>
             </a:fld>
             <a:endParaRPr lang="zh-CN" altLang="en-US">
               <a:solidFill>
@@ -10645,7 +9041,7 @@
 </p:sld>
 </file>
 
-<file path=ppt/slides/slide35.xml><?xml version="1.0" encoding="utf-8"?>
+<file path=ppt/slides/slide25.xml><?xml version="1.0" encoding="utf-8"?>
 <p:sld xmlns:a="http://schemas.openxmlformats.org/drawingml/2006/main" xmlns:r="http://schemas.openxmlformats.org/officeDocument/2006/relationships" xmlns:p="http://schemas.openxmlformats.org/presentationml/2006/main">
   <p:cSld>
     <p:spTree>
@@ -10672,6 +9068,215 @@
             <p:ph type="title"/>
           </p:nvPr>
         </p:nvSpPr>
+        <p:spPr>
+          <a:xfrm>
+            <a:off x="539453" y="120866"/>
+            <a:ext cx="9258300" cy="1141414"/>
+          </a:xfrm>
+        </p:spPr>
+        <p:txBody>
+          <a:bodyPr/>
+          <a:lstStyle/>
+          <a:p>
+            <a:r>
+              <a:rPr lang="zh-CN" altLang="en-US" sz="6000" dirty="0"/>
+              <a:t>一些常提到的概念</a:t>
+            </a:r>
+            <a:endParaRPr lang="en-US" altLang="zh-CN" sz="6000" dirty="0"/>
+          </a:p>
+        </p:txBody>
+      </p:sp>
+      <p:sp>
+        <p:nvSpPr>
+          <p:cNvPr id="3" name="内容占位符 2"/>
+          <p:cNvSpPr>
+            <a:spLocks noGrp="1"/>
+          </p:cNvSpPr>
+          <p:nvPr>
+            <p:ph idx="1"/>
+          </p:nvPr>
+        </p:nvSpPr>
+        <p:spPr>
+          <a:xfrm>
+            <a:off x="514350" y="1268760"/>
+            <a:ext cx="9258300" cy="4610100"/>
+          </a:xfrm>
+        </p:spPr>
+        <p:txBody>
+          <a:bodyPr/>
+          <a:lstStyle/>
+          <a:p>
+            <a:r>
+              <a:rPr lang="zh-CN" altLang="en-US" sz="2500" dirty="0"/>
+              <a:t>数据库组成</a:t>
+            </a:r>
+            <a:endParaRPr lang="en-US" altLang="zh-CN" sz="2500" dirty="0"/>
+          </a:p>
+          <a:p>
+            <a:pPr lvl="1"/>
+            <a:r>
+              <a:rPr lang="zh-CN" altLang="en-US" sz="2200" dirty="0"/>
+              <a:t>存储、事务管理、查询引擎、高可用模块</a:t>
+            </a:r>
+            <a:endParaRPr lang="en-US" altLang="zh-CN" sz="2200" dirty="0"/>
+          </a:p>
+          <a:p>
+            <a:pPr lvl="1"/>
+            <a:r>
+              <a:rPr lang="zh-CN" altLang="en-US" sz="2200" dirty="0"/>
+              <a:t>存储：结构化存储，</a:t>
+            </a:r>
+            <a:r>
+              <a:rPr lang="en-US" altLang="zh-CN" sz="2200" dirty="0"/>
+              <a:t>Key-value Storage</a:t>
+            </a:r>
+          </a:p>
+          <a:p>
+            <a:r>
+              <a:rPr lang="zh-CN" altLang="en-US" sz="2500" dirty="0"/>
+              <a:t>事务管理</a:t>
+            </a:r>
+            <a:endParaRPr lang="en-US" altLang="zh-CN" sz="2500" dirty="0"/>
+          </a:p>
+          <a:p>
+            <a:pPr lvl="1"/>
+            <a:r>
+              <a:rPr lang="zh-CN" altLang="en-US" sz="2200" dirty="0"/>
+              <a:t>并发控制、日志管理</a:t>
+            </a:r>
+            <a:endParaRPr lang="en-US" altLang="zh-CN" sz="2200" dirty="0"/>
+          </a:p>
+          <a:p>
+            <a:pPr lvl="1"/>
+            <a:r>
+              <a:rPr lang="zh-CN" altLang="en-US" sz="2200" dirty="0"/>
+              <a:t>并发控制</a:t>
+            </a:r>
+            <a:endParaRPr lang="en-US" altLang="zh-CN" sz="2200" dirty="0"/>
+          </a:p>
+          <a:p>
+            <a:pPr lvl="2"/>
+            <a:r>
+              <a:rPr lang="zh-CN" altLang="en-US" sz="2100" dirty="0"/>
+              <a:t>事务，索引</a:t>
+            </a:r>
+            <a:endParaRPr lang="en-US" altLang="zh-CN" sz="2100" dirty="0"/>
+          </a:p>
+          <a:p>
+            <a:r>
+              <a:rPr lang="zh-CN" altLang="en-US" sz="2500" dirty="0"/>
+              <a:t>高可用</a:t>
+            </a:r>
+            <a:endParaRPr lang="en-US" altLang="zh-CN" sz="2500" dirty="0"/>
+          </a:p>
+          <a:p>
+            <a:pPr lvl="1"/>
+            <a:r>
+              <a:rPr lang="zh-CN" altLang="en-US" sz="2200" dirty="0"/>
+              <a:t>主备副本的一致</a:t>
+            </a:r>
+            <a:endParaRPr lang="en-US" altLang="zh-CN" sz="2200" dirty="0"/>
+          </a:p>
+          <a:p>
+            <a:r>
+              <a:rPr lang="zh-CN" altLang="en-US" sz="2500" dirty="0"/>
+              <a:t>一致性（三种场景）</a:t>
+            </a:r>
+            <a:endParaRPr lang="en-US" altLang="zh-CN" sz="2500" dirty="0"/>
+          </a:p>
+          <a:p>
+            <a:r>
+              <a:rPr lang="zh-CN" altLang="en-US" sz="2500" dirty="0"/>
+              <a:t>性能相关</a:t>
+            </a:r>
+            <a:endParaRPr lang="en-US" altLang="zh-CN" sz="2500" dirty="0"/>
+          </a:p>
+          <a:p>
+            <a:pPr lvl="1"/>
+            <a:r>
+              <a:rPr lang="zh-CN" altLang="en-US" sz="2200" dirty="0"/>
+              <a:t>查询时延，吞吐量，可扩展性</a:t>
+            </a:r>
+            <a:endParaRPr lang="en-US" altLang="zh-CN" sz="2200" dirty="0"/>
+          </a:p>
+          <a:p>
+            <a:pPr lvl="2"/>
+            <a:endParaRPr lang="en-US" altLang="zh-CN" dirty="0"/>
+          </a:p>
+          <a:p>
+            <a:pPr marL="805815" lvl="1" indent="0">
+              <a:buNone/>
+            </a:pPr>
+            <a:endParaRPr lang="zh-CN" altLang="en-US" dirty="0"/>
+          </a:p>
+        </p:txBody>
+      </p:sp>
+      <p:sp>
+        <p:nvSpPr>
+          <p:cNvPr id="4" name="灯片编号占位符 3"/>
+          <p:cNvSpPr>
+            <a:spLocks noGrp="1"/>
+          </p:cNvSpPr>
+          <p:nvPr>
+            <p:ph type="sldNum" sz="quarter" idx="12"/>
+          </p:nvPr>
+        </p:nvSpPr>
+        <p:spPr/>
+        <p:txBody>
+          <a:bodyPr/>
+          <a:lstStyle/>
+          <a:p>
+            <a:fld id="{6415963F-B422-0E4C-94FB-293280FD86B8}" type="slidenum">
+              <a:rPr lang="zh-CN" altLang="en-US" smtClean="0">
+                <a:solidFill>
+                  <a:srgbClr val="000000"/>
+                </a:solidFill>
+              </a:rPr>
+              <a:t>25</a:t>
+            </a:fld>
+            <a:endParaRPr lang="zh-CN" altLang="en-US" dirty="0">
+              <a:solidFill>
+                <a:srgbClr val="000000"/>
+              </a:solidFill>
+            </a:endParaRPr>
+          </a:p>
+        </p:txBody>
+      </p:sp>
+    </p:spTree>
+  </p:cSld>
+  <p:clrMapOvr>
+    <a:masterClrMapping/>
+  </p:clrMapOvr>
+</p:sld>
+</file>
+
+<file path=ppt/slides/slide26.xml><?xml version="1.0" encoding="utf-8"?>
+<p:sld xmlns:a="http://schemas.openxmlformats.org/drawingml/2006/main" xmlns:r="http://schemas.openxmlformats.org/officeDocument/2006/relationships" xmlns:p="http://schemas.openxmlformats.org/presentationml/2006/main">
+  <p:cSld>
+    <p:spTree>
+      <p:nvGrpSpPr>
+        <p:cNvPr id="1" name=""/>
+        <p:cNvGrpSpPr/>
+        <p:nvPr/>
+      </p:nvGrpSpPr>
+      <p:grpSpPr>
+        <a:xfrm>
+          <a:off x="0" y="0"/>
+          <a:ext cx="0" cy="0"/>
+          <a:chOff x="0" y="0"/>
+          <a:chExt cx="0" cy="0"/>
+        </a:xfrm>
+      </p:grpSpPr>
+      <p:sp>
+        <p:nvSpPr>
+          <p:cNvPr id="2" name="标题 1"/>
+          <p:cNvSpPr>
+            <a:spLocks noGrp="1"/>
+          </p:cNvSpPr>
+          <p:nvPr>
+            <p:ph type="title"/>
+          </p:nvPr>
+        </p:nvSpPr>
         <p:spPr/>
         <p:txBody>
           <a:bodyPr/>
@@ -10789,7 +9394,7 @@
                 </a:solidFill>
               </a:rPr>
               <a:pPr/>
-              <a:t>35</a:t>
+              <a:t>26</a:t>
             </a:fld>
             <a:endParaRPr lang="zh-CN" altLang="en-US">
               <a:solidFill>
@@ -10803,6 +9408,161 @@
     <p:extLst>
       <p:ext uri="{BB962C8B-B14F-4D97-AF65-F5344CB8AC3E}">
         <p14:creationId xmlns:p14="http://schemas.microsoft.com/office/powerpoint/2010/main" val="3277085986"/>
+      </p:ext>
+    </p:extLst>
+  </p:cSld>
+  <p:clrMapOvr>
+    <a:masterClrMapping/>
+  </p:clrMapOvr>
+</p:sld>
+</file>
+
+<file path=ppt/slides/slide3.xml><?xml version="1.0" encoding="utf-8"?>
+<p:sld xmlns:a="http://schemas.openxmlformats.org/drawingml/2006/main" xmlns:r="http://schemas.openxmlformats.org/officeDocument/2006/relationships" xmlns:p="http://schemas.openxmlformats.org/presentationml/2006/main">
+  <p:cSld>
+    <p:spTree>
+      <p:nvGrpSpPr>
+        <p:cNvPr id="1" name=""/>
+        <p:cNvGrpSpPr/>
+        <p:nvPr/>
+      </p:nvGrpSpPr>
+      <p:grpSpPr>
+        <a:xfrm>
+          <a:off x="0" y="0"/>
+          <a:ext cx="0" cy="0"/>
+          <a:chOff x="0" y="0"/>
+          <a:chExt cx="0" cy="0"/>
+        </a:xfrm>
+      </p:grpSpPr>
+      <p:sp>
+        <p:nvSpPr>
+          <p:cNvPr id="2" name="标题 1"/>
+          <p:cNvSpPr>
+            <a:spLocks noGrp="1"/>
+          </p:cNvSpPr>
+          <p:nvPr>
+            <p:ph type="title"/>
+          </p:nvPr>
+        </p:nvSpPr>
+        <p:spPr/>
+        <p:txBody>
+          <a:bodyPr/>
+          <a:lstStyle/>
+          <a:p>
+            <a:r>
+              <a:rPr lang="zh-CN" altLang="en-US" dirty="0"/>
+              <a:t>本课程的内容</a:t>
+            </a:r>
+          </a:p>
+        </p:txBody>
+      </p:sp>
+      <p:sp>
+        <p:nvSpPr>
+          <p:cNvPr id="3" name="内容占位符 2"/>
+          <p:cNvSpPr>
+            <a:spLocks noGrp="1"/>
+          </p:cNvSpPr>
+          <p:nvPr>
+            <p:ph idx="1"/>
+          </p:nvPr>
+        </p:nvSpPr>
+        <p:spPr>
+          <a:xfrm>
+            <a:off x="514350" y="1417641"/>
+            <a:ext cx="9258300" cy="4610100"/>
+          </a:xfrm>
+        </p:spPr>
+        <p:txBody>
+          <a:bodyPr>
+            <a:normAutofit fontScale="77500" lnSpcReduction="20000"/>
+          </a:bodyPr>
+          <a:lstStyle/>
+          <a:p>
+            <a:pPr marL="0" indent="0">
+              <a:buNone/>
+            </a:pPr>
+            <a:endParaRPr lang="en-US" altLang="zh-CN" dirty="0"/>
+          </a:p>
+          <a:p>
+            <a:r>
+              <a:rPr lang="zh-CN" altLang="en-US" dirty="0"/>
+              <a:t>数据库系统的设计思想</a:t>
+            </a:r>
+            <a:endParaRPr lang="en-US" altLang="zh-CN" dirty="0"/>
+          </a:p>
+          <a:p>
+            <a:pPr lvl="1"/>
+            <a:r>
+              <a:rPr lang="zh-CN" altLang="en-US" dirty="0"/>
+              <a:t>为什么长这样？</a:t>
+            </a:r>
+            <a:endParaRPr lang="en-US" altLang="zh-CN" dirty="0"/>
+          </a:p>
+          <a:p>
+            <a:pPr lvl="1"/>
+            <a:r>
+              <a:rPr lang="zh-CN" altLang="en-US" dirty="0"/>
+              <a:t>数据库系统的实现</a:t>
+            </a:r>
+            <a:endParaRPr lang="en-US" altLang="zh-CN" dirty="0"/>
+          </a:p>
+          <a:p>
+            <a:r>
+              <a:rPr lang="zh-CN" altLang="en-US" dirty="0"/>
+              <a:t>主要内容</a:t>
+            </a:r>
+            <a:endParaRPr lang="en-US" altLang="zh-CN" dirty="0"/>
+          </a:p>
+          <a:p>
+            <a:pPr lvl="1"/>
+            <a:r>
+              <a:rPr lang="zh-CN" altLang="en-US" dirty="0"/>
+              <a:t>存储、查询引擎、事务管理、分布式一致性协议</a:t>
+            </a:r>
+            <a:endParaRPr lang="en-US" altLang="zh-CN" dirty="0"/>
+          </a:p>
+          <a:p>
+            <a:pPr lvl="1"/>
+            <a:endParaRPr lang="en-US" altLang="zh-CN" dirty="0"/>
+          </a:p>
+        </p:txBody>
+      </p:sp>
+      <p:sp>
+        <p:nvSpPr>
+          <p:cNvPr id="4" name="灯片编号占位符 3"/>
+          <p:cNvSpPr>
+            <a:spLocks noGrp="1"/>
+          </p:cNvSpPr>
+          <p:nvPr>
+            <p:ph type="sldNum" sz="quarter" idx="12"/>
+          </p:nvPr>
+        </p:nvSpPr>
+        <p:spPr/>
+        <p:txBody>
+          <a:bodyPr/>
+          <a:lstStyle/>
+          <a:p>
+            <a:fld id="{6415963F-B422-0E4C-94FB-293280FD86B8}" type="slidenum">
+              <a:rPr lang="zh-CN" altLang="en-US" smtClean="0">
+                <a:solidFill>
+                  <a:srgbClr val="000000"/>
+                </a:solidFill>
+              </a:rPr>
+              <a:pPr/>
+              <a:t>3</a:t>
+            </a:fld>
+            <a:endParaRPr lang="zh-CN" altLang="en-US">
+              <a:solidFill>
+                <a:srgbClr val="000000"/>
+              </a:solidFill>
+            </a:endParaRPr>
+          </a:p>
+        </p:txBody>
+      </p:sp>
+    </p:spTree>
+    <p:extLst>
+      <p:ext uri="{BB962C8B-B14F-4D97-AF65-F5344CB8AC3E}">
+        <p14:creationId xmlns:p14="http://schemas.microsoft.com/office/powerpoint/2010/main" val="2023706280"/>
       </p:ext>
     </p:extLst>
   </p:cSld>

--- a/files/W1-Intro.pptx
+++ b/files/W1-Intro.pptx
@@ -5,7 +5,7 @@
     <p:sldMasterId id="2147483660" r:id="rId1"/>
   </p:sldMasterIdLst>
   <p:notesMasterIdLst>
-    <p:notesMasterId r:id="rId28"/>
+    <p:notesMasterId r:id="rId29"/>
   </p:notesMasterIdLst>
   <p:sldIdLst>
     <p:sldId id="256" r:id="rId2"/>
@@ -32,8 +32,9 @@
     <p:sldId id="298" r:id="rId23"/>
     <p:sldId id="299" r:id="rId24"/>
     <p:sldId id="309" r:id="rId25"/>
-    <p:sldId id="365" r:id="rId26"/>
-    <p:sldId id="287" r:id="rId27"/>
+    <p:sldId id="366" r:id="rId26"/>
+    <p:sldId id="365" r:id="rId27"/>
+    <p:sldId id="287" r:id="rId28"/>
   </p:sldIdLst>
   <p:sldSz cx="10287000" cy="6858000" type="35mm"/>
   <p:notesSz cx="6858000" cy="9144000"/>
@@ -304,7 +305,7 @@
           <a:p>
             <a:fld id="{8C3EA14B-9730-4B14-B276-7835B7D11ED2}" type="datetimeFigureOut">
               <a:rPr lang="zh-CN" altLang="en-US" smtClean="0"/>
-              <a:t>2021/12/6</a:t>
+              <a:t>2022/2/22</a:t>
             </a:fld>
             <a:endParaRPr lang="zh-CN" altLang="en-US"/>
           </a:p>
@@ -835,7 +836,7 @@
             <a:fld id="{FDF2B654-E532-CD43-80F7-7D95D6EDB8D9}" type="datetime1">
               <a:rPr lang="en-US" altLang="zh-CN" smtClean="0"/>
               <a:pPr/>
-              <a:t>12/6/21</a:t>
+              <a:t>2/22/22</a:t>
             </a:fld>
             <a:endParaRPr lang="en-US" altLang="zh-CN"/>
           </a:p>
@@ -994,7 +995,7 @@
             <a:fld id="{FDF2B654-E532-CD43-80F7-7D95D6EDB8D9}" type="datetime1">
               <a:rPr lang="en-US" altLang="zh-CN" smtClean="0"/>
               <a:pPr/>
-              <a:t>12/6/21</a:t>
+              <a:t>2/22/22</a:t>
             </a:fld>
             <a:endParaRPr lang="en-US" altLang="zh-CN"/>
           </a:p>
@@ -1176,7 +1177,7 @@
                   <a:srgbClr val="000000"/>
                 </a:solidFill>
               </a:rPr>
-              <a:t>December 6, 2021</a:t>
+              <a:t>February 22, 2022</a:t>
             </a:fld>
             <a:endParaRPr lang="zh-CN" altLang="en-US">
               <a:solidFill>
@@ -1383,7 +1384,7 @@
                   <a:srgbClr val="000000"/>
                 </a:solidFill>
               </a:rPr>
-              <a:t>December 6, 2021</a:t>
+              <a:t>February 22, 2022</a:t>
             </a:fld>
             <a:endParaRPr lang="zh-CN" altLang="en-US">
               <a:solidFill>
@@ -1600,7 +1601,7 @@
                   <a:srgbClr val="000000"/>
                 </a:solidFill>
               </a:rPr>
-              <a:t>December 6, 2021</a:t>
+              <a:t>February 22, 2022</a:t>
             </a:fld>
             <a:endParaRPr lang="zh-CN" altLang="en-US">
               <a:solidFill>
@@ -1868,7 +1869,7 @@
                   <a:srgbClr val="000000"/>
                 </a:solidFill>
               </a:rPr>
-              <a:t>December 6, 2021</a:t>
+              <a:t>February 22, 2022</a:t>
             </a:fld>
             <a:endParaRPr lang="zh-CN" altLang="en-US">
               <a:solidFill>
@@ -2136,7 +2137,7 @@
                   <a:srgbClr val="000000"/>
                 </a:solidFill>
               </a:rPr>
-              <a:t>December 6, 2021</a:t>
+              <a:t>February 22, 2022</a:t>
             </a:fld>
             <a:endParaRPr lang="zh-CN" altLang="en-US">
               <a:solidFill>
@@ -2420,7 +2421,7 @@
                   <a:srgbClr val="000000"/>
                 </a:solidFill>
               </a:rPr>
-              <a:t>December 6, 2021</a:t>
+              <a:t>February 22, 2022</a:t>
             </a:fld>
             <a:endParaRPr lang="zh-CN" altLang="en-US">
               <a:solidFill>
@@ -2688,7 +2689,7 @@
                   <a:srgbClr val="000000"/>
                 </a:solidFill>
               </a:rPr>
-              <a:t>December 6, 2021</a:t>
+              <a:t>February 22, 2022</a:t>
             </a:fld>
             <a:endParaRPr lang="zh-CN" altLang="en-US">
               <a:solidFill>
@@ -3091,7 +3092,7 @@
                   <a:srgbClr val="000000"/>
                 </a:solidFill>
               </a:rPr>
-              <a:t>December 6, 2021</a:t>
+              <a:t>February 22, 2022</a:t>
             </a:fld>
             <a:endParaRPr lang="zh-CN" altLang="en-US">
               <a:solidFill>
@@ -3247,7 +3248,7 @@
                   <a:srgbClr val="000000"/>
                 </a:solidFill>
               </a:rPr>
-              <a:t>December 6, 2021</a:t>
+              <a:t>February 22, 2022</a:t>
             </a:fld>
             <a:endParaRPr lang="zh-CN" altLang="en-US">
               <a:solidFill>
@@ -3381,7 +3382,7 @@
                   <a:srgbClr val="000000"/>
                 </a:solidFill>
               </a:rPr>
-              <a:t>December 6, 2021</a:t>
+              <a:t>February 22, 2022</a:t>
             </a:fld>
             <a:endParaRPr lang="zh-CN" altLang="en-US">
               <a:solidFill>
@@ -3695,7 +3696,7 @@
                   <a:srgbClr val="000000"/>
                 </a:solidFill>
               </a:rPr>
-              <a:t>December 6, 2021</a:t>
+              <a:t>February 22, 2022</a:t>
             </a:fld>
             <a:endParaRPr lang="zh-CN" altLang="en-US">
               <a:solidFill>
@@ -3986,7 +3987,7 @@
                   <a:srgbClr val="000000"/>
                 </a:solidFill>
               </a:rPr>
-              <a:t>December 6, 2021</a:t>
+              <a:t>February 22, 2022</a:t>
             </a:fld>
             <a:endParaRPr lang="zh-CN" altLang="en-US">
               <a:solidFill>
@@ -4142,7 +4143,7 @@
               </a14:hiddenLine>
             </a:ext>
             <a:ext uri="{FAA26D3D-D897-4be2-8F04-BA451C77F1D7}">
-              <ma14:placeholderFlag xmlns="" xmlns:ma14="http://schemas.microsoft.com/office/mac/drawingml/2011/main" val="1"/>
+              <ma14:placeholderFlag xmlns:ma14="http://schemas.microsoft.com/office/mac/drawingml/2011/main" xmlns="" val="1"/>
             </a:ext>
           </a:extLst>
         </p:spPr>
@@ -4203,7 +4204,7 @@
               </a14:hiddenLine>
             </a:ext>
             <a:ext uri="{FAA26D3D-D897-4be2-8F04-BA451C77F1D7}">
-              <ma14:placeholderFlag xmlns="" xmlns:ma14="http://schemas.microsoft.com/office/mac/drawingml/2011/main" val="1"/>
+              <ma14:placeholderFlag xmlns:ma14="http://schemas.microsoft.com/office/mac/drawingml/2011/main" xmlns="" val="1"/>
             </a:ext>
           </a:extLst>
         </p:spPr>
@@ -4303,7 +4304,7 @@
                   <a:srgbClr val="000000"/>
                 </a:solidFill>
               </a:rPr>
-              <a:t>December 6, 2021</a:t>
+              <a:t>February 22, 2022</a:t>
             </a:fld>
             <a:endParaRPr lang="zh-CN" altLang="en-US">
               <a:solidFill>
@@ -8969,6 +8970,11 @@
               <a:rPr lang="zh-CN" altLang="en-US" sz="2800" dirty="0"/>
               <a:t>一个典型的数据库系统架构图</a:t>
             </a:r>
+            <a:endParaRPr lang="en-US" altLang="zh-CN" sz="2800" dirty="0"/>
+          </a:p>
+          <a:p>
+            <a:pPr lvl="1"/>
+            <a:endParaRPr lang="zh-CN" altLang="en-US" sz="2300" dirty="0"/>
           </a:p>
         </p:txBody>
       </p:sp>
@@ -9060,7 +9066,13 @@
       </p:grpSpPr>
       <p:sp>
         <p:nvSpPr>
-          <p:cNvPr id="2" name="标题 1"/>
+          <p:cNvPr id="2" name="标题 1">
+            <a:extLst>
+              <a:ext uri="{FF2B5EF4-FFF2-40B4-BE49-F238E27FC236}">
+                <a16:creationId xmlns:a16="http://schemas.microsoft.com/office/drawing/2014/main" id="{8FB45A19-B608-ED48-B7FF-5FC28856EBF2}"/>
+              </a:ext>
+            </a:extLst>
+          </p:cNvPr>
           <p:cNvSpPr>
             <a:spLocks noGrp="1"/>
           </p:cNvSpPr>
@@ -9068,27 +9080,27 @@
             <p:ph type="title"/>
           </p:nvPr>
         </p:nvSpPr>
-        <p:spPr>
-          <a:xfrm>
-            <a:off x="539453" y="120866"/>
-            <a:ext cx="9258300" cy="1141414"/>
-          </a:xfrm>
-        </p:spPr>
+        <p:spPr/>
         <p:txBody>
           <a:bodyPr/>
           <a:lstStyle/>
           <a:p>
             <a:r>
-              <a:rPr lang="zh-CN" altLang="en-US" sz="6000" dirty="0"/>
-              <a:t>一些常提到的概念</a:t>
-            </a:r>
-            <a:endParaRPr lang="en-US" altLang="zh-CN" sz="6000" dirty="0"/>
-          </a:p>
-        </p:txBody>
-      </p:sp>
-      <p:sp>
-        <p:nvSpPr>
-          <p:cNvPr id="3" name="内容占位符 2"/>
+              <a:rPr kumimoji="1" lang="zh-CN" altLang="en-US" dirty="0"/>
+              <a:t>数据库的四个组成部分</a:t>
+            </a:r>
+          </a:p>
+        </p:txBody>
+      </p:sp>
+      <p:sp>
+        <p:nvSpPr>
+          <p:cNvPr id="3" name="内容占位符 2">
+            <a:extLst>
+              <a:ext uri="{FF2B5EF4-FFF2-40B4-BE49-F238E27FC236}">
+                <a16:creationId xmlns:a16="http://schemas.microsoft.com/office/drawing/2014/main" id="{F8BAD786-F18C-8542-B69C-E535567C6F6C}"/>
+              </a:ext>
+            </a:extLst>
+          </p:cNvPr>
           <p:cNvSpPr>
             <a:spLocks noGrp="1"/>
           </p:cNvSpPr>
@@ -9096,124 +9108,48 @@
             <p:ph idx="1"/>
           </p:nvPr>
         </p:nvSpPr>
-        <p:spPr>
-          <a:xfrm>
-            <a:off x="514350" y="1268760"/>
-            <a:ext cx="9258300" cy="4610100"/>
-          </a:xfrm>
-        </p:spPr>
+        <p:spPr/>
         <p:txBody>
           <a:bodyPr/>
           <a:lstStyle/>
           <a:p>
             <a:r>
-              <a:rPr lang="zh-CN" altLang="en-US" sz="2500" dirty="0"/>
-              <a:t>数据库组成</a:t>
-            </a:r>
-            <a:endParaRPr lang="en-US" altLang="zh-CN" sz="2500" dirty="0"/>
-          </a:p>
-          <a:p>
-            <a:pPr lvl="1"/>
-            <a:r>
-              <a:rPr lang="zh-CN" altLang="en-US" sz="2200" dirty="0"/>
-              <a:t>存储、事务管理、查询引擎、高可用模块</a:t>
-            </a:r>
-            <a:endParaRPr lang="en-US" altLang="zh-CN" sz="2200" dirty="0"/>
-          </a:p>
-          <a:p>
-            <a:pPr lvl="1"/>
-            <a:r>
-              <a:rPr lang="zh-CN" altLang="en-US" sz="2200" dirty="0"/>
-              <a:t>存储：结构化存储，</a:t>
-            </a:r>
-            <a:r>
-              <a:rPr lang="en-US" altLang="zh-CN" sz="2200" dirty="0"/>
-              <a:t>Key-value Storage</a:t>
-            </a:r>
-          </a:p>
-          <a:p>
-            <a:r>
-              <a:rPr lang="zh-CN" altLang="en-US" sz="2500" dirty="0"/>
-              <a:t>事务管理</a:t>
-            </a:r>
-            <a:endParaRPr lang="en-US" altLang="zh-CN" sz="2500" dirty="0"/>
-          </a:p>
-          <a:p>
-            <a:pPr lvl="1"/>
-            <a:r>
-              <a:rPr lang="zh-CN" altLang="en-US" sz="2200" dirty="0"/>
-              <a:t>并发控制、日志管理</a:t>
-            </a:r>
-            <a:endParaRPr lang="en-US" altLang="zh-CN" sz="2200" dirty="0"/>
-          </a:p>
-          <a:p>
-            <a:pPr lvl="1"/>
-            <a:r>
-              <a:rPr lang="zh-CN" altLang="en-US" sz="2200" dirty="0"/>
-              <a:t>并发控制</a:t>
-            </a:r>
-            <a:endParaRPr lang="en-US" altLang="zh-CN" sz="2200" dirty="0"/>
-          </a:p>
-          <a:p>
-            <a:pPr lvl="2"/>
-            <a:r>
-              <a:rPr lang="zh-CN" altLang="en-US" sz="2100" dirty="0"/>
-              <a:t>事务，索引</a:t>
-            </a:r>
-            <a:endParaRPr lang="en-US" altLang="zh-CN" sz="2100" dirty="0"/>
-          </a:p>
-          <a:p>
-            <a:r>
-              <a:rPr lang="zh-CN" altLang="en-US" sz="2500" dirty="0"/>
+              <a:rPr kumimoji="1" lang="zh-CN" altLang="en-US" dirty="0"/>
+              <a:t>存储</a:t>
+            </a:r>
+            <a:endParaRPr kumimoji="1" lang="en-US" altLang="zh-CN" dirty="0"/>
+          </a:p>
+          <a:p>
+            <a:r>
+              <a:rPr kumimoji="1" lang="zh-CN" altLang="en-US" dirty="0"/>
+              <a:t>查询</a:t>
+            </a:r>
+            <a:endParaRPr kumimoji="1" lang="en-US" altLang="zh-CN" dirty="0"/>
+          </a:p>
+          <a:p>
+            <a:r>
+              <a:rPr kumimoji="1" lang="zh-CN" altLang="en-US" dirty="0"/>
+              <a:t>事务</a:t>
+            </a:r>
+            <a:endParaRPr kumimoji="1" lang="en-US" altLang="zh-CN" dirty="0"/>
+          </a:p>
+          <a:p>
+            <a:r>
+              <a:rPr kumimoji="1" lang="zh-CN" altLang="en-US" dirty="0"/>
               <a:t>高可用</a:t>
             </a:r>
-            <a:endParaRPr lang="en-US" altLang="zh-CN" sz="2500" dirty="0"/>
-          </a:p>
-          <a:p>
-            <a:pPr lvl="1"/>
-            <a:r>
-              <a:rPr lang="zh-CN" altLang="en-US" sz="2200" dirty="0"/>
-              <a:t>主备副本的一致</a:t>
-            </a:r>
-            <a:endParaRPr lang="en-US" altLang="zh-CN" sz="2200" dirty="0"/>
-          </a:p>
-          <a:p>
-            <a:r>
-              <a:rPr lang="zh-CN" altLang="en-US" sz="2500" dirty="0"/>
-              <a:t>一致性（三种场景）</a:t>
-            </a:r>
-            <a:endParaRPr lang="en-US" altLang="zh-CN" sz="2500" dirty="0"/>
-          </a:p>
-          <a:p>
-            <a:r>
-              <a:rPr lang="zh-CN" altLang="en-US" sz="2500" dirty="0"/>
-              <a:t>性能相关</a:t>
-            </a:r>
-            <a:endParaRPr lang="en-US" altLang="zh-CN" sz="2500" dirty="0"/>
-          </a:p>
-          <a:p>
-            <a:pPr lvl="1"/>
-            <a:r>
-              <a:rPr lang="zh-CN" altLang="en-US" sz="2200" dirty="0"/>
-              <a:t>查询时延，吞吐量，可扩展性</a:t>
-            </a:r>
-            <a:endParaRPr lang="en-US" altLang="zh-CN" sz="2200" dirty="0"/>
-          </a:p>
-          <a:p>
-            <a:pPr lvl="2"/>
-            <a:endParaRPr lang="en-US" altLang="zh-CN" dirty="0"/>
-          </a:p>
-          <a:p>
-            <a:pPr marL="805815" lvl="1" indent="0">
-              <a:buNone/>
-            </a:pPr>
-            <a:endParaRPr lang="zh-CN" altLang="en-US" dirty="0"/>
-          </a:p>
-        </p:txBody>
-      </p:sp>
-      <p:sp>
-        <p:nvSpPr>
-          <p:cNvPr id="4" name="灯片编号占位符 3"/>
+          </a:p>
+        </p:txBody>
+      </p:sp>
+      <p:sp>
+        <p:nvSpPr>
+          <p:cNvPr id="4" name="灯片编号占位符 3">
+            <a:extLst>
+              <a:ext uri="{FF2B5EF4-FFF2-40B4-BE49-F238E27FC236}">
+                <a16:creationId xmlns:a16="http://schemas.microsoft.com/office/drawing/2014/main" id="{E8E0C153-844C-B743-ABA4-AC9D1512C075}"/>
+              </a:ext>
+            </a:extLst>
+          </p:cNvPr>
           <p:cNvSpPr>
             <a:spLocks noGrp="1"/>
           </p:cNvSpPr>
@@ -9232,9 +9168,10 @@
                   <a:srgbClr val="000000"/>
                 </a:solidFill>
               </a:rPr>
+              <a:pPr/>
               <a:t>25</a:t>
             </a:fld>
-            <a:endParaRPr lang="zh-CN" altLang="en-US" dirty="0">
+            <a:endParaRPr lang="zh-CN" altLang="en-US">
               <a:solidFill>
                 <a:srgbClr val="000000"/>
               </a:solidFill>
@@ -9243,6 +9180,11 @@
         </p:txBody>
       </p:sp>
     </p:spTree>
+    <p:extLst>
+      <p:ext uri="{BB962C8B-B14F-4D97-AF65-F5344CB8AC3E}">
+        <p14:creationId xmlns:p14="http://schemas.microsoft.com/office/powerpoint/2010/main" val="4151054383"/>
+      </p:ext>
+    </p:extLst>
   </p:cSld>
   <p:clrMapOvr>
     <a:masterClrMapping/>
@@ -9277,6 +9219,215 @@
             <p:ph type="title"/>
           </p:nvPr>
         </p:nvSpPr>
+        <p:spPr>
+          <a:xfrm>
+            <a:off x="539453" y="120866"/>
+            <a:ext cx="9258300" cy="1141414"/>
+          </a:xfrm>
+        </p:spPr>
+        <p:txBody>
+          <a:bodyPr/>
+          <a:lstStyle/>
+          <a:p>
+            <a:r>
+              <a:rPr lang="zh-CN" altLang="en-US" sz="6000" dirty="0"/>
+              <a:t>一些常提到的概念</a:t>
+            </a:r>
+            <a:endParaRPr lang="en-US" altLang="zh-CN" sz="6000" dirty="0"/>
+          </a:p>
+        </p:txBody>
+      </p:sp>
+      <p:sp>
+        <p:nvSpPr>
+          <p:cNvPr id="3" name="内容占位符 2"/>
+          <p:cNvSpPr>
+            <a:spLocks noGrp="1"/>
+          </p:cNvSpPr>
+          <p:nvPr>
+            <p:ph idx="1"/>
+          </p:nvPr>
+        </p:nvSpPr>
+        <p:spPr>
+          <a:xfrm>
+            <a:off x="514350" y="1268760"/>
+            <a:ext cx="9258300" cy="4610100"/>
+          </a:xfrm>
+        </p:spPr>
+        <p:txBody>
+          <a:bodyPr/>
+          <a:lstStyle/>
+          <a:p>
+            <a:r>
+              <a:rPr lang="zh-CN" altLang="en-US" sz="2500" dirty="0"/>
+              <a:t>数据库组成</a:t>
+            </a:r>
+            <a:endParaRPr lang="en-US" altLang="zh-CN" sz="2500" dirty="0"/>
+          </a:p>
+          <a:p>
+            <a:pPr lvl="1"/>
+            <a:r>
+              <a:rPr lang="zh-CN" altLang="en-US" sz="2200" dirty="0"/>
+              <a:t>存储、事务管理、查询引擎、高可用模块</a:t>
+            </a:r>
+            <a:endParaRPr lang="en-US" altLang="zh-CN" sz="2200" dirty="0"/>
+          </a:p>
+          <a:p>
+            <a:pPr lvl="1"/>
+            <a:r>
+              <a:rPr lang="zh-CN" altLang="en-US" sz="2200" dirty="0"/>
+              <a:t>存储：结构化存储，</a:t>
+            </a:r>
+            <a:r>
+              <a:rPr lang="en-US" altLang="zh-CN" sz="2200" dirty="0"/>
+              <a:t>Key-value Storage</a:t>
+            </a:r>
+          </a:p>
+          <a:p>
+            <a:r>
+              <a:rPr lang="zh-CN" altLang="en-US" sz="2500" dirty="0"/>
+              <a:t>事务管理</a:t>
+            </a:r>
+            <a:endParaRPr lang="en-US" altLang="zh-CN" sz="2500" dirty="0"/>
+          </a:p>
+          <a:p>
+            <a:pPr lvl="1"/>
+            <a:r>
+              <a:rPr lang="zh-CN" altLang="en-US" sz="2200" dirty="0"/>
+              <a:t>并发控制、日志管理</a:t>
+            </a:r>
+            <a:endParaRPr lang="en-US" altLang="zh-CN" sz="2200" dirty="0"/>
+          </a:p>
+          <a:p>
+            <a:pPr lvl="1"/>
+            <a:r>
+              <a:rPr lang="zh-CN" altLang="en-US" sz="2200" dirty="0"/>
+              <a:t>并发控制</a:t>
+            </a:r>
+            <a:endParaRPr lang="en-US" altLang="zh-CN" sz="2200" dirty="0"/>
+          </a:p>
+          <a:p>
+            <a:pPr lvl="2"/>
+            <a:r>
+              <a:rPr lang="zh-CN" altLang="en-US" sz="2100" dirty="0"/>
+              <a:t>事务，索引</a:t>
+            </a:r>
+            <a:endParaRPr lang="en-US" altLang="zh-CN" sz="2100" dirty="0"/>
+          </a:p>
+          <a:p>
+            <a:r>
+              <a:rPr lang="zh-CN" altLang="en-US" sz="2500" dirty="0"/>
+              <a:t>高可用</a:t>
+            </a:r>
+            <a:endParaRPr lang="en-US" altLang="zh-CN" sz="2500" dirty="0"/>
+          </a:p>
+          <a:p>
+            <a:pPr lvl="1"/>
+            <a:r>
+              <a:rPr lang="zh-CN" altLang="en-US" sz="2200" dirty="0"/>
+              <a:t>主备副本的一致</a:t>
+            </a:r>
+            <a:endParaRPr lang="en-US" altLang="zh-CN" sz="2200" dirty="0"/>
+          </a:p>
+          <a:p>
+            <a:r>
+              <a:rPr lang="zh-CN" altLang="en-US" sz="2500" dirty="0"/>
+              <a:t>一致性（三种场景）</a:t>
+            </a:r>
+            <a:endParaRPr lang="en-US" altLang="zh-CN" sz="2500" dirty="0"/>
+          </a:p>
+          <a:p>
+            <a:r>
+              <a:rPr lang="zh-CN" altLang="en-US" sz="2500" dirty="0"/>
+              <a:t>性能相关</a:t>
+            </a:r>
+            <a:endParaRPr lang="en-US" altLang="zh-CN" sz="2500" dirty="0"/>
+          </a:p>
+          <a:p>
+            <a:pPr lvl="1"/>
+            <a:r>
+              <a:rPr lang="zh-CN" altLang="en-US" sz="2200" dirty="0"/>
+              <a:t>查询时延，吞吐量，可扩展性</a:t>
+            </a:r>
+            <a:endParaRPr lang="en-US" altLang="zh-CN" sz="2200" dirty="0"/>
+          </a:p>
+          <a:p>
+            <a:pPr lvl="2"/>
+            <a:endParaRPr lang="en-US" altLang="zh-CN" dirty="0"/>
+          </a:p>
+          <a:p>
+            <a:pPr marL="805815" lvl="1" indent="0">
+              <a:buNone/>
+            </a:pPr>
+            <a:endParaRPr lang="zh-CN" altLang="en-US" dirty="0"/>
+          </a:p>
+        </p:txBody>
+      </p:sp>
+      <p:sp>
+        <p:nvSpPr>
+          <p:cNvPr id="4" name="灯片编号占位符 3"/>
+          <p:cNvSpPr>
+            <a:spLocks noGrp="1"/>
+          </p:cNvSpPr>
+          <p:nvPr>
+            <p:ph type="sldNum" sz="quarter" idx="12"/>
+          </p:nvPr>
+        </p:nvSpPr>
+        <p:spPr/>
+        <p:txBody>
+          <a:bodyPr/>
+          <a:lstStyle/>
+          <a:p>
+            <a:fld id="{6415963F-B422-0E4C-94FB-293280FD86B8}" type="slidenum">
+              <a:rPr lang="zh-CN" altLang="en-US" smtClean="0">
+                <a:solidFill>
+                  <a:srgbClr val="000000"/>
+                </a:solidFill>
+              </a:rPr>
+              <a:t>26</a:t>
+            </a:fld>
+            <a:endParaRPr lang="zh-CN" altLang="en-US" dirty="0">
+              <a:solidFill>
+                <a:srgbClr val="000000"/>
+              </a:solidFill>
+            </a:endParaRPr>
+          </a:p>
+        </p:txBody>
+      </p:sp>
+    </p:spTree>
+  </p:cSld>
+  <p:clrMapOvr>
+    <a:masterClrMapping/>
+  </p:clrMapOvr>
+</p:sld>
+</file>
+
+<file path=ppt/slides/slide27.xml><?xml version="1.0" encoding="utf-8"?>
+<p:sld xmlns:a="http://schemas.openxmlformats.org/drawingml/2006/main" xmlns:r="http://schemas.openxmlformats.org/officeDocument/2006/relationships" xmlns:p="http://schemas.openxmlformats.org/presentationml/2006/main">
+  <p:cSld>
+    <p:spTree>
+      <p:nvGrpSpPr>
+        <p:cNvPr id="1" name=""/>
+        <p:cNvGrpSpPr/>
+        <p:nvPr/>
+      </p:nvGrpSpPr>
+      <p:grpSpPr>
+        <a:xfrm>
+          <a:off x="0" y="0"/>
+          <a:ext cx="0" cy="0"/>
+          <a:chOff x="0" y="0"/>
+          <a:chExt cx="0" cy="0"/>
+        </a:xfrm>
+      </p:grpSpPr>
+      <p:sp>
+        <p:nvSpPr>
+          <p:cNvPr id="2" name="标题 1"/>
+          <p:cNvSpPr>
+            <a:spLocks noGrp="1"/>
+          </p:cNvSpPr>
+          <p:nvPr>
+            <p:ph type="title"/>
+          </p:nvPr>
+        </p:nvSpPr>
         <p:spPr/>
         <p:txBody>
           <a:bodyPr/>
@@ -9338,7 +9489,7 @@
             </a:r>
             <a:r>
               <a:rPr lang="en-US" altLang="zh-CN" sz="4400" dirty="0"/>
-              <a:t>30%=10%+10%+10%</a:t>
+              <a:t>20%=10%+10%</a:t>
             </a:r>
             <a:r>
               <a:rPr lang="zh-CN" altLang="en-US" sz="4400" dirty="0"/>
@@ -9352,8 +9503,12 @@
               <a:t>上机 </a:t>
             </a:r>
             <a:r>
+              <a:rPr lang="en-US" altLang="zh-CN" sz="4400"/>
+              <a:t>(30%=20</a:t>
+            </a:r>
+            <a:r>
               <a:rPr lang="en-US" altLang="zh-CN" sz="4400" dirty="0"/>
-              <a:t>(20%=10%+10%) </a:t>
+              <a:t>%+10%) </a:t>
             </a:r>
           </a:p>
           <a:p>
@@ -9394,7 +9549,7 @@
                 </a:solidFill>
               </a:rPr>
               <a:pPr/>
-              <a:t>26</a:t>
+              <a:t>27</a:t>
             </a:fld>
             <a:endParaRPr lang="zh-CN" altLang="en-US">
               <a:solidFill>

--- a/files/W1-Intro.pptx
+++ b/files/W1-Intro.pptx
@@ -5,7 +5,7 @@
     <p:sldMasterId id="2147483660" r:id="rId1"/>
   </p:sldMasterIdLst>
   <p:notesMasterIdLst>
-    <p:notesMasterId r:id="rId29"/>
+    <p:notesMasterId r:id="rId31"/>
   </p:notesMasterIdLst>
   <p:sldIdLst>
     <p:sldId id="256" r:id="rId2"/>
@@ -19,22 +19,24 @@
     <p:sldId id="280" r:id="rId10"/>
     <p:sldId id="281" r:id="rId11"/>
     <p:sldId id="301" r:id="rId12"/>
-    <p:sldId id="302" r:id="rId13"/>
-    <p:sldId id="303" r:id="rId14"/>
-    <p:sldId id="283" r:id="rId15"/>
-    <p:sldId id="270" r:id="rId16"/>
-    <p:sldId id="276" r:id="rId17"/>
-    <p:sldId id="268" r:id="rId18"/>
+    <p:sldId id="283" r:id="rId13"/>
+    <p:sldId id="270" r:id="rId14"/>
+    <p:sldId id="302" r:id="rId15"/>
+    <p:sldId id="303" r:id="rId16"/>
+    <p:sldId id="268" r:id="rId17"/>
+    <p:sldId id="276" r:id="rId18"/>
     <p:sldId id="278" r:id="rId19"/>
-    <p:sldId id="295" r:id="rId20"/>
-    <p:sldId id="296" r:id="rId21"/>
-    <p:sldId id="297" r:id="rId22"/>
-    <p:sldId id="298" r:id="rId23"/>
-    <p:sldId id="299" r:id="rId24"/>
-    <p:sldId id="309" r:id="rId25"/>
-    <p:sldId id="366" r:id="rId26"/>
+    <p:sldId id="366" r:id="rId20"/>
+    <p:sldId id="295" r:id="rId21"/>
+    <p:sldId id="296" r:id="rId22"/>
+    <p:sldId id="297" r:id="rId23"/>
+    <p:sldId id="298" r:id="rId24"/>
+    <p:sldId id="299" r:id="rId25"/>
+    <p:sldId id="309" r:id="rId26"/>
     <p:sldId id="365" r:id="rId27"/>
-    <p:sldId id="287" r:id="rId28"/>
+    <p:sldId id="368" r:id="rId28"/>
+    <p:sldId id="287" r:id="rId29"/>
+    <p:sldId id="367" r:id="rId30"/>
   </p:sldIdLst>
   <p:sldSz cx="10287000" cy="6858000" type="35mm"/>
   <p:notesSz cx="6858000" cy="9144000"/>
@@ -305,7 +307,7 @@
           <a:p>
             <a:fld id="{8C3EA14B-9730-4B14-B276-7835B7D11ED2}" type="datetimeFigureOut">
               <a:rPr lang="zh-CN" altLang="en-US" smtClean="0"/>
-              <a:t>2022/2/22</a:t>
+              <a:t>2022/9/16</a:t>
             </a:fld>
             <a:endParaRPr lang="zh-CN" altLang="en-US"/>
           </a:p>
@@ -836,7 +838,7 @@
             <a:fld id="{FDF2B654-E532-CD43-80F7-7D95D6EDB8D9}" type="datetime1">
               <a:rPr lang="en-US" altLang="zh-CN" smtClean="0"/>
               <a:pPr/>
-              <a:t>2/22/22</a:t>
+              <a:t>9/16/22</a:t>
             </a:fld>
             <a:endParaRPr lang="en-US" altLang="zh-CN"/>
           </a:p>
@@ -860,7 +862,7 @@
             <a:fld id="{A2D96119-4DA5-354D-B04D-99D6609BA6BC}" type="slidenum">
               <a:rPr lang="en-US" altLang="zh-CN" smtClean="0"/>
               <a:pPr/>
-              <a:t>12</a:t>
+              <a:t>14</a:t>
             </a:fld>
             <a:endParaRPr lang="en-US" altLang="zh-CN"/>
           </a:p>
@@ -995,7 +997,7 @@
             <a:fld id="{FDF2B654-E532-CD43-80F7-7D95D6EDB8D9}" type="datetime1">
               <a:rPr lang="en-US" altLang="zh-CN" smtClean="0"/>
               <a:pPr/>
-              <a:t>2/22/22</a:t>
+              <a:t>9/16/22</a:t>
             </a:fld>
             <a:endParaRPr lang="en-US" altLang="zh-CN"/>
           </a:p>
@@ -1019,7 +1021,7 @@
             <a:fld id="{A2D96119-4DA5-354D-B04D-99D6609BA6BC}" type="slidenum">
               <a:rPr lang="en-US" altLang="zh-CN" smtClean="0"/>
               <a:pPr/>
-              <a:t>13</a:t>
+              <a:t>15</a:t>
             </a:fld>
             <a:endParaRPr lang="en-US" altLang="zh-CN"/>
           </a:p>
@@ -1177,7 +1179,7 @@
                   <a:srgbClr val="000000"/>
                 </a:solidFill>
               </a:rPr>
-              <a:t>February 22, 2022</a:t>
+              <a:t>September 16, 2022</a:t>
             </a:fld>
             <a:endParaRPr lang="zh-CN" altLang="en-US">
               <a:solidFill>
@@ -1384,7 +1386,7 @@
                   <a:srgbClr val="000000"/>
                 </a:solidFill>
               </a:rPr>
-              <a:t>February 22, 2022</a:t>
+              <a:t>September 16, 2022</a:t>
             </a:fld>
             <a:endParaRPr lang="zh-CN" altLang="en-US">
               <a:solidFill>
@@ -1601,7 +1603,7 @@
                   <a:srgbClr val="000000"/>
                 </a:solidFill>
               </a:rPr>
-              <a:t>February 22, 2022</a:t>
+              <a:t>September 16, 2022</a:t>
             </a:fld>
             <a:endParaRPr lang="zh-CN" altLang="en-US">
               <a:solidFill>
@@ -1869,7 +1871,7 @@
                   <a:srgbClr val="000000"/>
                 </a:solidFill>
               </a:rPr>
-              <a:t>February 22, 2022</a:t>
+              <a:t>September 16, 2022</a:t>
             </a:fld>
             <a:endParaRPr lang="zh-CN" altLang="en-US">
               <a:solidFill>
@@ -2137,7 +2139,7 @@
                   <a:srgbClr val="000000"/>
                 </a:solidFill>
               </a:rPr>
-              <a:t>February 22, 2022</a:t>
+              <a:t>September 16, 2022</a:t>
             </a:fld>
             <a:endParaRPr lang="zh-CN" altLang="en-US">
               <a:solidFill>
@@ -2421,7 +2423,7 @@
                   <a:srgbClr val="000000"/>
                 </a:solidFill>
               </a:rPr>
-              <a:t>February 22, 2022</a:t>
+              <a:t>September 16, 2022</a:t>
             </a:fld>
             <a:endParaRPr lang="zh-CN" altLang="en-US">
               <a:solidFill>
@@ -2689,7 +2691,7 @@
                   <a:srgbClr val="000000"/>
                 </a:solidFill>
               </a:rPr>
-              <a:t>February 22, 2022</a:t>
+              <a:t>September 16, 2022</a:t>
             </a:fld>
             <a:endParaRPr lang="zh-CN" altLang="en-US">
               <a:solidFill>
@@ -3092,7 +3094,7 @@
                   <a:srgbClr val="000000"/>
                 </a:solidFill>
               </a:rPr>
-              <a:t>February 22, 2022</a:t>
+              <a:t>September 16, 2022</a:t>
             </a:fld>
             <a:endParaRPr lang="zh-CN" altLang="en-US">
               <a:solidFill>
@@ -3248,7 +3250,7 @@
                   <a:srgbClr val="000000"/>
                 </a:solidFill>
               </a:rPr>
-              <a:t>February 22, 2022</a:t>
+              <a:t>September 16, 2022</a:t>
             </a:fld>
             <a:endParaRPr lang="zh-CN" altLang="en-US">
               <a:solidFill>
@@ -3382,7 +3384,7 @@
                   <a:srgbClr val="000000"/>
                 </a:solidFill>
               </a:rPr>
-              <a:t>February 22, 2022</a:t>
+              <a:t>September 16, 2022</a:t>
             </a:fld>
             <a:endParaRPr lang="zh-CN" altLang="en-US">
               <a:solidFill>
@@ -3696,7 +3698,7 @@
                   <a:srgbClr val="000000"/>
                 </a:solidFill>
               </a:rPr>
-              <a:t>February 22, 2022</a:t>
+              <a:t>September 16, 2022</a:t>
             </a:fld>
             <a:endParaRPr lang="zh-CN" altLang="en-US">
               <a:solidFill>
@@ -3987,7 +3989,7 @@
                   <a:srgbClr val="000000"/>
                 </a:solidFill>
               </a:rPr>
-              <a:t>February 22, 2022</a:t>
+              <a:t>September 16, 2022</a:t>
             </a:fld>
             <a:endParaRPr lang="zh-CN" altLang="en-US">
               <a:solidFill>
@@ -4304,7 +4306,7 @@
                   <a:srgbClr val="000000"/>
                 </a:solidFill>
               </a:rPr>
-              <a:t>February 22, 2022</a:t>
+              <a:t>September 16, 2022</a:t>
             </a:fld>
             <a:endParaRPr lang="zh-CN" altLang="en-US">
               <a:solidFill>
@@ -6017,6 +6019,380 @@
 </file>
 
 <file path=ppt/slides/slide12.xml><?xml version="1.0" encoding="utf-8"?>
+<p:sld xmlns:a="http://schemas.openxmlformats.org/drawingml/2006/main" xmlns:r="http://schemas.openxmlformats.org/officeDocument/2006/relationships" xmlns:p="http://schemas.openxmlformats.org/presentationml/2006/main">
+  <p:cSld>
+    <p:spTree>
+      <p:nvGrpSpPr>
+        <p:cNvPr id="1" name=""/>
+        <p:cNvGrpSpPr/>
+        <p:nvPr/>
+      </p:nvGrpSpPr>
+      <p:grpSpPr>
+        <a:xfrm>
+          <a:off x="0" y="0"/>
+          <a:ext cx="0" cy="0"/>
+          <a:chOff x="0" y="0"/>
+          <a:chExt cx="0" cy="0"/>
+        </a:xfrm>
+      </p:grpSpPr>
+      <p:sp>
+        <p:nvSpPr>
+          <p:cNvPr id="2" name="标题 1"/>
+          <p:cNvSpPr>
+            <a:spLocks noGrp="1"/>
+          </p:cNvSpPr>
+          <p:nvPr>
+            <p:ph type="title"/>
+          </p:nvPr>
+        </p:nvSpPr>
+        <p:spPr/>
+        <p:txBody>
+          <a:bodyPr/>
+          <a:lstStyle/>
+          <a:p>
+            <a:r>
+              <a:rPr lang="zh-CN" altLang="en-US" dirty="0"/>
+              <a:t>新时代下数据库需求</a:t>
+            </a:r>
+          </a:p>
+        </p:txBody>
+      </p:sp>
+      <p:sp>
+        <p:nvSpPr>
+          <p:cNvPr id="3" name="内容占位符 2"/>
+          <p:cNvSpPr>
+            <a:spLocks noGrp="1"/>
+          </p:cNvSpPr>
+          <p:nvPr>
+            <p:ph idx="1"/>
+          </p:nvPr>
+        </p:nvSpPr>
+        <p:spPr/>
+        <p:txBody>
+          <a:bodyPr/>
+          <a:lstStyle/>
+          <a:p>
+            <a:r>
+              <a:rPr lang="zh-CN" altLang="en-US" dirty="0"/>
+              <a:t>数据量和负载激增</a:t>
+            </a:r>
+            <a:endParaRPr lang="en-US" altLang="zh-CN" dirty="0"/>
+          </a:p>
+          <a:p>
+            <a:pPr lvl="1"/>
+            <a:r>
+              <a:rPr lang="zh-CN" altLang="en-US" dirty="0"/>
+              <a:t>扩展性变得更重要</a:t>
+            </a:r>
+            <a:endParaRPr lang="en-US" altLang="zh-CN" dirty="0"/>
+          </a:p>
+          <a:p>
+            <a:pPr lvl="1"/>
+            <a:r>
+              <a:rPr lang="zh-CN" altLang="en-US" dirty="0"/>
+              <a:t>性价比变得更重要</a:t>
+            </a:r>
+            <a:endParaRPr lang="en-US" altLang="zh-CN" dirty="0"/>
+          </a:p>
+          <a:p>
+            <a:r>
+              <a:rPr lang="zh-CN" altLang="en-US" dirty="0"/>
+              <a:t>云计算的普及</a:t>
+            </a:r>
+            <a:endParaRPr lang="en-US" altLang="zh-CN" dirty="0"/>
+          </a:p>
+          <a:p>
+            <a:pPr lvl="1"/>
+            <a:r>
+              <a:rPr lang="zh-CN" altLang="en-US" dirty="0"/>
+              <a:t>易用性变得更重要</a:t>
+            </a:r>
+          </a:p>
+        </p:txBody>
+      </p:sp>
+      <p:sp>
+        <p:nvSpPr>
+          <p:cNvPr id="4" name="灯片编号占位符 3"/>
+          <p:cNvSpPr>
+            <a:spLocks noGrp="1"/>
+          </p:cNvSpPr>
+          <p:nvPr>
+            <p:ph type="sldNum" sz="quarter" idx="12"/>
+          </p:nvPr>
+        </p:nvSpPr>
+        <p:spPr/>
+        <p:txBody>
+          <a:bodyPr/>
+          <a:lstStyle/>
+          <a:p>
+            <a:fld id="{6415963F-B422-0E4C-94FB-293280FD86B8}" type="slidenum">
+              <a:rPr lang="zh-CN" altLang="en-US" smtClean="0">
+                <a:solidFill>
+                  <a:srgbClr val="000000"/>
+                </a:solidFill>
+              </a:rPr>
+              <a:pPr/>
+              <a:t>12</a:t>
+            </a:fld>
+            <a:endParaRPr lang="zh-CN" altLang="en-US">
+              <a:solidFill>
+                <a:srgbClr val="000000"/>
+              </a:solidFill>
+            </a:endParaRPr>
+          </a:p>
+        </p:txBody>
+      </p:sp>
+    </p:spTree>
+    <p:extLst>
+      <p:ext uri="{BB962C8B-B14F-4D97-AF65-F5344CB8AC3E}">
+        <p14:creationId xmlns:p14="http://schemas.microsoft.com/office/powerpoint/2010/main" val="2430104746"/>
+      </p:ext>
+    </p:extLst>
+  </p:cSld>
+  <p:clrMapOvr>
+    <a:masterClrMapping/>
+  </p:clrMapOvr>
+</p:sld>
+</file>
+
+<file path=ppt/slides/slide13.xml><?xml version="1.0" encoding="utf-8"?>
+<p:sld xmlns:a="http://schemas.openxmlformats.org/drawingml/2006/main" xmlns:r="http://schemas.openxmlformats.org/officeDocument/2006/relationships" xmlns:p="http://schemas.openxmlformats.org/presentationml/2006/main">
+  <p:cSld>
+    <p:spTree>
+      <p:nvGrpSpPr>
+        <p:cNvPr id="1" name=""/>
+        <p:cNvGrpSpPr/>
+        <p:nvPr/>
+      </p:nvGrpSpPr>
+      <p:grpSpPr>
+        <a:xfrm>
+          <a:off x="0" y="0"/>
+          <a:ext cx="0" cy="0"/>
+          <a:chOff x="0" y="0"/>
+          <a:chExt cx="0" cy="0"/>
+        </a:xfrm>
+      </p:grpSpPr>
+      <p:sp>
+        <p:nvSpPr>
+          <p:cNvPr id="2" name="标题 1"/>
+          <p:cNvSpPr>
+            <a:spLocks noGrp="1"/>
+          </p:cNvSpPr>
+          <p:nvPr>
+            <p:ph type="title"/>
+          </p:nvPr>
+        </p:nvSpPr>
+        <p:spPr/>
+        <p:txBody>
+          <a:bodyPr/>
+          <a:lstStyle/>
+          <a:p>
+            <a:r>
+              <a:rPr lang="en-US" altLang="zh-CN" dirty="0"/>
+              <a:t>NewSQL/</a:t>
+            </a:r>
+            <a:r>
+              <a:rPr lang="zh-CN" altLang="en-US" dirty="0"/>
+              <a:t>分布式数据库</a:t>
+            </a:r>
+          </a:p>
+        </p:txBody>
+      </p:sp>
+      <p:sp>
+        <p:nvSpPr>
+          <p:cNvPr id="5" name="灯片编号占位符 4"/>
+          <p:cNvSpPr>
+            <a:spLocks noGrp="1"/>
+          </p:cNvSpPr>
+          <p:nvPr>
+            <p:ph type="sldNum" sz="quarter" idx="12"/>
+          </p:nvPr>
+        </p:nvSpPr>
+        <p:spPr/>
+        <p:txBody>
+          <a:bodyPr/>
+          <a:lstStyle/>
+          <a:p>
+            <a:fld id="{6415963F-B422-0E4C-94FB-293280FD86B8}" type="slidenum">
+              <a:rPr lang="zh-CN" altLang="en-US" smtClean="0">
+                <a:solidFill>
+                  <a:srgbClr val="000000"/>
+                </a:solidFill>
+              </a:rPr>
+              <a:pPr/>
+              <a:t>13</a:t>
+            </a:fld>
+            <a:endParaRPr lang="zh-CN" altLang="en-US">
+              <a:solidFill>
+                <a:srgbClr val="000000"/>
+              </a:solidFill>
+            </a:endParaRPr>
+          </a:p>
+        </p:txBody>
+      </p:sp>
+      <p:pic>
+        <p:nvPicPr>
+          <p:cNvPr id="7" name="图片 6"/>
+          <p:cNvPicPr>
+            <a:picLocks noChangeAspect="1"/>
+          </p:cNvPicPr>
+          <p:nvPr/>
+        </p:nvPicPr>
+        <p:blipFill>
+          <a:blip r:embed="rId2" cstate="print">
+            <a:extLst>
+              <a:ext uri="{28A0092B-C50C-407E-A947-70E740481C1C}">
+                <a14:useLocalDpi xmlns:a14="http://schemas.microsoft.com/office/drawing/2010/main" val="0"/>
+              </a:ext>
+            </a:extLst>
+          </a:blip>
+          <a:stretch>
+            <a:fillRect/>
+          </a:stretch>
+        </p:blipFill>
+        <p:spPr>
+          <a:xfrm>
+            <a:off x="3487316" y="2044225"/>
+            <a:ext cx="3690764" cy="951397"/>
+          </a:xfrm>
+          <a:prstGeom prst="rect">
+            <a:avLst/>
+          </a:prstGeom>
+        </p:spPr>
+      </p:pic>
+      <p:pic>
+        <p:nvPicPr>
+          <p:cNvPr id="8" name="图片 7"/>
+          <p:cNvPicPr>
+            <a:picLocks noChangeAspect="1"/>
+          </p:cNvPicPr>
+          <p:nvPr/>
+        </p:nvPicPr>
+        <p:blipFill>
+          <a:blip r:embed="rId3">
+            <a:extLst>
+              <a:ext uri="{28A0092B-C50C-407E-A947-70E740481C1C}">
+                <a14:useLocalDpi xmlns:a14="http://schemas.microsoft.com/office/drawing/2010/main" val="0"/>
+              </a:ext>
+            </a:extLst>
+          </a:blip>
+          <a:stretch>
+            <a:fillRect/>
+          </a:stretch>
+        </p:blipFill>
+        <p:spPr>
+          <a:xfrm>
+            <a:off x="4485974" y="3159663"/>
+            <a:ext cx="4367213" cy="2028825"/>
+          </a:xfrm>
+          <a:prstGeom prst="rect">
+            <a:avLst/>
+          </a:prstGeom>
+        </p:spPr>
+      </p:pic>
+      <p:pic>
+        <p:nvPicPr>
+          <p:cNvPr id="3" name="图片 2"/>
+          <p:cNvPicPr>
+            <a:picLocks noChangeAspect="1"/>
+          </p:cNvPicPr>
+          <p:nvPr/>
+        </p:nvPicPr>
+        <p:blipFill>
+          <a:blip r:embed="rId4"/>
+          <a:stretch>
+            <a:fillRect/>
+          </a:stretch>
+        </p:blipFill>
+        <p:spPr>
+          <a:xfrm>
+            <a:off x="1543100" y="2346469"/>
+            <a:ext cx="1743075" cy="771525"/>
+          </a:xfrm>
+          <a:prstGeom prst="rect">
+            <a:avLst/>
+          </a:prstGeom>
+        </p:spPr>
+      </p:pic>
+      <p:pic>
+        <p:nvPicPr>
+          <p:cNvPr id="4" name="图片 3"/>
+          <p:cNvPicPr>
+            <a:picLocks noChangeAspect="1"/>
+          </p:cNvPicPr>
+          <p:nvPr/>
+        </p:nvPicPr>
+        <p:blipFill>
+          <a:blip r:embed="rId5"/>
+          <a:stretch>
+            <a:fillRect/>
+          </a:stretch>
+        </p:blipFill>
+        <p:spPr>
+          <a:xfrm>
+            <a:off x="1838810" y="3216359"/>
+            <a:ext cx="2803093" cy="602991"/>
+          </a:xfrm>
+          <a:prstGeom prst="rect">
+            <a:avLst/>
+          </a:prstGeom>
+        </p:spPr>
+      </p:pic>
+      <p:pic>
+        <p:nvPicPr>
+          <p:cNvPr id="1026" name="Picture 2" descr="é¿éåå¸å¼æ°æ®åºX-DB"/>
+          <p:cNvPicPr>
+            <a:picLocks noChangeAspect="1" noChangeArrowheads="1"/>
+          </p:cNvPicPr>
+          <p:nvPr/>
+        </p:nvPicPr>
+        <p:blipFill>
+          <a:blip r:embed="rId6" cstate="print">
+            <a:extLst>
+              <a:ext uri="{28A0092B-C50C-407E-A947-70E740481C1C}">
+                <a14:useLocalDpi xmlns:a14="http://schemas.microsoft.com/office/drawing/2010/main" val="0"/>
+              </a:ext>
+            </a:extLst>
+          </a:blip>
+          <a:srcRect/>
+          <a:stretch>
+            <a:fillRect/>
+          </a:stretch>
+        </p:blipFill>
+        <p:spPr bwMode="auto">
+          <a:xfrm>
+            <a:off x="2983260" y="3914448"/>
+            <a:ext cx="2052228" cy="1053303"/>
+          </a:xfrm>
+          <a:prstGeom prst="rect">
+            <a:avLst/>
+          </a:prstGeom>
+          <a:noFill/>
+          <a:extLst>
+            <a:ext uri="{909E8E84-426E-40DD-AFC4-6F175D3DCCD1}">
+              <a14:hiddenFill xmlns:a14="http://schemas.microsoft.com/office/drawing/2010/main">
+                <a:solidFill>
+                  <a:srgbClr val="FFFFFF"/>
+                </a:solidFill>
+              </a14:hiddenFill>
+            </a:ext>
+          </a:extLst>
+        </p:spPr>
+      </p:pic>
+    </p:spTree>
+    <p:extLst>
+      <p:ext uri="{BB962C8B-B14F-4D97-AF65-F5344CB8AC3E}">
+        <p14:creationId xmlns:p14="http://schemas.microsoft.com/office/powerpoint/2010/main" val="1679511345"/>
+      </p:ext>
+    </p:extLst>
+  </p:cSld>
+  <p:clrMapOvr>
+    <a:masterClrMapping/>
+  </p:clrMapOvr>
+</p:sld>
+</file>
+
+<file path=ppt/slides/slide14.xml><?xml version="1.0" encoding="utf-8"?>
 <p:sld xmlns:a="http://schemas.openxmlformats.org/drawingml/2006/main" xmlns:r="http://schemas.openxmlformats.org/officeDocument/2006/relationships" xmlns:p="http://schemas.openxmlformats.org/presentationml/2006/main">
   <p:cSld>
     <p:spTree>
@@ -6803,7 +7179,7 @@
               <a:pPr>
                 <a:defRPr/>
               </a:pPr>
-              <a:t>12</a:t>
+              <a:t>14</a:t>
             </a:fld>
             <a:endParaRPr lang="zh-CN" altLang="en-US" dirty="0"/>
           </a:p>
@@ -6822,7 +7198,7 @@
 </p:sld>
 </file>
 
-<file path=ppt/slides/slide13.xml><?xml version="1.0" encoding="utf-8"?>
+<file path=ppt/slides/slide15.xml><?xml version="1.0" encoding="utf-8"?>
 <p:sld xmlns:a="http://schemas.openxmlformats.org/drawingml/2006/main" xmlns:r="http://schemas.openxmlformats.org/officeDocument/2006/relationships" xmlns:p="http://schemas.openxmlformats.org/presentationml/2006/main">
   <p:cSld>
     <p:spTree>
@@ -6961,7 +7337,7 @@
             <a:fld id="{781C05F3-0AEC-3447-B57F-5C3ABD76D55B}" type="slidenum">
               <a:rPr lang="zh-CN" altLang="en-US" smtClean="0"/>
               <a:pPr/>
-              <a:t>13</a:t>
+              <a:t>15</a:t>
             </a:fld>
             <a:endParaRPr lang="en-US" altLang="zh-CN"/>
           </a:p>
@@ -7004,376 +7380,6 @@
 </p:sld>
 </file>
 
-<file path=ppt/slides/slide14.xml><?xml version="1.0" encoding="utf-8"?>
-<p:sld xmlns:a="http://schemas.openxmlformats.org/drawingml/2006/main" xmlns:r="http://schemas.openxmlformats.org/officeDocument/2006/relationships" xmlns:p="http://schemas.openxmlformats.org/presentationml/2006/main">
-  <p:cSld>
-    <p:spTree>
-      <p:nvGrpSpPr>
-        <p:cNvPr id="1" name=""/>
-        <p:cNvGrpSpPr/>
-        <p:nvPr/>
-      </p:nvGrpSpPr>
-      <p:grpSpPr>
-        <a:xfrm>
-          <a:off x="0" y="0"/>
-          <a:ext cx="0" cy="0"/>
-          <a:chOff x="0" y="0"/>
-          <a:chExt cx="0" cy="0"/>
-        </a:xfrm>
-      </p:grpSpPr>
-      <p:sp>
-        <p:nvSpPr>
-          <p:cNvPr id="2" name="标题 1"/>
-          <p:cNvSpPr>
-            <a:spLocks noGrp="1"/>
-          </p:cNvSpPr>
-          <p:nvPr>
-            <p:ph type="title"/>
-          </p:nvPr>
-        </p:nvSpPr>
-        <p:spPr/>
-        <p:txBody>
-          <a:bodyPr/>
-          <a:lstStyle/>
-          <a:p>
-            <a:r>
-              <a:rPr lang="zh-CN" altLang="en-US" dirty="0"/>
-              <a:t>对数据库的需求变化</a:t>
-            </a:r>
-          </a:p>
-        </p:txBody>
-      </p:sp>
-      <p:sp>
-        <p:nvSpPr>
-          <p:cNvPr id="3" name="内容占位符 2"/>
-          <p:cNvSpPr>
-            <a:spLocks noGrp="1"/>
-          </p:cNvSpPr>
-          <p:nvPr>
-            <p:ph idx="1"/>
-          </p:nvPr>
-        </p:nvSpPr>
-        <p:spPr/>
-        <p:txBody>
-          <a:bodyPr/>
-          <a:lstStyle/>
-          <a:p>
-            <a:r>
-              <a:rPr lang="zh-CN" altLang="en-US" dirty="0"/>
-              <a:t>数据量和负载激增</a:t>
-            </a:r>
-            <a:endParaRPr lang="en-US" altLang="zh-CN" dirty="0"/>
-          </a:p>
-          <a:p>
-            <a:pPr lvl="1"/>
-            <a:r>
-              <a:rPr lang="zh-CN" altLang="en-US" dirty="0"/>
-              <a:t>扩展性变得更重要</a:t>
-            </a:r>
-            <a:endParaRPr lang="en-US" altLang="zh-CN" dirty="0"/>
-          </a:p>
-          <a:p>
-            <a:pPr lvl="1"/>
-            <a:r>
-              <a:rPr lang="zh-CN" altLang="en-US" dirty="0"/>
-              <a:t>性价比变得更重要</a:t>
-            </a:r>
-            <a:endParaRPr lang="en-US" altLang="zh-CN" dirty="0"/>
-          </a:p>
-          <a:p>
-            <a:r>
-              <a:rPr lang="zh-CN" altLang="en-US" dirty="0"/>
-              <a:t>云计算的普及</a:t>
-            </a:r>
-            <a:endParaRPr lang="en-US" altLang="zh-CN" dirty="0"/>
-          </a:p>
-          <a:p>
-            <a:pPr lvl="1"/>
-            <a:r>
-              <a:rPr lang="zh-CN" altLang="en-US" dirty="0"/>
-              <a:t>易用性变得更重要</a:t>
-            </a:r>
-          </a:p>
-        </p:txBody>
-      </p:sp>
-      <p:sp>
-        <p:nvSpPr>
-          <p:cNvPr id="4" name="灯片编号占位符 3"/>
-          <p:cNvSpPr>
-            <a:spLocks noGrp="1"/>
-          </p:cNvSpPr>
-          <p:nvPr>
-            <p:ph type="sldNum" sz="quarter" idx="12"/>
-          </p:nvPr>
-        </p:nvSpPr>
-        <p:spPr/>
-        <p:txBody>
-          <a:bodyPr/>
-          <a:lstStyle/>
-          <a:p>
-            <a:fld id="{6415963F-B422-0E4C-94FB-293280FD86B8}" type="slidenum">
-              <a:rPr lang="zh-CN" altLang="en-US" smtClean="0">
-                <a:solidFill>
-                  <a:srgbClr val="000000"/>
-                </a:solidFill>
-              </a:rPr>
-              <a:pPr/>
-              <a:t>14</a:t>
-            </a:fld>
-            <a:endParaRPr lang="zh-CN" altLang="en-US">
-              <a:solidFill>
-                <a:srgbClr val="000000"/>
-              </a:solidFill>
-            </a:endParaRPr>
-          </a:p>
-        </p:txBody>
-      </p:sp>
-    </p:spTree>
-    <p:extLst>
-      <p:ext uri="{BB962C8B-B14F-4D97-AF65-F5344CB8AC3E}">
-        <p14:creationId xmlns:p14="http://schemas.microsoft.com/office/powerpoint/2010/main" val="2430104746"/>
-      </p:ext>
-    </p:extLst>
-  </p:cSld>
-  <p:clrMapOvr>
-    <a:masterClrMapping/>
-  </p:clrMapOvr>
-</p:sld>
-</file>
-
-<file path=ppt/slides/slide15.xml><?xml version="1.0" encoding="utf-8"?>
-<p:sld xmlns:a="http://schemas.openxmlformats.org/drawingml/2006/main" xmlns:r="http://schemas.openxmlformats.org/officeDocument/2006/relationships" xmlns:p="http://schemas.openxmlformats.org/presentationml/2006/main">
-  <p:cSld>
-    <p:spTree>
-      <p:nvGrpSpPr>
-        <p:cNvPr id="1" name=""/>
-        <p:cNvGrpSpPr/>
-        <p:nvPr/>
-      </p:nvGrpSpPr>
-      <p:grpSpPr>
-        <a:xfrm>
-          <a:off x="0" y="0"/>
-          <a:ext cx="0" cy="0"/>
-          <a:chOff x="0" y="0"/>
-          <a:chExt cx="0" cy="0"/>
-        </a:xfrm>
-      </p:grpSpPr>
-      <p:sp>
-        <p:nvSpPr>
-          <p:cNvPr id="2" name="标题 1"/>
-          <p:cNvSpPr>
-            <a:spLocks noGrp="1"/>
-          </p:cNvSpPr>
-          <p:nvPr>
-            <p:ph type="title"/>
-          </p:nvPr>
-        </p:nvSpPr>
-        <p:spPr/>
-        <p:txBody>
-          <a:bodyPr/>
-          <a:lstStyle/>
-          <a:p>
-            <a:r>
-              <a:rPr lang="zh-CN" altLang="en-US" dirty="0"/>
-              <a:t>数据库系统的演进</a:t>
-            </a:r>
-          </a:p>
-        </p:txBody>
-      </p:sp>
-      <p:sp>
-        <p:nvSpPr>
-          <p:cNvPr id="5" name="灯片编号占位符 4"/>
-          <p:cNvSpPr>
-            <a:spLocks noGrp="1"/>
-          </p:cNvSpPr>
-          <p:nvPr>
-            <p:ph type="sldNum" sz="quarter" idx="12"/>
-          </p:nvPr>
-        </p:nvSpPr>
-        <p:spPr/>
-        <p:txBody>
-          <a:bodyPr/>
-          <a:lstStyle/>
-          <a:p>
-            <a:fld id="{6415963F-B422-0E4C-94FB-293280FD86B8}" type="slidenum">
-              <a:rPr lang="zh-CN" altLang="en-US" smtClean="0">
-                <a:solidFill>
-                  <a:srgbClr val="000000"/>
-                </a:solidFill>
-              </a:rPr>
-              <a:pPr/>
-              <a:t>15</a:t>
-            </a:fld>
-            <a:endParaRPr lang="zh-CN" altLang="en-US">
-              <a:solidFill>
-                <a:srgbClr val="000000"/>
-              </a:solidFill>
-            </a:endParaRPr>
-          </a:p>
-        </p:txBody>
-      </p:sp>
-      <p:pic>
-        <p:nvPicPr>
-          <p:cNvPr id="7" name="图片 6"/>
-          <p:cNvPicPr>
-            <a:picLocks noChangeAspect="1"/>
-          </p:cNvPicPr>
-          <p:nvPr/>
-        </p:nvPicPr>
-        <p:blipFill>
-          <a:blip r:embed="rId2" cstate="print">
-            <a:extLst>
-              <a:ext uri="{28A0092B-C50C-407E-A947-70E740481C1C}">
-                <a14:useLocalDpi xmlns:a14="http://schemas.microsoft.com/office/drawing/2010/main" val="0"/>
-              </a:ext>
-            </a:extLst>
-          </a:blip>
-          <a:stretch>
-            <a:fillRect/>
-          </a:stretch>
-        </p:blipFill>
-        <p:spPr>
-          <a:xfrm>
-            <a:off x="3487316" y="2044225"/>
-            <a:ext cx="3690764" cy="951397"/>
-          </a:xfrm>
-          <a:prstGeom prst="rect">
-            <a:avLst/>
-          </a:prstGeom>
-        </p:spPr>
-      </p:pic>
-      <p:pic>
-        <p:nvPicPr>
-          <p:cNvPr id="8" name="图片 7"/>
-          <p:cNvPicPr>
-            <a:picLocks noChangeAspect="1"/>
-          </p:cNvPicPr>
-          <p:nvPr/>
-        </p:nvPicPr>
-        <p:blipFill>
-          <a:blip r:embed="rId3">
-            <a:extLst>
-              <a:ext uri="{28A0092B-C50C-407E-A947-70E740481C1C}">
-                <a14:useLocalDpi xmlns:a14="http://schemas.microsoft.com/office/drawing/2010/main" val="0"/>
-              </a:ext>
-            </a:extLst>
-          </a:blip>
-          <a:stretch>
-            <a:fillRect/>
-          </a:stretch>
-        </p:blipFill>
-        <p:spPr>
-          <a:xfrm>
-            <a:off x="4485974" y="3159663"/>
-            <a:ext cx="4367213" cy="2028825"/>
-          </a:xfrm>
-          <a:prstGeom prst="rect">
-            <a:avLst/>
-          </a:prstGeom>
-        </p:spPr>
-      </p:pic>
-      <p:pic>
-        <p:nvPicPr>
-          <p:cNvPr id="3" name="图片 2"/>
-          <p:cNvPicPr>
-            <a:picLocks noChangeAspect="1"/>
-          </p:cNvPicPr>
-          <p:nvPr/>
-        </p:nvPicPr>
-        <p:blipFill>
-          <a:blip r:embed="rId4"/>
-          <a:stretch>
-            <a:fillRect/>
-          </a:stretch>
-        </p:blipFill>
-        <p:spPr>
-          <a:xfrm>
-            <a:off x="1543100" y="2346469"/>
-            <a:ext cx="1743075" cy="771525"/>
-          </a:xfrm>
-          <a:prstGeom prst="rect">
-            <a:avLst/>
-          </a:prstGeom>
-        </p:spPr>
-      </p:pic>
-      <p:pic>
-        <p:nvPicPr>
-          <p:cNvPr id="4" name="图片 3"/>
-          <p:cNvPicPr>
-            <a:picLocks noChangeAspect="1"/>
-          </p:cNvPicPr>
-          <p:nvPr/>
-        </p:nvPicPr>
-        <p:blipFill>
-          <a:blip r:embed="rId5"/>
-          <a:stretch>
-            <a:fillRect/>
-          </a:stretch>
-        </p:blipFill>
-        <p:spPr>
-          <a:xfrm>
-            <a:off x="1838810" y="3216359"/>
-            <a:ext cx="2803093" cy="602991"/>
-          </a:xfrm>
-          <a:prstGeom prst="rect">
-            <a:avLst/>
-          </a:prstGeom>
-        </p:spPr>
-      </p:pic>
-      <p:pic>
-        <p:nvPicPr>
-          <p:cNvPr id="1026" name="Picture 2" descr="é¿éåå¸å¼æ°æ®åºX-DB"/>
-          <p:cNvPicPr>
-            <a:picLocks noChangeAspect="1" noChangeArrowheads="1"/>
-          </p:cNvPicPr>
-          <p:nvPr/>
-        </p:nvPicPr>
-        <p:blipFill>
-          <a:blip r:embed="rId6" cstate="print">
-            <a:extLst>
-              <a:ext uri="{28A0092B-C50C-407E-A947-70E740481C1C}">
-                <a14:useLocalDpi xmlns:a14="http://schemas.microsoft.com/office/drawing/2010/main" val="0"/>
-              </a:ext>
-            </a:extLst>
-          </a:blip>
-          <a:srcRect/>
-          <a:stretch>
-            <a:fillRect/>
-          </a:stretch>
-        </p:blipFill>
-        <p:spPr bwMode="auto">
-          <a:xfrm>
-            <a:off x="2983260" y="3914448"/>
-            <a:ext cx="2052228" cy="1053303"/>
-          </a:xfrm>
-          <a:prstGeom prst="rect">
-            <a:avLst/>
-          </a:prstGeom>
-          <a:noFill/>
-          <a:extLst>
-            <a:ext uri="{909E8E84-426E-40DD-AFC4-6F175D3DCCD1}">
-              <a14:hiddenFill xmlns:a14="http://schemas.microsoft.com/office/drawing/2010/main">
-                <a:solidFill>
-                  <a:srgbClr val="FFFFFF"/>
-                </a:solidFill>
-              </a14:hiddenFill>
-            </a:ext>
-          </a:extLst>
-        </p:spPr>
-      </p:pic>
-    </p:spTree>
-    <p:extLst>
-      <p:ext uri="{BB962C8B-B14F-4D97-AF65-F5344CB8AC3E}">
-        <p14:creationId xmlns:p14="http://schemas.microsoft.com/office/powerpoint/2010/main" val="1679511345"/>
-      </p:ext>
-    </p:extLst>
-  </p:cSld>
-  <p:clrMapOvr>
-    <a:masterClrMapping/>
-  </p:clrMapOvr>
-</p:sld>
-</file>
-
 <file path=ppt/slides/slide16.xml><?xml version="1.0" encoding="utf-8"?>
 <p:sld xmlns:a="http://schemas.openxmlformats.org/drawingml/2006/main" xmlns:r="http://schemas.openxmlformats.org/officeDocument/2006/relationships" xmlns:p="http://schemas.openxmlformats.org/presentationml/2006/main">
   <p:cSld>
@@ -7408,6 +7414,183 @@
           <a:p>
             <a:r>
               <a:rPr lang="zh-CN" altLang="en-US" dirty="0"/>
+              <a:t>系统的要素</a:t>
+            </a:r>
+          </a:p>
+        </p:txBody>
+      </p:sp>
+      <p:sp>
+        <p:nvSpPr>
+          <p:cNvPr id="3" name="内容占位符 2"/>
+          <p:cNvSpPr>
+            <a:spLocks noGrp="1"/>
+          </p:cNvSpPr>
+          <p:nvPr>
+            <p:ph idx="1"/>
+          </p:nvPr>
+        </p:nvSpPr>
+        <p:spPr/>
+        <p:txBody>
+          <a:bodyPr/>
+          <a:lstStyle/>
+          <a:p>
+            <a:r>
+              <a:rPr lang="zh-CN" altLang="en-US" dirty="0"/>
+              <a:t>功能</a:t>
+            </a:r>
+            <a:endParaRPr lang="en-US" altLang="zh-CN" dirty="0"/>
+          </a:p>
+          <a:p>
+            <a:r>
+              <a:rPr lang="zh-CN" altLang="en-US" dirty="0"/>
+              <a:t>性能</a:t>
+            </a:r>
+            <a:endParaRPr lang="en-US" altLang="zh-CN" dirty="0"/>
+          </a:p>
+          <a:p>
+            <a:r>
+              <a:rPr lang="zh-CN" altLang="en-US" dirty="0"/>
+              <a:t>易用性</a:t>
+            </a:r>
+            <a:endParaRPr lang="en-US" altLang="zh-CN" dirty="0"/>
+          </a:p>
+          <a:p>
+            <a:pPr lvl="1"/>
+            <a:r>
+              <a:rPr lang="zh-CN" altLang="en-US" dirty="0"/>
+              <a:t>访问语言是否容易掌握</a:t>
+            </a:r>
+            <a:endParaRPr lang="en-US" altLang="zh-CN" dirty="0"/>
+          </a:p>
+          <a:p>
+            <a:pPr lvl="1"/>
+            <a:r>
+              <a:rPr lang="zh-CN" altLang="en-US" dirty="0"/>
+              <a:t>管理是否方便</a:t>
+            </a:r>
+            <a:endParaRPr lang="en-US" altLang="zh-CN" dirty="0"/>
+          </a:p>
+          <a:p>
+            <a:pPr lvl="1"/>
+            <a:endParaRPr lang="zh-CN" altLang="en-US" dirty="0"/>
+          </a:p>
+        </p:txBody>
+      </p:sp>
+      <p:sp>
+        <p:nvSpPr>
+          <p:cNvPr id="5" name="灯片编号占位符 4"/>
+          <p:cNvSpPr>
+            <a:spLocks noGrp="1"/>
+          </p:cNvSpPr>
+          <p:nvPr>
+            <p:ph type="sldNum" sz="quarter" idx="12"/>
+          </p:nvPr>
+        </p:nvSpPr>
+        <p:spPr/>
+        <p:txBody>
+          <a:bodyPr/>
+          <a:lstStyle/>
+          <a:p>
+            <a:fld id="{6415963F-B422-0E4C-94FB-293280FD86B8}" type="slidenum">
+              <a:rPr lang="zh-CN" altLang="en-US" smtClean="0">
+                <a:solidFill>
+                  <a:srgbClr val="000000"/>
+                </a:solidFill>
+              </a:rPr>
+              <a:pPr/>
+              <a:t>16</a:t>
+            </a:fld>
+            <a:endParaRPr lang="zh-CN" altLang="en-US">
+              <a:solidFill>
+                <a:srgbClr val="000000"/>
+              </a:solidFill>
+            </a:endParaRPr>
+          </a:p>
+        </p:txBody>
+      </p:sp>
+      <p:sp>
+        <p:nvSpPr>
+          <p:cNvPr id="4" name="文本框 3"/>
+          <p:cNvSpPr txBox="1"/>
+          <p:nvPr/>
+        </p:nvSpPr>
+        <p:spPr>
+          <a:xfrm>
+            <a:off x="4624892" y="2924944"/>
+            <a:ext cx="5647556" cy="1200329"/>
+          </a:xfrm>
+          <a:prstGeom prst="rect">
+            <a:avLst/>
+          </a:prstGeom>
+          <a:noFill/>
+        </p:spPr>
+        <p:txBody>
+          <a:bodyPr wrap="square" rtlCol="0">
+            <a:spAutoFit/>
+          </a:bodyPr>
+          <a:lstStyle/>
+          <a:p>
+            <a:r>
+              <a:rPr lang="zh-CN" altLang="en-US" sz="3600" dirty="0">
+                <a:solidFill>
+                  <a:schemeClr val="accent2">
+                    <a:lumMod val="60000"/>
+                    <a:lumOff val="40000"/>
+                  </a:schemeClr>
+                </a:solidFill>
+              </a:rPr>
+              <a:t>功能与性能折中能否给出一些例子？</a:t>
+            </a:r>
+          </a:p>
+        </p:txBody>
+      </p:sp>
+    </p:spTree>
+    <p:extLst>
+      <p:ext uri="{BB962C8B-B14F-4D97-AF65-F5344CB8AC3E}">
+        <p14:creationId xmlns:p14="http://schemas.microsoft.com/office/powerpoint/2010/main" val="4100973816"/>
+      </p:ext>
+    </p:extLst>
+  </p:cSld>
+  <p:clrMapOvr>
+    <a:masterClrMapping/>
+  </p:clrMapOvr>
+</p:sld>
+</file>
+
+<file path=ppt/slides/slide17.xml><?xml version="1.0" encoding="utf-8"?>
+<p:sld xmlns:a="http://schemas.openxmlformats.org/drawingml/2006/main" xmlns:r="http://schemas.openxmlformats.org/officeDocument/2006/relationships" xmlns:p="http://schemas.openxmlformats.org/presentationml/2006/main">
+  <p:cSld>
+    <p:spTree>
+      <p:nvGrpSpPr>
+        <p:cNvPr id="1" name=""/>
+        <p:cNvGrpSpPr/>
+        <p:nvPr/>
+      </p:nvGrpSpPr>
+      <p:grpSpPr>
+        <a:xfrm>
+          <a:off x="0" y="0"/>
+          <a:ext cx="0" cy="0"/>
+          <a:chOff x="0" y="0"/>
+          <a:chExt cx="0" cy="0"/>
+        </a:xfrm>
+      </p:grpSpPr>
+      <p:sp>
+        <p:nvSpPr>
+          <p:cNvPr id="2" name="标题 1"/>
+          <p:cNvSpPr>
+            <a:spLocks noGrp="1"/>
+          </p:cNvSpPr>
+          <p:nvPr>
+            <p:ph type="title"/>
+          </p:nvPr>
+        </p:nvSpPr>
+        <p:spPr/>
+        <p:txBody>
+          <a:bodyPr/>
+          <a:lstStyle/>
+          <a:p>
+            <a:r>
+              <a:rPr lang="zh-CN" altLang="en-US" dirty="0"/>
               <a:t>如何评价数据库系统性能？</a:t>
             </a:r>
           </a:p>
@@ -7494,7 +7677,7 @@
                 </a:solidFill>
               </a:rPr>
               <a:pPr/>
-              <a:t>16</a:t>
+              <a:t>17</a:t>
             </a:fld>
             <a:endParaRPr lang="zh-CN" altLang="en-US">
               <a:solidFill>
@@ -7651,183 +7834,6 @@
 </p:sld>
 </file>
 
-<file path=ppt/slides/slide17.xml><?xml version="1.0" encoding="utf-8"?>
-<p:sld xmlns:a="http://schemas.openxmlformats.org/drawingml/2006/main" xmlns:r="http://schemas.openxmlformats.org/officeDocument/2006/relationships" xmlns:p="http://schemas.openxmlformats.org/presentationml/2006/main">
-  <p:cSld>
-    <p:spTree>
-      <p:nvGrpSpPr>
-        <p:cNvPr id="1" name=""/>
-        <p:cNvGrpSpPr/>
-        <p:nvPr/>
-      </p:nvGrpSpPr>
-      <p:grpSpPr>
-        <a:xfrm>
-          <a:off x="0" y="0"/>
-          <a:ext cx="0" cy="0"/>
-          <a:chOff x="0" y="0"/>
-          <a:chExt cx="0" cy="0"/>
-        </a:xfrm>
-      </p:grpSpPr>
-      <p:sp>
-        <p:nvSpPr>
-          <p:cNvPr id="2" name="标题 1"/>
-          <p:cNvSpPr>
-            <a:spLocks noGrp="1"/>
-          </p:cNvSpPr>
-          <p:nvPr>
-            <p:ph type="title"/>
-          </p:nvPr>
-        </p:nvSpPr>
-        <p:spPr/>
-        <p:txBody>
-          <a:bodyPr/>
-          <a:lstStyle/>
-          <a:p>
-            <a:r>
-              <a:rPr lang="zh-CN" altLang="en-US" dirty="0"/>
-              <a:t>系统的要素</a:t>
-            </a:r>
-          </a:p>
-        </p:txBody>
-      </p:sp>
-      <p:sp>
-        <p:nvSpPr>
-          <p:cNvPr id="3" name="内容占位符 2"/>
-          <p:cNvSpPr>
-            <a:spLocks noGrp="1"/>
-          </p:cNvSpPr>
-          <p:nvPr>
-            <p:ph idx="1"/>
-          </p:nvPr>
-        </p:nvSpPr>
-        <p:spPr/>
-        <p:txBody>
-          <a:bodyPr/>
-          <a:lstStyle/>
-          <a:p>
-            <a:r>
-              <a:rPr lang="zh-CN" altLang="en-US" dirty="0"/>
-              <a:t>功能</a:t>
-            </a:r>
-            <a:endParaRPr lang="en-US" altLang="zh-CN" dirty="0"/>
-          </a:p>
-          <a:p>
-            <a:r>
-              <a:rPr lang="zh-CN" altLang="en-US" dirty="0"/>
-              <a:t>性能</a:t>
-            </a:r>
-            <a:endParaRPr lang="en-US" altLang="zh-CN" dirty="0"/>
-          </a:p>
-          <a:p>
-            <a:r>
-              <a:rPr lang="zh-CN" altLang="en-US" dirty="0"/>
-              <a:t>易用性</a:t>
-            </a:r>
-            <a:endParaRPr lang="en-US" altLang="zh-CN" dirty="0"/>
-          </a:p>
-          <a:p>
-            <a:pPr lvl="1"/>
-            <a:r>
-              <a:rPr lang="zh-CN" altLang="en-US" dirty="0"/>
-              <a:t>访问语言是否容易掌握</a:t>
-            </a:r>
-            <a:endParaRPr lang="en-US" altLang="zh-CN" dirty="0"/>
-          </a:p>
-          <a:p>
-            <a:pPr lvl="1"/>
-            <a:r>
-              <a:rPr lang="zh-CN" altLang="en-US" dirty="0"/>
-              <a:t>管理是否方便</a:t>
-            </a:r>
-            <a:endParaRPr lang="en-US" altLang="zh-CN" dirty="0"/>
-          </a:p>
-          <a:p>
-            <a:pPr lvl="1"/>
-            <a:endParaRPr lang="zh-CN" altLang="en-US" dirty="0"/>
-          </a:p>
-        </p:txBody>
-      </p:sp>
-      <p:sp>
-        <p:nvSpPr>
-          <p:cNvPr id="5" name="灯片编号占位符 4"/>
-          <p:cNvSpPr>
-            <a:spLocks noGrp="1"/>
-          </p:cNvSpPr>
-          <p:nvPr>
-            <p:ph type="sldNum" sz="quarter" idx="12"/>
-          </p:nvPr>
-        </p:nvSpPr>
-        <p:spPr/>
-        <p:txBody>
-          <a:bodyPr/>
-          <a:lstStyle/>
-          <a:p>
-            <a:fld id="{6415963F-B422-0E4C-94FB-293280FD86B8}" type="slidenum">
-              <a:rPr lang="zh-CN" altLang="en-US" smtClean="0">
-                <a:solidFill>
-                  <a:srgbClr val="000000"/>
-                </a:solidFill>
-              </a:rPr>
-              <a:pPr/>
-              <a:t>17</a:t>
-            </a:fld>
-            <a:endParaRPr lang="zh-CN" altLang="en-US">
-              <a:solidFill>
-                <a:srgbClr val="000000"/>
-              </a:solidFill>
-            </a:endParaRPr>
-          </a:p>
-        </p:txBody>
-      </p:sp>
-      <p:sp>
-        <p:nvSpPr>
-          <p:cNvPr id="4" name="文本框 3"/>
-          <p:cNvSpPr txBox="1"/>
-          <p:nvPr/>
-        </p:nvSpPr>
-        <p:spPr>
-          <a:xfrm>
-            <a:off x="4624892" y="2924944"/>
-            <a:ext cx="5647556" cy="1200329"/>
-          </a:xfrm>
-          <a:prstGeom prst="rect">
-            <a:avLst/>
-          </a:prstGeom>
-          <a:noFill/>
-        </p:spPr>
-        <p:txBody>
-          <a:bodyPr wrap="square" rtlCol="0">
-            <a:spAutoFit/>
-          </a:bodyPr>
-          <a:lstStyle/>
-          <a:p>
-            <a:r>
-              <a:rPr lang="zh-CN" altLang="en-US" sz="3600" dirty="0">
-                <a:solidFill>
-                  <a:schemeClr val="accent2">
-                    <a:lumMod val="60000"/>
-                    <a:lumOff val="40000"/>
-                  </a:schemeClr>
-                </a:solidFill>
-              </a:rPr>
-              <a:t>功能与性能折中能否给出一些例子？</a:t>
-            </a:r>
-          </a:p>
-        </p:txBody>
-      </p:sp>
-    </p:spTree>
-    <p:extLst>
-      <p:ext uri="{BB962C8B-B14F-4D97-AF65-F5344CB8AC3E}">
-        <p14:creationId xmlns:p14="http://schemas.microsoft.com/office/powerpoint/2010/main" val="4100973816"/>
-      </p:ext>
-    </p:extLst>
-  </p:cSld>
-  <p:clrMapOvr>
-    <a:masterClrMapping/>
-  </p:clrMapOvr>
-</p:sld>
-</file>
-
 <file path=ppt/slides/slide18.xml><?xml version="1.0" encoding="utf-8"?>
 <p:sld xmlns:a="http://schemas.openxmlformats.org/drawingml/2006/main" xmlns:r="http://schemas.openxmlformats.org/officeDocument/2006/relationships" xmlns:p="http://schemas.openxmlformats.org/presentationml/2006/main">
   <p:cSld>
@@ -7952,7 +7958,13 @@
       </p:grpSpPr>
       <p:sp>
         <p:nvSpPr>
-          <p:cNvPr id="2" name="标题 1"/>
+          <p:cNvPr id="2" name="标题 1">
+            <a:extLst>
+              <a:ext uri="{FF2B5EF4-FFF2-40B4-BE49-F238E27FC236}">
+                <a16:creationId xmlns:a16="http://schemas.microsoft.com/office/drawing/2014/main" id="{8FB45A19-B608-ED48-B7FF-5FC28856EBF2}"/>
+              </a:ext>
+            </a:extLst>
+          </p:cNvPr>
           <p:cNvSpPr>
             <a:spLocks noGrp="1"/>
           </p:cNvSpPr>
@@ -7966,19 +7978,21 @@
           <a:lstStyle/>
           <a:p>
             <a:r>
-              <a:rPr lang="en-US" altLang="zh-CN" dirty="0"/>
-              <a:t>1.</a:t>
-            </a:r>
-            <a:r>
-              <a:rPr lang="zh-CN" altLang="en-US" dirty="0"/>
-              <a:t>性能</a:t>
-            </a:r>
-          </a:p>
-        </p:txBody>
-      </p:sp>
-      <p:sp>
-        <p:nvSpPr>
-          <p:cNvPr id="3" name="内容占位符 2"/>
+              <a:rPr kumimoji="1" lang="zh-CN" altLang="en-US" dirty="0"/>
+              <a:t>数据库的四个组成部分</a:t>
+            </a:r>
+          </a:p>
+        </p:txBody>
+      </p:sp>
+      <p:sp>
+        <p:nvSpPr>
+          <p:cNvPr id="3" name="内容占位符 2">
+            <a:extLst>
+              <a:ext uri="{FF2B5EF4-FFF2-40B4-BE49-F238E27FC236}">
+                <a16:creationId xmlns:a16="http://schemas.microsoft.com/office/drawing/2014/main" id="{F8BAD786-F18C-8542-B69C-E535567C6F6C}"/>
+              </a:ext>
+            </a:extLst>
+          </p:cNvPr>
           <p:cNvSpPr>
             <a:spLocks noGrp="1"/>
           </p:cNvSpPr>
@@ -7986,121 +8000,48 @@
             <p:ph idx="1"/>
           </p:nvPr>
         </p:nvSpPr>
-        <p:spPr>
-          <a:xfrm>
-            <a:off x="92621" y="1589883"/>
-            <a:ext cx="10101758" cy="4610100"/>
-          </a:xfrm>
-        </p:spPr>
+        <p:spPr/>
         <p:txBody>
           <a:bodyPr/>
           <a:lstStyle/>
           <a:p>
             <a:r>
-              <a:rPr lang="zh-CN" altLang="en-US" sz="4000" dirty="0"/>
-              <a:t>通常有三种性能指标</a:t>
-            </a:r>
-            <a:endParaRPr lang="en-US" altLang="zh-CN" sz="4000" dirty="0"/>
-          </a:p>
-          <a:p>
-            <a:pPr lvl="1"/>
-            <a:r>
-              <a:rPr lang="zh-CN" altLang="en-US" sz="3500" dirty="0"/>
-              <a:t>时延（响应时间）</a:t>
-            </a:r>
-            <a:r>
-              <a:rPr lang="en-US" altLang="zh-CN" sz="3500" dirty="0"/>
-              <a:t>-&gt;SQL(</a:t>
-            </a:r>
-            <a:r>
-              <a:rPr lang="zh-CN" altLang="en-US" sz="3500" dirty="0"/>
+              <a:rPr kumimoji="1" lang="zh-CN" altLang="en-US" dirty="0"/>
+              <a:t>存储</a:t>
+            </a:r>
+            <a:endParaRPr kumimoji="1" lang="en-US" altLang="zh-CN" dirty="0"/>
+          </a:p>
+          <a:p>
+            <a:r>
+              <a:rPr kumimoji="1" lang="zh-CN" altLang="en-US" dirty="0"/>
               <a:t>查询</a:t>
             </a:r>
-            <a:r>
-              <a:rPr lang="en-US" altLang="zh-CN" sz="3500" dirty="0"/>
-              <a:t>)</a:t>
-            </a:r>
-            <a:r>
-              <a:rPr lang="zh-CN" altLang="en-US" sz="3500" dirty="0"/>
-              <a:t>的执行时间</a:t>
-            </a:r>
-            <a:endParaRPr lang="en-US" altLang="zh-CN" sz="3500" dirty="0"/>
-          </a:p>
-          <a:p>
-            <a:pPr lvl="1"/>
-            <a:r>
-              <a:rPr lang="zh-CN" altLang="en-US" sz="3500" dirty="0"/>
-              <a:t>吞吐量</a:t>
-            </a:r>
-            <a:r>
-              <a:rPr lang="en-US" altLang="zh-CN" sz="3500" dirty="0"/>
-              <a:t>-&gt;</a:t>
-            </a:r>
-            <a:r>
-              <a:rPr lang="zh-CN" altLang="en-US" sz="3500" dirty="0"/>
+            <a:endParaRPr kumimoji="1" lang="en-US" altLang="zh-CN" dirty="0"/>
+          </a:p>
+          <a:p>
+            <a:r>
+              <a:rPr kumimoji="1" lang="zh-CN" altLang="en-US" dirty="0"/>
               <a:t>事务</a:t>
             </a:r>
-            <a:r>
-              <a:rPr lang="en-US" altLang="zh-CN" sz="3500" dirty="0"/>
-              <a:t>/</a:t>
-            </a:r>
-            <a:r>
-              <a:rPr lang="zh-CN" altLang="en-US" sz="3500" dirty="0"/>
-              <a:t>简单查询的吞吐率</a:t>
-            </a:r>
-            <a:endParaRPr lang="en-US" altLang="zh-CN" sz="3500" dirty="0"/>
-          </a:p>
-          <a:p>
-            <a:pPr lvl="1"/>
-            <a:r>
-              <a:rPr lang="zh-CN" altLang="en-US" sz="3500" dirty="0"/>
-              <a:t>可扩展性</a:t>
-            </a:r>
-            <a:r>
-              <a:rPr lang="en-US" altLang="zh-CN" sz="3500" dirty="0"/>
-              <a:t>-&gt; </a:t>
-            </a:r>
-            <a:r>
-              <a:rPr lang="zh-CN" altLang="en-US" sz="3500" dirty="0"/>
-              <a:t>增加计算资源</a:t>
-            </a:r>
-            <a:r>
-              <a:rPr lang="en-US" altLang="zh-CN" sz="3500" dirty="0"/>
-              <a:t>(</a:t>
-            </a:r>
-            <a:r>
-              <a:rPr lang="zh-CN" altLang="en-US" sz="3500" dirty="0"/>
-              <a:t>节点，</a:t>
-            </a:r>
-            <a:r>
-              <a:rPr lang="en-US" altLang="zh-CN" sz="3500" dirty="0"/>
-              <a:t>CPU)</a:t>
-            </a:r>
-            <a:r>
-              <a:rPr lang="zh-CN" altLang="en-US" sz="3500" dirty="0"/>
-              <a:t>后系统性能的增长趋势</a:t>
-            </a:r>
-            <a:endParaRPr lang="en-US" altLang="zh-CN" sz="3500" dirty="0"/>
-          </a:p>
-          <a:p>
-            <a:r>
-              <a:rPr lang="zh-CN" altLang="en-US" sz="4000" dirty="0"/>
-              <a:t>还有一些特殊的指标</a:t>
-            </a:r>
-            <a:endParaRPr lang="en-US" altLang="zh-CN" sz="4000" dirty="0"/>
-          </a:p>
-          <a:p>
-            <a:pPr lvl="1"/>
-            <a:r>
-              <a:rPr lang="zh-CN" altLang="en-US" sz="3500" dirty="0"/>
-              <a:t>比如？</a:t>
-            </a:r>
-          </a:p>
-        </p:txBody>
-      </p:sp>
-      <p:sp>
-        <p:nvSpPr>
-          <p:cNvPr id="4" name="灯片编号占位符 3"/>
+            <a:endParaRPr kumimoji="1" lang="en-US" altLang="zh-CN" dirty="0"/>
+          </a:p>
+          <a:p>
+            <a:r>
+              <a:rPr kumimoji="1" lang="zh-CN" altLang="en-US" dirty="0"/>
+              <a:t>高可用</a:t>
+            </a:r>
+          </a:p>
+        </p:txBody>
+      </p:sp>
+      <p:sp>
+        <p:nvSpPr>
+          <p:cNvPr id="4" name="灯片编号占位符 3">
+            <a:extLst>
+              <a:ext uri="{FF2B5EF4-FFF2-40B4-BE49-F238E27FC236}">
+                <a16:creationId xmlns:a16="http://schemas.microsoft.com/office/drawing/2014/main" id="{E8E0C153-844C-B743-ABA4-AC9D1512C075}"/>
+              </a:ext>
+            </a:extLst>
+          </p:cNvPr>
           <p:cNvSpPr>
             <a:spLocks noGrp="1"/>
           </p:cNvSpPr>
@@ -8133,7 +8074,7 @@
     </p:spTree>
     <p:extLst>
       <p:ext uri="{BB962C8B-B14F-4D97-AF65-F5344CB8AC3E}">
-        <p14:creationId xmlns:p14="http://schemas.microsoft.com/office/powerpoint/2010/main" val="2065782550"/>
+        <p14:creationId xmlns:p14="http://schemas.microsoft.com/office/powerpoint/2010/main" val="4151054383"/>
       </p:ext>
     </p:extLst>
   </p:cSld>
@@ -8219,7 +8160,7 @@
           <a:p>
             <a:r>
               <a:rPr lang="zh-CN" altLang="en-US" dirty="0"/>
-              <a:t>本课程：高级数据库系统</a:t>
+              <a:t>本课程</a:t>
             </a:r>
             <a:endParaRPr lang="en-US" altLang="zh-CN" dirty="0"/>
           </a:p>
@@ -8312,10 +8253,36 @@
             <p:ph type="title"/>
           </p:nvPr>
         </p:nvSpPr>
+        <p:spPr/>
+        <p:txBody>
+          <a:bodyPr/>
+          <a:lstStyle/>
+          <a:p>
+            <a:r>
+              <a:rPr lang="en-US" altLang="zh-CN" dirty="0"/>
+              <a:t>1.</a:t>
+            </a:r>
+            <a:r>
+              <a:rPr lang="zh-CN" altLang="en-US" dirty="0"/>
+              <a:t>性能</a:t>
+            </a:r>
+          </a:p>
+        </p:txBody>
+      </p:sp>
+      <p:sp>
+        <p:nvSpPr>
+          <p:cNvPr id="3" name="内容占位符 2"/>
+          <p:cNvSpPr>
+            <a:spLocks noGrp="1"/>
+          </p:cNvSpPr>
+          <p:nvPr>
+            <p:ph idx="1"/>
+          </p:nvPr>
+        </p:nvSpPr>
         <p:spPr>
           <a:xfrm>
-            <a:off x="318964" y="276227"/>
-            <a:ext cx="9453686" cy="1141414"/>
+            <a:off x="92621" y="1589883"/>
+            <a:ext cx="10101758" cy="4610100"/>
           </a:xfrm>
         </p:spPr>
         <p:txBody>
@@ -8323,69 +8290,104 @@
           <a:lstStyle/>
           <a:p>
             <a:r>
-              <a:rPr lang="zh-CN" altLang="en-US" dirty="0"/>
-              <a:t>从系统内部看什么会影响性能？</a:t>
-            </a:r>
-          </a:p>
-        </p:txBody>
-      </p:sp>
-      <p:sp>
-        <p:nvSpPr>
-          <p:cNvPr id="3" name="内容占位符 2"/>
-          <p:cNvSpPr>
-            <a:spLocks noGrp="1"/>
-          </p:cNvSpPr>
-          <p:nvPr>
-            <p:ph idx="1"/>
-          </p:nvPr>
-        </p:nvSpPr>
-        <p:spPr/>
-        <p:txBody>
-          <a:bodyPr/>
-          <a:lstStyle/>
-          <a:p>
-            <a:r>
-              <a:rPr lang="en-US" altLang="zh-CN" sz="3600" dirty="0"/>
-              <a:t>CPU/IO/Network Efficiency</a:t>
-            </a:r>
+              <a:rPr lang="zh-CN" altLang="en-US" sz="4000" dirty="0"/>
+              <a:t>通常有三种性能指标</a:t>
+            </a:r>
+            <a:endParaRPr lang="en-US" altLang="zh-CN" sz="4000" dirty="0"/>
           </a:p>
           <a:p>
             <a:pPr lvl="1"/>
             <a:r>
-              <a:rPr lang="en-US" altLang="zh-CN" sz="3200" dirty="0"/>
-              <a:t>e.g. code path</a:t>
-            </a:r>
-            <a:r>
-              <a:rPr lang="zh-CN" altLang="en-US" sz="3200" dirty="0"/>
-              <a:t>，</a:t>
-            </a:r>
-            <a:r>
-              <a:rPr lang="en-US" altLang="zh-CN" sz="3200" dirty="0"/>
-              <a:t>cache locality</a:t>
-            </a:r>
-          </a:p>
-          <a:p>
-            <a:r>
-              <a:rPr lang="en-US" altLang="zh-CN" sz="3600" dirty="0"/>
-              <a:t>Scalability</a:t>
-            </a:r>
+              <a:rPr lang="zh-CN" altLang="en-US" sz="3500" dirty="0"/>
+              <a:t>时延（响应时间）</a:t>
+            </a:r>
+            <a:r>
+              <a:rPr lang="en-US" altLang="zh-CN" sz="3500" dirty="0"/>
+              <a:t>-&gt;SQL(</a:t>
+            </a:r>
+            <a:r>
+              <a:rPr lang="zh-CN" altLang="en-US" sz="3500" dirty="0"/>
+              <a:t>查询</a:t>
+            </a:r>
+            <a:r>
+              <a:rPr lang="en-US" altLang="zh-CN" sz="3500" dirty="0"/>
+              <a:t>)</a:t>
+            </a:r>
+            <a:r>
+              <a:rPr lang="zh-CN" altLang="en-US" sz="3500" dirty="0"/>
+              <a:t>的执行时间</a:t>
+            </a:r>
+            <a:endParaRPr lang="en-US" altLang="zh-CN" sz="3500" dirty="0"/>
           </a:p>
           <a:p>
             <a:pPr lvl="1"/>
             <a:r>
-              <a:rPr lang="en-US" altLang="zh-CN" sz="2700" dirty="0"/>
-              <a:t>e.g.  Blocking,  critical path</a:t>
-            </a:r>
-          </a:p>
-          <a:p>
-            <a:pPr marL="805929" lvl="1" indent="0">
-              <a:buNone/>
-            </a:pPr>
-            <a:endParaRPr lang="en-US" altLang="zh-CN" sz="2700" dirty="0"/>
+              <a:rPr lang="zh-CN" altLang="en-US" sz="3500" dirty="0"/>
+              <a:t>吞吐量</a:t>
+            </a:r>
+            <a:r>
+              <a:rPr lang="en-US" altLang="zh-CN" sz="3500" dirty="0"/>
+              <a:t>-&gt;</a:t>
+            </a:r>
+            <a:r>
+              <a:rPr lang="zh-CN" altLang="en-US" sz="3500" dirty="0"/>
+              <a:t>事务</a:t>
+            </a:r>
+            <a:r>
+              <a:rPr lang="en-US" altLang="zh-CN" sz="3500" dirty="0"/>
+              <a:t>/</a:t>
+            </a:r>
+            <a:r>
+              <a:rPr lang="zh-CN" altLang="en-US" sz="3500" dirty="0"/>
+              <a:t>简单查询的吞吐率</a:t>
+            </a:r>
+            <a:endParaRPr lang="en-US" altLang="zh-CN" sz="3500" dirty="0"/>
           </a:p>
           <a:p>
             <a:pPr lvl="1"/>
-            <a:endParaRPr lang="zh-CN" altLang="en-US" dirty="0"/>
+            <a:r>
+              <a:rPr lang="zh-CN" altLang="en-US" sz="3500" dirty="0"/>
+              <a:t>可扩展性</a:t>
+            </a:r>
+            <a:r>
+              <a:rPr lang="en-US" altLang="zh-CN" sz="3500" dirty="0"/>
+              <a:t>-&gt; </a:t>
+            </a:r>
+            <a:r>
+              <a:rPr lang="zh-CN" altLang="en-US" sz="3500" dirty="0"/>
+              <a:t>增加计算资源</a:t>
+            </a:r>
+            <a:r>
+              <a:rPr lang="en-US" altLang="zh-CN" sz="3500" dirty="0"/>
+              <a:t>(</a:t>
+            </a:r>
+            <a:r>
+              <a:rPr lang="zh-CN" altLang="en-US" sz="3500" dirty="0"/>
+              <a:t>节点，</a:t>
+            </a:r>
+            <a:r>
+              <a:rPr lang="en-US" altLang="zh-CN" sz="3500" dirty="0"/>
+              <a:t>CPU)</a:t>
+            </a:r>
+            <a:r>
+              <a:rPr lang="zh-CN" altLang="en-US" sz="3500" dirty="0"/>
+              <a:t>后系统性能的增长趋势</a:t>
+            </a:r>
+            <a:endParaRPr lang="en-US" altLang="zh-CN" sz="3500" dirty="0"/>
+          </a:p>
+          <a:p>
+            <a:r>
+              <a:rPr lang="zh-CN" altLang="en-US" sz="4000" dirty="0"/>
+              <a:t>还有一些特殊的指标</a:t>
+            </a:r>
+            <a:endParaRPr lang="en-US" altLang="zh-CN" sz="4000" dirty="0"/>
+          </a:p>
+          <a:p>
+            <a:pPr lvl="1"/>
+            <a:r>
+              <a:rPr lang="zh-CN" altLang="en-US" sz="3500" dirty="0"/>
+              <a:t>比如？</a:t>
+            </a:r>
           </a:p>
         </p:txBody>
       </p:sp>
@@ -8424,7 +8426,7 @@
     </p:spTree>
     <p:extLst>
       <p:ext uri="{BB962C8B-B14F-4D97-AF65-F5344CB8AC3E}">
-        <p14:creationId xmlns:p14="http://schemas.microsoft.com/office/powerpoint/2010/main" val="3039725951"/>
+        <p14:creationId xmlns:p14="http://schemas.microsoft.com/office/powerpoint/2010/main" val="2065782550"/>
       </p:ext>
     </p:extLst>
   </p:cSld>
@@ -8461,89 +8463,76 @@
             <p:ph type="title"/>
           </p:nvPr>
         </p:nvSpPr>
+        <p:spPr>
+          <a:xfrm>
+            <a:off x="318964" y="276227"/>
+            <a:ext cx="9453686" cy="1141414"/>
+          </a:xfrm>
+        </p:spPr>
+        <p:txBody>
+          <a:bodyPr/>
+          <a:lstStyle/>
+          <a:p>
+            <a:r>
+              <a:rPr lang="zh-CN" altLang="en-US" dirty="0"/>
+              <a:t>从系统内部看什么会影响性能？</a:t>
+            </a:r>
+          </a:p>
+        </p:txBody>
+      </p:sp>
+      <p:sp>
+        <p:nvSpPr>
+          <p:cNvPr id="3" name="内容占位符 2"/>
+          <p:cNvSpPr>
+            <a:spLocks noGrp="1"/>
+          </p:cNvSpPr>
+          <p:nvPr>
+            <p:ph idx="1"/>
+          </p:nvPr>
+        </p:nvSpPr>
         <p:spPr/>
         <p:txBody>
           <a:bodyPr/>
           <a:lstStyle/>
           <a:p>
             <a:r>
-              <a:rPr lang="en-US" altLang="zh-CN" dirty="0"/>
-              <a:t>2.</a:t>
-            </a:r>
-            <a:r>
-              <a:rPr lang="zh-CN" altLang="en-US" dirty="0"/>
-              <a:t>容错</a:t>
-            </a:r>
-          </a:p>
-        </p:txBody>
-      </p:sp>
-      <p:sp>
-        <p:nvSpPr>
-          <p:cNvPr id="3" name="内容占位符 2"/>
-          <p:cNvSpPr>
-            <a:spLocks noGrp="1"/>
-          </p:cNvSpPr>
-          <p:nvPr>
-            <p:ph idx="1"/>
-          </p:nvPr>
-        </p:nvSpPr>
-        <p:spPr/>
-        <p:txBody>
-          <a:bodyPr/>
-          <a:lstStyle/>
-          <a:p>
-            <a:r>
-              <a:rPr lang="zh-CN" altLang="en-US" sz="3600" dirty="0"/>
-              <a:t>系统如何应对节点问题？</a:t>
-            </a:r>
-            <a:endParaRPr lang="en-US" altLang="zh-CN" sz="3600" dirty="0"/>
+              <a:rPr lang="en-US" altLang="zh-CN" sz="3600" dirty="0"/>
+              <a:t>CPU/IO/Network Efficiency</a:t>
+            </a:r>
           </a:p>
           <a:p>
             <a:pPr lvl="1"/>
             <a:r>
+              <a:rPr lang="en-US" altLang="zh-CN" sz="3200" dirty="0"/>
+              <a:t>e.g. code path</a:t>
+            </a:r>
+            <a:r>
               <a:rPr lang="zh-CN" altLang="en-US" sz="3200" dirty="0"/>
-              <a:t>节点宕机、重启</a:t>
-            </a:r>
-            <a:endParaRPr lang="en-US" altLang="zh-CN" sz="3200" dirty="0"/>
+              <a:t>，</a:t>
+            </a:r>
+            <a:r>
+              <a:rPr lang="en-US" altLang="zh-CN" sz="3200" dirty="0"/>
+              <a:t>cache locality</a:t>
+            </a:r>
+          </a:p>
+          <a:p>
+            <a:r>
+              <a:rPr lang="en-US" altLang="zh-CN" sz="3600" dirty="0"/>
+              <a:t>Scalability</a:t>
+            </a:r>
           </a:p>
           <a:p>
             <a:pPr lvl="1"/>
             <a:r>
-              <a:rPr lang="zh-CN" altLang="en-US" sz="3200" dirty="0"/>
-              <a:t>网络分区、延迟</a:t>
-            </a:r>
-            <a:endParaRPr lang="en-US" altLang="zh-CN" sz="3200" dirty="0"/>
-          </a:p>
-          <a:p>
-            <a:r>
-              <a:rPr lang="zh-CN" altLang="en-US" sz="3700" dirty="0"/>
-              <a:t>数据库系统中有何体现？</a:t>
-            </a:r>
-            <a:endParaRPr lang="en-US" altLang="zh-CN" sz="3700" dirty="0"/>
-          </a:p>
-          <a:p>
-            <a:pPr lvl="1"/>
-            <a:r>
-              <a:rPr lang="zh-CN" altLang="en-US" sz="3200" dirty="0"/>
-              <a:t>日志管理</a:t>
-            </a:r>
-            <a:endParaRPr lang="en-US" altLang="zh-CN" sz="3200" dirty="0"/>
-          </a:p>
-          <a:p>
-            <a:pPr lvl="1"/>
-            <a:r>
-              <a:rPr lang="zh-CN" altLang="en-US" sz="3200" dirty="0"/>
-              <a:t>一致性副本</a:t>
-            </a:r>
-            <a:endParaRPr lang="en-US" altLang="zh-CN" sz="3200" dirty="0"/>
-          </a:p>
-          <a:p>
-            <a:pPr lvl="1"/>
-            <a:endParaRPr lang="en-US" altLang="zh-CN" sz="3200" dirty="0"/>
-          </a:p>
-          <a:p>
-            <a:pPr lvl="1"/>
-            <a:endParaRPr lang="en-US" altLang="zh-CN" sz="3200" dirty="0"/>
+              <a:rPr lang="en-US" altLang="zh-CN" sz="2700" dirty="0"/>
+              <a:t>e.g.  Blocking,  critical path</a:t>
+            </a:r>
+          </a:p>
+          <a:p>
+            <a:pPr marL="805929" lvl="1" indent="0">
+              <a:buNone/>
+            </a:pPr>
+            <a:endParaRPr lang="en-US" altLang="zh-CN" sz="2700" dirty="0"/>
           </a:p>
           <a:p>
             <a:pPr lvl="1"/>
@@ -8586,7 +8575,7 @@
     </p:spTree>
     <p:extLst>
       <p:ext uri="{BB962C8B-B14F-4D97-AF65-F5344CB8AC3E}">
-        <p14:creationId xmlns:p14="http://schemas.microsoft.com/office/powerpoint/2010/main" val="3180933437"/>
+        <p14:creationId xmlns:p14="http://schemas.microsoft.com/office/powerpoint/2010/main" val="3039725951"/>
       </p:ext>
     </p:extLst>
   </p:cSld>
@@ -8630,11 +8619,11 @@
           <a:p>
             <a:r>
               <a:rPr lang="en-US" altLang="zh-CN" dirty="0"/>
-              <a:t>3.</a:t>
+              <a:t>2.</a:t>
             </a:r>
             <a:r>
               <a:rPr lang="zh-CN" altLang="en-US" dirty="0"/>
-              <a:t>数据一致性</a:t>
+              <a:t>容错</a:t>
             </a:r>
           </a:p>
         </p:txBody>
@@ -8656,7 +8645,7 @@
           <a:p>
             <a:r>
               <a:rPr lang="zh-CN" altLang="en-US" sz="3600" dirty="0"/>
-              <a:t>注意数据一致性在不同场景中有不同意义，常用的三种</a:t>
+              <a:t>系统如何应对节点问题？</a:t>
             </a:r>
             <a:endParaRPr lang="en-US" altLang="zh-CN" sz="3600" dirty="0"/>
           </a:p>
@@ -8664,55 +8653,52 @@
             <a:pPr lvl="1"/>
             <a:r>
               <a:rPr lang="zh-CN" altLang="en-US" sz="3200" dirty="0"/>
-              <a:t>读写操作一致性</a:t>
-            </a:r>
-            <a:r>
-              <a:rPr lang="en-US" altLang="zh-CN" sz="3200" dirty="0"/>
-              <a:t>(</a:t>
-            </a:r>
+              <a:t>节点宕机、重启</a:t>
+            </a:r>
+            <a:endParaRPr lang="en-US" altLang="zh-CN" sz="3200" dirty="0"/>
+          </a:p>
+          <a:p>
+            <a:pPr lvl="1"/>
             <a:r>
               <a:rPr lang="zh-CN" altLang="en-US" sz="3200" dirty="0"/>
-              <a:t>多核</a:t>
-            </a:r>
-            <a:r>
-              <a:rPr lang="en-US" altLang="zh-CN" sz="3200" dirty="0"/>
-              <a:t>CPU, KVS</a:t>
-            </a:r>
+              <a:t>网络分区、延迟</a:t>
+            </a:r>
+            <a:endParaRPr lang="en-US" altLang="zh-CN" sz="3200" dirty="0"/>
+          </a:p>
+          <a:p>
+            <a:r>
+              <a:rPr lang="zh-CN" altLang="en-US" sz="3700" dirty="0"/>
+              <a:t>数据库系统中有何体现？</a:t>
+            </a:r>
+            <a:endParaRPr lang="en-US" altLang="zh-CN" sz="3700" dirty="0"/>
+          </a:p>
+          <a:p>
+            <a:pPr lvl="1"/>
             <a:r>
               <a:rPr lang="zh-CN" altLang="en-US" sz="3200" dirty="0"/>
-              <a:t>系统</a:t>
-            </a:r>
-            <a:r>
-              <a:rPr lang="en-US" altLang="zh-CN" sz="3200" dirty="0"/>
-              <a:t>)</a:t>
-            </a:r>
+              <a:t>日志管理</a:t>
+            </a:r>
+            <a:endParaRPr lang="en-US" altLang="zh-CN" sz="3200" dirty="0"/>
           </a:p>
           <a:p>
             <a:pPr lvl="1"/>
             <a:r>
               <a:rPr lang="zh-CN" altLang="en-US" sz="3200" dirty="0"/>
-              <a:t>读写集合操作</a:t>
-            </a:r>
-            <a:r>
-              <a:rPr lang="en-US" altLang="zh-CN" sz="3200" dirty="0"/>
-              <a:t>(</a:t>
-            </a:r>
-            <a:r>
-              <a:rPr lang="zh-CN" altLang="en-US" sz="3200" dirty="0"/>
-              <a:t>事务 </a:t>
-            </a:r>
-            <a:r>
-              <a:rPr lang="en-US" altLang="zh-CN" sz="3200" dirty="0"/>
-              <a:t>ACID)</a:t>
-            </a:r>
+              <a:t>一致性副本</a:t>
+            </a:r>
+            <a:endParaRPr lang="en-US" altLang="zh-CN" sz="3200" dirty="0"/>
           </a:p>
           <a:p>
             <a:pPr lvl="1"/>
-            <a:r>
-              <a:rPr lang="zh-CN" altLang="en-US" sz="3200" dirty="0"/>
-              <a:t>副本间数据一致性</a:t>
-            </a:r>
             <a:endParaRPr lang="en-US" altLang="zh-CN" sz="3200" dirty="0"/>
+          </a:p>
+          <a:p>
+            <a:pPr lvl="1"/>
+            <a:endParaRPr lang="en-US" altLang="zh-CN" sz="3200" dirty="0"/>
+          </a:p>
+          <a:p>
+            <a:pPr lvl="1"/>
+            <a:endParaRPr lang="zh-CN" altLang="en-US" dirty="0"/>
           </a:p>
         </p:txBody>
       </p:sp>
@@ -8751,7 +8737,7 @@
     </p:spTree>
     <p:extLst>
       <p:ext uri="{BB962C8B-B14F-4D97-AF65-F5344CB8AC3E}">
-        <p14:creationId xmlns:p14="http://schemas.microsoft.com/office/powerpoint/2010/main" val="2528386737"/>
+        <p14:creationId xmlns:p14="http://schemas.microsoft.com/office/powerpoint/2010/main" val="3180933437"/>
       </p:ext>
     </p:extLst>
   </p:cSld>
@@ -8795,11 +8781,11 @@
           <a:p>
             <a:r>
               <a:rPr lang="en-US" altLang="zh-CN" dirty="0"/>
-              <a:t>4.</a:t>
+              <a:t>3.</a:t>
             </a:r>
             <a:r>
               <a:rPr lang="zh-CN" altLang="en-US" dirty="0"/>
-              <a:t>实现</a:t>
+              <a:t>数据一致性</a:t>
             </a:r>
           </a:p>
         </p:txBody>
@@ -8820,41 +8806,64 @@
           <a:lstStyle/>
           <a:p>
             <a:r>
-              <a:rPr lang="zh-CN" altLang="en-US" sz="4000" dirty="0"/>
-              <a:t>比如：</a:t>
-            </a:r>
-            <a:endParaRPr lang="en-US" altLang="zh-CN" sz="4000" dirty="0"/>
+              <a:rPr lang="zh-CN" altLang="en-US" sz="3600" dirty="0"/>
+              <a:t>注意数据一致性在不同场景中有不同意义，常用的三种</a:t>
+            </a:r>
+            <a:endParaRPr lang="en-US" altLang="zh-CN" sz="3600" dirty="0"/>
           </a:p>
           <a:p>
             <a:pPr lvl="1"/>
             <a:r>
-              <a:rPr lang="zh-CN" altLang="en-US" sz="3600" dirty="0"/>
-              <a:t>日志的实现</a:t>
-            </a:r>
-            <a:r>
-              <a:rPr lang="en-US" altLang="zh-CN" sz="3600" dirty="0"/>
-              <a:t>(e.g. WAL</a:t>
-            </a:r>
-            <a:r>
-              <a:rPr lang="zh-CN" altLang="en-US" sz="3600" dirty="0"/>
-              <a:t>）</a:t>
-            </a:r>
-            <a:endParaRPr lang="en-US" altLang="zh-CN" sz="3600" dirty="0"/>
+              <a:rPr lang="zh-CN" altLang="en-US" sz="3200" dirty="0"/>
+              <a:t>读写操作一致性</a:t>
+            </a:r>
+            <a:r>
+              <a:rPr lang="en-US" altLang="zh-CN" sz="3200" dirty="0"/>
+              <a:t>(</a:t>
+            </a:r>
+            <a:r>
+              <a:rPr lang="zh-CN" altLang="en-US" sz="3200" dirty="0"/>
+              <a:t>多核</a:t>
+            </a:r>
+            <a:r>
+              <a:rPr lang="en-US" altLang="zh-CN" sz="3200" dirty="0"/>
+              <a:t>CPU, KVS</a:t>
+            </a:r>
+            <a:r>
+              <a:rPr lang="zh-CN" altLang="en-US" sz="3200" dirty="0"/>
+              <a:t>系统</a:t>
+            </a:r>
+            <a:r>
+              <a:rPr lang="en-US" altLang="zh-CN" sz="3200" dirty="0"/>
+              <a:t>)</a:t>
+            </a:r>
           </a:p>
           <a:p>
             <a:pPr lvl="1"/>
             <a:r>
-              <a:rPr lang="zh-CN" altLang="en-US" sz="3600" dirty="0"/>
-              <a:t>并发控制的实现</a:t>
-            </a:r>
-            <a:r>
-              <a:rPr lang="en-US" altLang="zh-CN" sz="3600" dirty="0"/>
-              <a:t>(e.g. OCC, 2PL, TO, MVCC)</a:t>
+              <a:rPr lang="zh-CN" altLang="en-US" sz="3200" dirty="0"/>
+              <a:t>读写集合操作</a:t>
+            </a:r>
+            <a:r>
+              <a:rPr lang="en-US" altLang="zh-CN" sz="3200" dirty="0"/>
+              <a:t>(</a:t>
+            </a:r>
+            <a:r>
+              <a:rPr lang="zh-CN" altLang="en-US" sz="3200" dirty="0"/>
+              <a:t>事务 </a:t>
+            </a:r>
+            <a:r>
+              <a:rPr lang="en-US" altLang="zh-CN" sz="3200" dirty="0"/>
+              <a:t>ACID)</a:t>
             </a:r>
           </a:p>
           <a:p>
             <a:pPr lvl="1"/>
-            <a:endParaRPr lang="en-US" altLang="zh-CN" dirty="0"/>
+            <a:r>
+              <a:rPr lang="zh-CN" altLang="en-US" sz="3200" dirty="0"/>
+              <a:t>副本间数据一致性</a:t>
+            </a:r>
+            <a:endParaRPr lang="en-US" altLang="zh-CN" sz="3200" dirty="0"/>
           </a:p>
         </p:txBody>
       </p:sp>
@@ -8893,7 +8902,7 @@
     </p:spTree>
     <p:extLst>
       <p:ext uri="{BB962C8B-B14F-4D97-AF65-F5344CB8AC3E}">
-        <p14:creationId xmlns:p14="http://schemas.microsoft.com/office/powerpoint/2010/main" val="986744800"/>
+        <p14:creationId xmlns:p14="http://schemas.microsoft.com/office/powerpoint/2010/main" val="2528386737"/>
       </p:ext>
     </p:extLst>
   </p:cSld>
@@ -8937,7 +8946,7 @@
           <a:p>
             <a:r>
               <a:rPr lang="en-US" altLang="zh-CN" dirty="0"/>
-              <a:t>4</a:t>
+              <a:t>4.</a:t>
             </a:r>
             <a:r>
               <a:rPr lang="zh-CN" altLang="en-US" dirty="0"/>
@@ -8956,25 +8965,47 @@
             <p:ph idx="1"/>
           </p:nvPr>
         </p:nvSpPr>
-        <p:spPr>
-          <a:xfrm>
-            <a:off x="514350" y="1600201"/>
-            <a:ext cx="3765054" cy="4610100"/>
-          </a:xfrm>
-        </p:spPr>
+        <p:spPr/>
         <p:txBody>
           <a:bodyPr/>
           <a:lstStyle/>
           <a:p>
             <a:r>
-              <a:rPr lang="zh-CN" altLang="en-US" sz="2800" dirty="0"/>
-              <a:t>一个典型的数据库系统架构图</a:t>
-            </a:r>
-            <a:endParaRPr lang="en-US" altLang="zh-CN" sz="2800" dirty="0"/>
+              <a:rPr lang="zh-CN" altLang="en-US" sz="4000" dirty="0"/>
+              <a:t>比如：</a:t>
+            </a:r>
+            <a:endParaRPr lang="en-US" altLang="zh-CN" sz="4000" dirty="0"/>
           </a:p>
           <a:p>
             <a:pPr lvl="1"/>
-            <a:endParaRPr lang="zh-CN" altLang="en-US" sz="2300" dirty="0"/>
+            <a:r>
+              <a:rPr lang="zh-CN" altLang="en-US" sz="3600" dirty="0"/>
+              <a:t>日志的实现</a:t>
+            </a:r>
+            <a:r>
+              <a:rPr lang="en-US" altLang="zh-CN" sz="3600" dirty="0"/>
+              <a:t>(e.g. WAL</a:t>
+            </a:r>
+            <a:r>
+              <a:rPr lang="zh-CN" altLang="en-US" sz="3600" dirty="0"/>
+              <a:t>）</a:t>
+            </a:r>
+            <a:endParaRPr lang="en-US" altLang="zh-CN" sz="3600" dirty="0"/>
+          </a:p>
+          <a:p>
+            <a:pPr lvl="1"/>
+            <a:r>
+              <a:rPr lang="zh-CN" altLang="en-US" sz="3600" dirty="0"/>
+              <a:t>并发控制的实现</a:t>
+            </a:r>
+            <a:r>
+              <a:rPr lang="en-US" altLang="zh-CN" sz="3600" dirty="0"/>
+              <a:t>(e.g. OCC, 2PL, TO, MVCC)</a:t>
+            </a:r>
+          </a:p>
+          <a:p>
+            <a:pPr lvl="1"/>
+            <a:endParaRPr lang="en-US" altLang="zh-CN" dirty="0"/>
           </a:p>
         </p:txBody>
       </p:sp>
@@ -9001,6 +9032,126 @@
               </a:rPr>
               <a:pPr/>
               <a:t>24</a:t>
+            </a:fld>
+            <a:endParaRPr lang="zh-CN" altLang="en-US">
+              <a:solidFill>
+                <a:srgbClr val="000000"/>
+              </a:solidFill>
+            </a:endParaRPr>
+          </a:p>
+        </p:txBody>
+      </p:sp>
+    </p:spTree>
+    <p:extLst>
+      <p:ext uri="{BB962C8B-B14F-4D97-AF65-F5344CB8AC3E}">
+        <p14:creationId xmlns:p14="http://schemas.microsoft.com/office/powerpoint/2010/main" val="986744800"/>
+      </p:ext>
+    </p:extLst>
+  </p:cSld>
+  <p:clrMapOvr>
+    <a:masterClrMapping/>
+  </p:clrMapOvr>
+</p:sld>
+</file>
+
+<file path=ppt/slides/slide25.xml><?xml version="1.0" encoding="utf-8"?>
+<p:sld xmlns:a="http://schemas.openxmlformats.org/drawingml/2006/main" xmlns:r="http://schemas.openxmlformats.org/officeDocument/2006/relationships" xmlns:p="http://schemas.openxmlformats.org/presentationml/2006/main">
+  <p:cSld>
+    <p:spTree>
+      <p:nvGrpSpPr>
+        <p:cNvPr id="1" name=""/>
+        <p:cNvGrpSpPr/>
+        <p:nvPr/>
+      </p:nvGrpSpPr>
+      <p:grpSpPr>
+        <a:xfrm>
+          <a:off x="0" y="0"/>
+          <a:ext cx="0" cy="0"/>
+          <a:chOff x="0" y="0"/>
+          <a:chExt cx="0" cy="0"/>
+        </a:xfrm>
+      </p:grpSpPr>
+      <p:sp>
+        <p:nvSpPr>
+          <p:cNvPr id="2" name="标题 1"/>
+          <p:cNvSpPr>
+            <a:spLocks noGrp="1"/>
+          </p:cNvSpPr>
+          <p:nvPr>
+            <p:ph type="title"/>
+          </p:nvPr>
+        </p:nvSpPr>
+        <p:spPr/>
+        <p:txBody>
+          <a:bodyPr/>
+          <a:lstStyle/>
+          <a:p>
+            <a:r>
+              <a:rPr lang="en-US" altLang="zh-CN" dirty="0"/>
+              <a:t>4</a:t>
+            </a:r>
+            <a:r>
+              <a:rPr lang="zh-CN" altLang="en-US" dirty="0"/>
+              <a:t>实现</a:t>
+            </a:r>
+          </a:p>
+        </p:txBody>
+      </p:sp>
+      <p:sp>
+        <p:nvSpPr>
+          <p:cNvPr id="3" name="内容占位符 2"/>
+          <p:cNvSpPr>
+            <a:spLocks noGrp="1"/>
+          </p:cNvSpPr>
+          <p:nvPr>
+            <p:ph idx="1"/>
+          </p:nvPr>
+        </p:nvSpPr>
+        <p:spPr>
+          <a:xfrm>
+            <a:off x="514350" y="1600201"/>
+            <a:ext cx="3765054" cy="4610100"/>
+          </a:xfrm>
+        </p:spPr>
+        <p:txBody>
+          <a:bodyPr/>
+          <a:lstStyle/>
+          <a:p>
+            <a:r>
+              <a:rPr lang="zh-CN" altLang="en-US" sz="2800" dirty="0"/>
+              <a:t>一个典型的数据库系统架构图</a:t>
+            </a:r>
+            <a:endParaRPr lang="en-US" altLang="zh-CN" sz="2800" dirty="0"/>
+          </a:p>
+          <a:p>
+            <a:pPr lvl="1"/>
+            <a:endParaRPr lang="zh-CN" altLang="en-US" sz="2300" dirty="0"/>
+          </a:p>
+        </p:txBody>
+      </p:sp>
+      <p:sp>
+        <p:nvSpPr>
+          <p:cNvPr id="4" name="灯片编号占位符 3"/>
+          <p:cNvSpPr>
+            <a:spLocks noGrp="1"/>
+          </p:cNvSpPr>
+          <p:nvPr>
+            <p:ph type="sldNum" sz="quarter" idx="12"/>
+          </p:nvPr>
+        </p:nvSpPr>
+        <p:spPr/>
+        <p:txBody>
+          <a:bodyPr/>
+          <a:lstStyle/>
+          <a:p>
+            <a:fld id="{6415963F-B422-0E4C-94FB-293280FD86B8}" type="slidenum">
+              <a:rPr lang="zh-CN" altLang="en-US" smtClean="0">
+                <a:solidFill>
+                  <a:srgbClr val="000000"/>
+                </a:solidFill>
+              </a:rPr>
+              <a:pPr/>
+              <a:t>25</a:t>
             </a:fld>
             <a:endParaRPr lang="zh-CN" altLang="en-US">
               <a:solidFill>
@@ -9047,151 +9198,6 @@
 </p:sld>
 </file>
 
-<file path=ppt/slides/slide25.xml><?xml version="1.0" encoding="utf-8"?>
-<p:sld xmlns:a="http://schemas.openxmlformats.org/drawingml/2006/main" xmlns:r="http://schemas.openxmlformats.org/officeDocument/2006/relationships" xmlns:p="http://schemas.openxmlformats.org/presentationml/2006/main">
-  <p:cSld>
-    <p:spTree>
-      <p:nvGrpSpPr>
-        <p:cNvPr id="1" name=""/>
-        <p:cNvGrpSpPr/>
-        <p:nvPr/>
-      </p:nvGrpSpPr>
-      <p:grpSpPr>
-        <a:xfrm>
-          <a:off x="0" y="0"/>
-          <a:ext cx="0" cy="0"/>
-          <a:chOff x="0" y="0"/>
-          <a:chExt cx="0" cy="0"/>
-        </a:xfrm>
-      </p:grpSpPr>
-      <p:sp>
-        <p:nvSpPr>
-          <p:cNvPr id="2" name="标题 1">
-            <a:extLst>
-              <a:ext uri="{FF2B5EF4-FFF2-40B4-BE49-F238E27FC236}">
-                <a16:creationId xmlns:a16="http://schemas.microsoft.com/office/drawing/2014/main" id="{8FB45A19-B608-ED48-B7FF-5FC28856EBF2}"/>
-              </a:ext>
-            </a:extLst>
-          </p:cNvPr>
-          <p:cNvSpPr>
-            <a:spLocks noGrp="1"/>
-          </p:cNvSpPr>
-          <p:nvPr>
-            <p:ph type="title"/>
-          </p:nvPr>
-        </p:nvSpPr>
-        <p:spPr/>
-        <p:txBody>
-          <a:bodyPr/>
-          <a:lstStyle/>
-          <a:p>
-            <a:r>
-              <a:rPr kumimoji="1" lang="zh-CN" altLang="en-US" dirty="0"/>
-              <a:t>数据库的四个组成部分</a:t>
-            </a:r>
-          </a:p>
-        </p:txBody>
-      </p:sp>
-      <p:sp>
-        <p:nvSpPr>
-          <p:cNvPr id="3" name="内容占位符 2">
-            <a:extLst>
-              <a:ext uri="{FF2B5EF4-FFF2-40B4-BE49-F238E27FC236}">
-                <a16:creationId xmlns:a16="http://schemas.microsoft.com/office/drawing/2014/main" id="{F8BAD786-F18C-8542-B69C-E535567C6F6C}"/>
-              </a:ext>
-            </a:extLst>
-          </p:cNvPr>
-          <p:cNvSpPr>
-            <a:spLocks noGrp="1"/>
-          </p:cNvSpPr>
-          <p:nvPr>
-            <p:ph idx="1"/>
-          </p:nvPr>
-        </p:nvSpPr>
-        <p:spPr/>
-        <p:txBody>
-          <a:bodyPr/>
-          <a:lstStyle/>
-          <a:p>
-            <a:r>
-              <a:rPr kumimoji="1" lang="zh-CN" altLang="en-US" dirty="0"/>
-              <a:t>存储</a:t>
-            </a:r>
-            <a:endParaRPr kumimoji="1" lang="en-US" altLang="zh-CN" dirty="0"/>
-          </a:p>
-          <a:p>
-            <a:r>
-              <a:rPr kumimoji="1" lang="zh-CN" altLang="en-US" dirty="0"/>
-              <a:t>查询</a:t>
-            </a:r>
-            <a:endParaRPr kumimoji="1" lang="en-US" altLang="zh-CN" dirty="0"/>
-          </a:p>
-          <a:p>
-            <a:r>
-              <a:rPr kumimoji="1" lang="zh-CN" altLang="en-US" dirty="0"/>
-              <a:t>事务</a:t>
-            </a:r>
-            <a:endParaRPr kumimoji="1" lang="en-US" altLang="zh-CN" dirty="0"/>
-          </a:p>
-          <a:p>
-            <a:r>
-              <a:rPr kumimoji="1" lang="zh-CN" altLang="en-US" dirty="0"/>
-              <a:t>高可用</a:t>
-            </a:r>
-          </a:p>
-        </p:txBody>
-      </p:sp>
-      <p:sp>
-        <p:nvSpPr>
-          <p:cNvPr id="4" name="灯片编号占位符 3">
-            <a:extLst>
-              <a:ext uri="{FF2B5EF4-FFF2-40B4-BE49-F238E27FC236}">
-                <a16:creationId xmlns:a16="http://schemas.microsoft.com/office/drawing/2014/main" id="{E8E0C153-844C-B743-ABA4-AC9D1512C075}"/>
-              </a:ext>
-            </a:extLst>
-          </p:cNvPr>
-          <p:cNvSpPr>
-            <a:spLocks noGrp="1"/>
-          </p:cNvSpPr>
-          <p:nvPr>
-            <p:ph type="sldNum" sz="quarter" idx="12"/>
-          </p:nvPr>
-        </p:nvSpPr>
-        <p:spPr/>
-        <p:txBody>
-          <a:bodyPr/>
-          <a:lstStyle/>
-          <a:p>
-            <a:fld id="{6415963F-B422-0E4C-94FB-293280FD86B8}" type="slidenum">
-              <a:rPr lang="zh-CN" altLang="en-US" smtClean="0">
-                <a:solidFill>
-                  <a:srgbClr val="000000"/>
-                </a:solidFill>
-              </a:rPr>
-              <a:pPr/>
-              <a:t>25</a:t>
-            </a:fld>
-            <a:endParaRPr lang="zh-CN" altLang="en-US">
-              <a:solidFill>
-                <a:srgbClr val="000000"/>
-              </a:solidFill>
-            </a:endParaRPr>
-          </a:p>
-        </p:txBody>
-      </p:sp>
-    </p:spTree>
-    <p:extLst>
-      <p:ext uri="{BB962C8B-B14F-4D97-AF65-F5344CB8AC3E}">
-        <p14:creationId xmlns:p14="http://schemas.microsoft.com/office/powerpoint/2010/main" val="4151054383"/>
-      </p:ext>
-    </p:extLst>
-  </p:cSld>
-  <p:clrMapOvr>
-    <a:masterClrMapping/>
-  </p:clrMapOvr>
-</p:sld>
-</file>
-
 <file path=ppt/slides/slide26.xml><?xml version="1.0" encoding="utf-8"?>
 <p:sld xmlns:a="http://schemas.openxmlformats.org/drawingml/2006/main" xmlns:r="http://schemas.openxmlformats.org/officeDocument/2006/relationships" xmlns:p="http://schemas.openxmlformats.org/presentationml/2006/main">
   <p:cSld>
@@ -9231,7 +9237,15 @@
           <a:p>
             <a:r>
               <a:rPr lang="zh-CN" altLang="en-US" sz="6000" dirty="0"/>
-              <a:t>一些常提到的概念</a:t>
+              <a:t>基本概念（</a:t>
+            </a:r>
+            <a:r>
+              <a:rPr lang="en-US" altLang="zh-CN" sz="6000" dirty="0"/>
+              <a:t>1</a:t>
+            </a:r>
+            <a:r>
+              <a:rPr lang="zh-CN" altLang="en-US" sz="6000" dirty="0"/>
+              <a:t>）</a:t>
             </a:r>
             <a:endParaRPr lang="en-US" altLang="zh-CN" sz="6000" dirty="0"/>
           </a:p>
@@ -9267,7 +9281,7 @@
             <a:pPr lvl="1"/>
             <a:r>
               <a:rPr lang="zh-CN" altLang="en-US" sz="2200" dirty="0"/>
-              <a:t>存储、事务管理、查询引擎、高可用模块</a:t>
+              <a:t>存储、索引，事务管理、查询引擎、高可用模块</a:t>
             </a:r>
             <a:endParaRPr lang="en-US" altLang="zh-CN" sz="2200" dirty="0"/>
           </a:p>
@@ -9292,6 +9306,13 @@
           <a:p>
             <a:pPr lvl="1"/>
             <a:r>
+              <a:rPr lang="en-US" altLang="zh-CN" sz="2000" dirty="0"/>
+              <a:t>ACID</a:t>
+            </a:r>
+          </a:p>
+          <a:p>
+            <a:pPr lvl="1"/>
+            <a:r>
               <a:rPr lang="zh-CN" altLang="en-US" sz="2200" dirty="0"/>
               <a:t>并发控制、日志管理</a:t>
             </a:r>
@@ -9311,47 +9332,6 @@
               <a:rPr lang="zh-CN" altLang="en-US" sz="2100" dirty="0"/>
               <a:t>事务，索引</a:t>
             </a:r>
-            <a:endParaRPr lang="en-US" altLang="zh-CN" sz="2100" dirty="0"/>
-          </a:p>
-          <a:p>
-            <a:r>
-              <a:rPr lang="zh-CN" altLang="en-US" sz="2500" dirty="0"/>
-              <a:t>高可用</a:t>
-            </a:r>
-            <a:endParaRPr lang="en-US" altLang="zh-CN" sz="2500" dirty="0"/>
-          </a:p>
-          <a:p>
-            <a:pPr lvl="1"/>
-            <a:r>
-              <a:rPr lang="zh-CN" altLang="en-US" sz="2200" dirty="0"/>
-              <a:t>主备副本的一致</a:t>
-            </a:r>
-            <a:endParaRPr lang="en-US" altLang="zh-CN" sz="2200" dirty="0"/>
-          </a:p>
-          <a:p>
-            <a:r>
-              <a:rPr lang="zh-CN" altLang="en-US" sz="2500" dirty="0"/>
-              <a:t>一致性（三种场景）</a:t>
-            </a:r>
-            <a:endParaRPr lang="en-US" altLang="zh-CN" sz="2500" dirty="0"/>
-          </a:p>
-          <a:p>
-            <a:r>
-              <a:rPr lang="zh-CN" altLang="en-US" sz="2500" dirty="0"/>
-              <a:t>性能相关</a:t>
-            </a:r>
-            <a:endParaRPr lang="en-US" altLang="zh-CN" sz="2500" dirty="0"/>
-          </a:p>
-          <a:p>
-            <a:pPr lvl="1"/>
-            <a:r>
-              <a:rPr lang="zh-CN" altLang="en-US" sz="2200" dirty="0"/>
-              <a:t>查询时延，吞吐量，可扩展性</a:t>
-            </a:r>
-            <a:endParaRPr lang="en-US" altLang="zh-CN" sz="2200" dirty="0"/>
-          </a:p>
-          <a:p>
-            <a:pPr lvl="2"/>
             <a:endParaRPr lang="en-US" altLang="zh-CN" dirty="0"/>
           </a:p>
           <a:p>
@@ -9428,6 +9408,171 @@
             <p:ph type="title"/>
           </p:nvPr>
         </p:nvSpPr>
+        <p:spPr>
+          <a:xfrm>
+            <a:off x="539453" y="120866"/>
+            <a:ext cx="9258300" cy="1141414"/>
+          </a:xfrm>
+        </p:spPr>
+        <p:txBody>
+          <a:bodyPr/>
+          <a:lstStyle/>
+          <a:p>
+            <a:r>
+              <a:rPr lang="zh-CN" altLang="en-US" sz="6000" dirty="0"/>
+              <a:t>基本概念（</a:t>
+            </a:r>
+            <a:r>
+              <a:rPr lang="en-US" altLang="zh-CN" sz="6000" dirty="0"/>
+              <a:t>2</a:t>
+            </a:r>
+            <a:r>
+              <a:rPr lang="zh-CN" altLang="en-US" sz="6000" dirty="0"/>
+              <a:t>）</a:t>
+            </a:r>
+            <a:endParaRPr lang="en-US" altLang="zh-CN" sz="6000" dirty="0"/>
+          </a:p>
+        </p:txBody>
+      </p:sp>
+      <p:sp>
+        <p:nvSpPr>
+          <p:cNvPr id="3" name="内容占位符 2"/>
+          <p:cNvSpPr>
+            <a:spLocks noGrp="1"/>
+          </p:cNvSpPr>
+          <p:nvPr>
+            <p:ph idx="1"/>
+          </p:nvPr>
+        </p:nvSpPr>
+        <p:spPr>
+          <a:xfrm>
+            <a:off x="514350" y="1268760"/>
+            <a:ext cx="9258300" cy="4610100"/>
+          </a:xfrm>
+        </p:spPr>
+        <p:txBody>
+          <a:bodyPr/>
+          <a:lstStyle/>
+          <a:p>
+            <a:r>
+              <a:rPr lang="zh-CN" altLang="en-US" sz="2500" dirty="0"/>
+              <a:t>高可用</a:t>
+            </a:r>
+            <a:endParaRPr lang="en-US" altLang="zh-CN" sz="2500" dirty="0"/>
+          </a:p>
+          <a:p>
+            <a:pPr lvl="1"/>
+            <a:r>
+              <a:rPr lang="zh-CN" altLang="en-US" sz="2200" dirty="0"/>
+              <a:t>主备副本的一致</a:t>
+            </a:r>
+            <a:endParaRPr lang="en-US" altLang="zh-CN" sz="2200" dirty="0"/>
+          </a:p>
+          <a:p>
+            <a:r>
+              <a:rPr lang="zh-CN" altLang="en-US" sz="2500" dirty="0"/>
+              <a:t>一致性（三种场景）</a:t>
+            </a:r>
+            <a:endParaRPr lang="en-US" altLang="zh-CN" sz="2500" dirty="0"/>
+          </a:p>
+          <a:p>
+            <a:r>
+              <a:rPr lang="zh-CN" altLang="en-US" sz="2500" dirty="0"/>
+              <a:t>性能相关</a:t>
+            </a:r>
+            <a:endParaRPr lang="en-US" altLang="zh-CN" sz="2500" dirty="0"/>
+          </a:p>
+          <a:p>
+            <a:pPr lvl="1"/>
+            <a:r>
+              <a:rPr lang="zh-CN" altLang="en-US" sz="2200" dirty="0"/>
+              <a:t>查询时延，吞吐量，可扩展性</a:t>
+            </a:r>
+            <a:endParaRPr lang="en-US" altLang="zh-CN" sz="2200" dirty="0"/>
+          </a:p>
+          <a:p>
+            <a:pPr lvl="2"/>
+            <a:endParaRPr lang="en-US" altLang="zh-CN" dirty="0"/>
+          </a:p>
+          <a:p>
+            <a:pPr marL="805815" lvl="1" indent="0">
+              <a:buNone/>
+            </a:pPr>
+            <a:endParaRPr lang="zh-CN" altLang="en-US" dirty="0"/>
+          </a:p>
+        </p:txBody>
+      </p:sp>
+      <p:sp>
+        <p:nvSpPr>
+          <p:cNvPr id="4" name="灯片编号占位符 3"/>
+          <p:cNvSpPr>
+            <a:spLocks noGrp="1"/>
+          </p:cNvSpPr>
+          <p:nvPr>
+            <p:ph type="sldNum" sz="quarter" idx="12"/>
+          </p:nvPr>
+        </p:nvSpPr>
+        <p:spPr/>
+        <p:txBody>
+          <a:bodyPr/>
+          <a:lstStyle/>
+          <a:p>
+            <a:fld id="{6415963F-B422-0E4C-94FB-293280FD86B8}" type="slidenum">
+              <a:rPr lang="zh-CN" altLang="en-US" smtClean="0">
+                <a:solidFill>
+                  <a:srgbClr val="000000"/>
+                </a:solidFill>
+              </a:rPr>
+              <a:t>27</a:t>
+            </a:fld>
+            <a:endParaRPr lang="zh-CN" altLang="en-US" dirty="0">
+              <a:solidFill>
+                <a:srgbClr val="000000"/>
+              </a:solidFill>
+            </a:endParaRPr>
+          </a:p>
+        </p:txBody>
+      </p:sp>
+    </p:spTree>
+    <p:extLst>
+      <p:ext uri="{BB962C8B-B14F-4D97-AF65-F5344CB8AC3E}">
+        <p14:creationId xmlns:p14="http://schemas.microsoft.com/office/powerpoint/2010/main" val="352713669"/>
+      </p:ext>
+    </p:extLst>
+  </p:cSld>
+  <p:clrMapOvr>
+    <a:masterClrMapping/>
+  </p:clrMapOvr>
+</p:sld>
+</file>
+
+<file path=ppt/slides/slide28.xml><?xml version="1.0" encoding="utf-8"?>
+<p:sld xmlns:a="http://schemas.openxmlformats.org/drawingml/2006/main" xmlns:r="http://schemas.openxmlformats.org/officeDocument/2006/relationships" xmlns:p="http://schemas.openxmlformats.org/presentationml/2006/main">
+  <p:cSld>
+    <p:spTree>
+      <p:nvGrpSpPr>
+        <p:cNvPr id="1" name=""/>
+        <p:cNvGrpSpPr/>
+        <p:nvPr/>
+      </p:nvGrpSpPr>
+      <p:grpSpPr>
+        <a:xfrm>
+          <a:off x="0" y="0"/>
+          <a:ext cx="0" cy="0"/>
+          <a:chOff x="0" y="0"/>
+          <a:chExt cx="0" cy="0"/>
+        </a:xfrm>
+      </p:grpSpPr>
+      <p:sp>
+        <p:nvSpPr>
+          <p:cNvPr id="2" name="标题 1"/>
+          <p:cNvSpPr>
+            <a:spLocks noGrp="1"/>
+          </p:cNvSpPr>
+          <p:nvPr>
+            <p:ph type="title"/>
+          </p:nvPr>
+        </p:nvSpPr>
         <p:spPr/>
         <p:txBody>
           <a:bodyPr/>
@@ -9462,7 +9607,7 @@
           <a:p>
             <a:r>
               <a:rPr lang="en-US" altLang="zh-CN" sz="4400" dirty="0"/>
-              <a:t>A Survey Paper</a:t>
+              <a:t>A Survey Report</a:t>
             </a:r>
             <a:r>
               <a:rPr lang="zh-CN" altLang="en-US" sz="4400" dirty="0"/>
@@ -9470,7 +9615,7 @@
             </a:r>
             <a:r>
               <a:rPr lang="en-US" altLang="zh-CN" sz="4400" dirty="0"/>
-              <a:t>40%=32%+8%</a:t>
+              <a:t>20%=15%+5%</a:t>
             </a:r>
             <a:r>
               <a:rPr lang="zh-CN" altLang="en-US" sz="4400" dirty="0"/>
@@ -9481,7 +9626,23 @@
           <a:p>
             <a:r>
               <a:rPr lang="en-US" altLang="zh-CN" sz="4400" dirty="0"/>
-              <a:t>A Project</a:t>
+              <a:t>A</a:t>
+            </a:r>
+            <a:r>
+              <a:rPr lang="zh-CN" altLang="en-US" sz="4400" dirty="0"/>
+              <a:t> </a:t>
+            </a:r>
+            <a:r>
+              <a:rPr lang="en-US" altLang="zh-CN" sz="4400" dirty="0"/>
+              <a:t>Survey</a:t>
+            </a:r>
+            <a:r>
+              <a:rPr lang="zh-CN" altLang="en-US" sz="4400" dirty="0"/>
+              <a:t> </a:t>
+            </a:r>
+            <a:r>
+              <a:rPr lang="en-US" altLang="zh-CN" sz="4400" dirty="0"/>
+              <a:t>Paper</a:t>
             </a:r>
             <a:r>
               <a:rPr lang="zh-CN" altLang="en-US" sz="4400" dirty="0"/>
@@ -9489,7 +9650,7 @@
             </a:r>
             <a:r>
               <a:rPr lang="en-US" altLang="zh-CN" sz="4400" dirty="0"/>
-              <a:t>20%=10%+10%</a:t>
+              <a:t>30%=22%+8%</a:t>
             </a:r>
             <a:r>
               <a:rPr lang="zh-CN" altLang="en-US" sz="4400" dirty="0"/>
@@ -9498,17 +9659,37 @@
             <a:endParaRPr lang="en-US" altLang="zh-CN" sz="4400" dirty="0"/>
           </a:p>
           <a:p>
+            <a:pPr lvl="1"/>
+            <a:r>
+              <a:rPr lang="en-US" altLang="zh-CN" sz="3900" dirty="0"/>
+              <a:t>3000</a:t>
+            </a:r>
+            <a:r>
+              <a:rPr lang="zh-CN" altLang="en-US" sz="3900" dirty="0"/>
+              <a:t> </a:t>
+            </a:r>
+            <a:r>
+              <a:rPr lang="en-US" altLang="zh-CN" sz="3900" dirty="0"/>
+              <a:t>words</a:t>
+            </a:r>
+            <a:r>
+              <a:rPr lang="zh-CN" altLang="en-US" sz="3900" dirty="0"/>
+              <a:t> </a:t>
+            </a:r>
+            <a:r>
+              <a:rPr lang="en-US" altLang="zh-CN" sz="3900"/>
+              <a:t>above</a:t>
+            </a:r>
+            <a:endParaRPr lang="en-US" altLang="zh-CN" sz="3900" dirty="0"/>
+          </a:p>
+          <a:p>
             <a:r>
               <a:rPr lang="zh-CN" altLang="en-US" sz="4400" dirty="0"/>
               <a:t>上机 </a:t>
             </a:r>
             <a:r>
-              <a:rPr lang="en-US" altLang="zh-CN" sz="4400"/>
-              <a:t>(30%=20</a:t>
-            </a:r>
-            <a:r>
               <a:rPr lang="en-US" altLang="zh-CN" sz="4400" dirty="0"/>
-              <a:t>%+10%) </a:t>
+              <a:t>(40%=20%+20%) </a:t>
             </a:r>
           </a:p>
           <a:p>
@@ -9549,7 +9730,7 @@
                 </a:solidFill>
               </a:rPr>
               <a:pPr/>
-              <a:t>27</a:t>
+              <a:t>28</a:t>
             </a:fld>
             <a:endParaRPr lang="zh-CN" altLang="en-US">
               <a:solidFill>
@@ -9563,6 +9744,184 @@
     <p:extLst>
       <p:ext uri="{BB962C8B-B14F-4D97-AF65-F5344CB8AC3E}">
         <p14:creationId xmlns:p14="http://schemas.microsoft.com/office/powerpoint/2010/main" val="3277085986"/>
+      </p:ext>
+    </p:extLst>
+  </p:cSld>
+  <p:clrMapOvr>
+    <a:masterClrMapping/>
+  </p:clrMapOvr>
+</p:sld>
+</file>
+
+<file path=ppt/slides/slide29.xml><?xml version="1.0" encoding="utf-8"?>
+<p:sld xmlns:a="http://schemas.openxmlformats.org/drawingml/2006/main" xmlns:r="http://schemas.openxmlformats.org/officeDocument/2006/relationships" xmlns:p="http://schemas.openxmlformats.org/presentationml/2006/main">
+  <p:cSld>
+    <p:spTree>
+      <p:nvGrpSpPr>
+        <p:cNvPr id="1" name=""/>
+        <p:cNvGrpSpPr/>
+        <p:nvPr/>
+      </p:nvGrpSpPr>
+      <p:grpSpPr>
+        <a:xfrm>
+          <a:off x="0" y="0"/>
+          <a:ext cx="0" cy="0"/>
+          <a:chOff x="0" y="0"/>
+          <a:chExt cx="0" cy="0"/>
+        </a:xfrm>
+      </p:grpSpPr>
+      <p:sp>
+        <p:nvSpPr>
+          <p:cNvPr id="2" name="标题 1"/>
+          <p:cNvSpPr>
+            <a:spLocks noGrp="1"/>
+          </p:cNvSpPr>
+          <p:nvPr>
+            <p:ph type="title"/>
+          </p:nvPr>
+        </p:nvSpPr>
+        <p:spPr/>
+        <p:txBody>
+          <a:bodyPr/>
+          <a:lstStyle/>
+          <a:p>
+            <a:r>
+              <a:rPr lang="zh-CN" altLang="en-US" dirty="0"/>
+              <a:t>课程安排（研究生）</a:t>
+            </a:r>
+          </a:p>
+        </p:txBody>
+      </p:sp>
+      <p:sp>
+        <p:nvSpPr>
+          <p:cNvPr id="3" name="内容占位符 2"/>
+          <p:cNvSpPr>
+            <a:spLocks noGrp="1"/>
+          </p:cNvSpPr>
+          <p:nvPr>
+            <p:ph idx="1"/>
+          </p:nvPr>
+        </p:nvSpPr>
+        <p:spPr>
+          <a:xfrm>
+            <a:off x="514350" y="1600201"/>
+            <a:ext cx="10245774" cy="4610100"/>
+          </a:xfrm>
+        </p:spPr>
+        <p:txBody>
+          <a:bodyPr/>
+          <a:lstStyle/>
+          <a:p>
+            <a:r>
+              <a:rPr lang="en-CN" altLang="zh-CN" sz="4400" dirty="0"/>
+              <a:t>W</a:t>
+            </a:r>
+            <a:r>
+              <a:rPr lang="en-US" altLang="zh-CN" sz="4400" dirty="0"/>
+              <a:t>2-W18:</a:t>
+            </a:r>
+            <a:r>
+              <a:rPr lang="zh-CN" altLang="en-US" sz="4400" dirty="0"/>
+              <a:t>  </a:t>
+            </a:r>
+            <a:r>
+              <a:rPr lang="en-US" altLang="zh-CN" sz="4400" dirty="0"/>
+              <a:t>6-7</a:t>
+            </a:r>
+            <a:r>
+              <a:rPr lang="zh-CN" altLang="en-US" sz="4400" dirty="0"/>
+              <a:t>节 理论课程</a:t>
+            </a:r>
+            <a:endParaRPr lang="en-US" altLang="zh-CN" sz="4400" dirty="0"/>
+          </a:p>
+          <a:p>
+            <a:r>
+              <a:rPr lang="en-US" altLang="zh-CN" sz="4400" dirty="0"/>
+              <a:t>W1-W13:</a:t>
+            </a:r>
+            <a:r>
+              <a:rPr lang="zh-CN" altLang="en-US" sz="4400" dirty="0"/>
+              <a:t>  </a:t>
+            </a:r>
+            <a:r>
+              <a:rPr lang="en-US" altLang="zh-CN" sz="4400" dirty="0"/>
+              <a:t>8-9</a:t>
+            </a:r>
+            <a:r>
+              <a:rPr lang="zh-CN" altLang="en-US" sz="4400" dirty="0"/>
+              <a:t>节 实验课程 </a:t>
+            </a:r>
+            <a:endParaRPr lang="en-US" altLang="zh-CN" sz="4400" dirty="0"/>
+          </a:p>
+          <a:p>
+            <a:r>
+              <a:rPr lang="en-US" altLang="zh-CN" sz="4400" dirty="0"/>
+              <a:t>W13-W18</a:t>
+            </a:r>
+            <a:r>
+              <a:rPr lang="zh-CN" altLang="en-US" sz="4400" dirty="0"/>
+              <a:t> ：</a:t>
+            </a:r>
+            <a:r>
+              <a:rPr lang="en-US" altLang="zh-CN" sz="4400" dirty="0"/>
+              <a:t>8-9</a:t>
+            </a:r>
+            <a:r>
+              <a:rPr lang="zh-CN" altLang="en-US" sz="4400" dirty="0"/>
+              <a:t>节 </a:t>
+            </a:r>
+            <a:r>
+              <a:rPr lang="en-US" altLang="zh-CN" sz="4400" dirty="0"/>
+              <a:t>Survey</a:t>
+            </a:r>
+            <a:r>
+              <a:rPr lang="zh-CN" altLang="en-US" sz="4400" dirty="0"/>
+              <a:t> </a:t>
+            </a:r>
+            <a:r>
+              <a:rPr lang="en-US" altLang="zh-CN" sz="4400" dirty="0"/>
+              <a:t>Report</a:t>
+            </a:r>
+            <a:endParaRPr lang="zh-CN" altLang="en-US" sz="4400" dirty="0"/>
+          </a:p>
+        </p:txBody>
+      </p:sp>
+      <p:sp>
+        <p:nvSpPr>
+          <p:cNvPr id="4" name="灯片编号占位符 3"/>
+          <p:cNvSpPr>
+            <a:spLocks noGrp="1"/>
+          </p:cNvSpPr>
+          <p:nvPr>
+            <p:ph type="sldNum" sz="quarter" idx="12"/>
+          </p:nvPr>
+        </p:nvSpPr>
+        <p:spPr/>
+        <p:txBody>
+          <a:bodyPr/>
+          <a:lstStyle/>
+          <a:p>
+            <a:fld id="{6415963F-B422-0E4C-94FB-293280FD86B8}" type="slidenum">
+              <a:rPr lang="zh-CN" altLang="en-US" smtClean="0">
+                <a:solidFill>
+                  <a:srgbClr val="000000"/>
+                </a:solidFill>
+              </a:rPr>
+              <a:pPr/>
+              <a:t>29</a:t>
+            </a:fld>
+            <a:endParaRPr lang="zh-CN" altLang="en-US">
+              <a:solidFill>
+                <a:srgbClr val="000000"/>
+              </a:solidFill>
+            </a:endParaRPr>
+          </a:p>
+        </p:txBody>
+      </p:sp>
+    </p:spTree>
+    <p:extLst>
+      <p:ext uri="{BB962C8B-B14F-4D97-AF65-F5344CB8AC3E}">
+        <p14:creationId xmlns:p14="http://schemas.microsoft.com/office/powerpoint/2010/main" val="152193481"/>
       </p:ext>
     </p:extLst>
   </p:cSld>
@@ -10292,23 +10651,23 @@
           <a:lstStyle/>
           <a:p>
             <a:r>
-              <a:rPr lang="zh-CN" altLang="en-US" dirty="0"/>
+              <a:rPr lang="zh-CN" altLang="en-US" sz="3200" dirty="0"/>
               <a:t>功能</a:t>
             </a:r>
-            <a:endParaRPr lang="en-US" altLang="zh-CN" dirty="0"/>
+            <a:endParaRPr lang="en-US" altLang="zh-CN" sz="3200" dirty="0"/>
           </a:p>
           <a:p>
             <a:pPr lvl="1"/>
             <a:r>
-              <a:rPr lang="zh-CN" altLang="en-US" dirty="0"/>
+              <a:rPr lang="zh-CN" altLang="en-US" sz="2800" dirty="0"/>
               <a:t>数据存储</a:t>
             </a:r>
-            <a:endParaRPr lang="en-US" altLang="zh-CN" dirty="0"/>
+            <a:endParaRPr lang="en-US" altLang="zh-CN" sz="2800" dirty="0"/>
           </a:p>
           <a:p>
             <a:pPr lvl="2"/>
             <a:r>
-              <a:rPr lang="zh-CN" altLang="en-US" dirty="0">
+              <a:rPr lang="zh-CN" altLang="en-US" sz="2400" dirty="0">
                 <a:solidFill>
                   <a:schemeClr val="accent2">
                     <a:lumMod val="60000"/>
@@ -10319,23 +10678,23 @@
               <a:t>可靠性？</a:t>
             </a:r>
             <a:r>
-              <a:rPr lang="zh-CN" altLang="en-US" dirty="0"/>
+              <a:rPr lang="zh-CN" altLang="en-US" sz="2400" dirty="0"/>
               <a:t>、容量</a:t>
             </a:r>
-            <a:endParaRPr lang="en-US" altLang="zh-CN" dirty="0"/>
+            <a:endParaRPr lang="en-US" altLang="zh-CN" sz="2400" dirty="0"/>
           </a:p>
           <a:p>
             <a:pPr lvl="1"/>
             <a:r>
-              <a:rPr lang="zh-CN" altLang="en-US" dirty="0"/>
+              <a:rPr lang="zh-CN" altLang="en-US" sz="2800" dirty="0"/>
               <a:t>数据访问</a:t>
             </a:r>
-            <a:endParaRPr lang="en-US" altLang="zh-CN" dirty="0"/>
+            <a:endParaRPr lang="en-US" altLang="zh-CN" sz="2800" dirty="0"/>
           </a:p>
           <a:p>
             <a:pPr lvl="2"/>
             <a:r>
-              <a:rPr lang="zh-CN" altLang="en-US" dirty="0">
+              <a:rPr lang="zh-CN" altLang="en-US" sz="2400" dirty="0">
                 <a:solidFill>
                   <a:schemeClr val="accent2">
                     <a:lumMod val="60000"/>
@@ -10345,7 +10704,28 @@
               </a:rPr>
               <a:t>表达能力、准确性？</a:t>
             </a:r>
-            <a:endParaRPr lang="en-US" altLang="zh-CN" dirty="0">
+            <a:endParaRPr lang="en-US" altLang="zh-CN" sz="2400" dirty="0">
+              <a:solidFill>
+                <a:schemeClr val="accent2">
+                  <a:lumMod val="60000"/>
+                  <a:lumOff val="40000"/>
+                </a:schemeClr>
+              </a:solidFill>
+            </a:endParaRPr>
+          </a:p>
+          <a:p>
+            <a:r>
+              <a:rPr lang="zh-CN" altLang="en-US" sz="3300" dirty="0">
+                <a:solidFill>
+                  <a:schemeClr val="accent2">
+                    <a:lumMod val="60000"/>
+                    <a:lumOff val="40000"/>
+                  </a:schemeClr>
+                </a:solidFill>
+              </a:rPr>
+              <a:t>如果没有数据库系统，会怎么样？</a:t>
+            </a:r>
+            <a:endParaRPr lang="en-US" altLang="zh-CN" sz="3300" dirty="0">
               <a:solidFill>
                 <a:schemeClr val="accent2">
                   <a:lumMod val="60000"/>
@@ -10563,6 +10943,49 @@
                                         <p:tgtEl>
                                           <p:spTgt spid="3">
                                             <p:txEl>
+                                              <p:pRg st="5" end="5"/>
+                                            </p:txEl>
+                                          </p:spTgt>
+                                        </p:tgtEl>
+                                        <p:attrNameLst>
+                                          <p:attrName>style.visibility</p:attrName>
+                                        </p:attrNameLst>
+                                      </p:cBhvr>
+                                      <p:to>
+                                        <p:strVal val="visible"/>
+                                      </p:to>
+                                    </p:set>
+                                    <p:animEffect transition="in" filter="fade">
+                                      <p:cBhvr>
+                                        <p:cTn id="16" dur="500"/>
+                                        <p:tgtEl>
+                                          <p:spTgt spid="3">
+                                            <p:txEl>
+                                              <p:pRg st="5" end="5"/>
+                                            </p:txEl>
+                                          </p:spTgt>
+                                        </p:tgtEl>
+                                      </p:cBhvr>
+                                    </p:animEffect>
+                                  </p:childTnLst>
+                                </p:cTn>
+                              </p:par>
+                              <p:par>
+                                <p:cTn id="17" presetID="10" presetClass="entr" presetSubtype="0" fill="hold" nodeType="withEffect">
+                                  <p:stCondLst>
+                                    <p:cond delay="0"/>
+                                  </p:stCondLst>
+                                  <p:childTnLst>
+                                    <p:set>
+                                      <p:cBhvr>
+                                        <p:cTn id="18" dur="1" fill="hold">
+                                          <p:stCondLst>
+                                            <p:cond delay="0"/>
+                                          </p:stCondLst>
+                                        </p:cTn>
+                                        <p:tgtEl>
+                                          <p:spTgt spid="3">
+                                            <p:txEl>
                                               <p:pRg st="2" end="2"/>
                                             </p:txEl>
                                           </p:spTgt>
@@ -10577,7 +11000,7 @@
                                     </p:set>
                                     <p:animEffect transition="in" filter="fade">
                                       <p:cBhvr>
-                                        <p:cTn id="16" dur="500"/>
+                                        <p:cTn id="19" dur="500"/>
                                         <p:tgtEl>
                                           <p:spTgt spid="3">
                                             <p:txEl>

--- a/files/W1-Intro.pptx
+++ b/files/W1-Intro.pptx
@@ -307,7 +307,7 @@
           <a:p>
             <a:fld id="{8C3EA14B-9730-4B14-B276-7835B7D11ED2}" type="datetimeFigureOut">
               <a:rPr lang="zh-CN" altLang="en-US" smtClean="0"/>
-              <a:t>2022/9/16</a:t>
+              <a:t>2022/9/17</a:t>
             </a:fld>
             <a:endParaRPr lang="zh-CN" altLang="en-US"/>
           </a:p>
@@ -838,7 +838,7 @@
             <a:fld id="{FDF2B654-E532-CD43-80F7-7D95D6EDB8D9}" type="datetime1">
               <a:rPr lang="en-US" altLang="zh-CN" smtClean="0"/>
               <a:pPr/>
-              <a:t>9/16/22</a:t>
+              <a:t>9/17/22</a:t>
             </a:fld>
             <a:endParaRPr lang="en-US" altLang="zh-CN"/>
           </a:p>
@@ -997,7 +997,7 @@
             <a:fld id="{FDF2B654-E532-CD43-80F7-7D95D6EDB8D9}" type="datetime1">
               <a:rPr lang="en-US" altLang="zh-CN" smtClean="0"/>
               <a:pPr/>
-              <a:t>9/16/22</a:t>
+              <a:t>9/17/22</a:t>
             </a:fld>
             <a:endParaRPr lang="en-US" altLang="zh-CN"/>
           </a:p>
@@ -1031,6 +1031,90 @@
     <p:extLst>
       <p:ext uri="{BB962C8B-B14F-4D97-AF65-F5344CB8AC3E}">
         <p14:creationId xmlns:p14="http://schemas.microsoft.com/office/powerpoint/2010/main" val="12236124"/>
+      </p:ext>
+    </p:extLst>
+  </p:cSld>
+  <p:clrMapOvr>
+    <a:masterClrMapping/>
+  </p:clrMapOvr>
+</p:notes>
+</file>
+
+<file path=ppt/notesSlides/notesSlide4.xml><?xml version="1.0" encoding="utf-8"?>
+<p:notes xmlns:a="http://schemas.openxmlformats.org/drawingml/2006/main" xmlns:r="http://schemas.openxmlformats.org/officeDocument/2006/relationships" xmlns:p="http://schemas.openxmlformats.org/presentationml/2006/main">
+  <p:cSld>
+    <p:spTree>
+      <p:nvGrpSpPr>
+        <p:cNvPr id="1" name=""/>
+        <p:cNvGrpSpPr/>
+        <p:nvPr/>
+      </p:nvGrpSpPr>
+      <p:grpSpPr>
+        <a:xfrm>
+          <a:off x="0" y="0"/>
+          <a:ext cx="0" cy="0"/>
+          <a:chOff x="0" y="0"/>
+          <a:chExt cx="0" cy="0"/>
+        </a:xfrm>
+      </p:grpSpPr>
+      <p:sp>
+        <p:nvSpPr>
+          <p:cNvPr id="2" name="Slide Image Placeholder 1"/>
+          <p:cNvSpPr>
+            <a:spLocks noGrp="1" noRot="1" noChangeAspect="1"/>
+          </p:cNvSpPr>
+          <p:nvPr>
+            <p:ph type="sldImg"/>
+          </p:nvPr>
+        </p:nvSpPr>
+        <p:spPr/>
+      </p:sp>
+      <p:sp>
+        <p:nvSpPr>
+          <p:cNvPr id="3" name="Notes Placeholder 2"/>
+          <p:cNvSpPr>
+            <a:spLocks noGrp="1"/>
+          </p:cNvSpPr>
+          <p:nvPr>
+            <p:ph type="body" idx="1"/>
+          </p:nvPr>
+        </p:nvSpPr>
+        <p:spPr/>
+        <p:txBody>
+          <a:bodyPr/>
+          <a:lstStyle/>
+          <a:p>
+            <a:endParaRPr lang="en-CN" dirty="0"/>
+          </a:p>
+        </p:txBody>
+      </p:sp>
+      <p:sp>
+        <p:nvSpPr>
+          <p:cNvPr id="4" name="Slide Number Placeholder 3"/>
+          <p:cNvSpPr>
+            <a:spLocks noGrp="1"/>
+          </p:cNvSpPr>
+          <p:nvPr>
+            <p:ph type="sldNum" sz="quarter" idx="5"/>
+          </p:nvPr>
+        </p:nvSpPr>
+        <p:spPr/>
+        <p:txBody>
+          <a:bodyPr/>
+          <a:lstStyle/>
+          <a:p>
+            <a:fld id="{F793E076-425A-4212-9629-B0A1D848A7F4}" type="slidenum">
+              <a:rPr lang="zh-CN" altLang="en-US" smtClean="0"/>
+              <a:t>28</a:t>
+            </a:fld>
+            <a:endParaRPr lang="zh-CN" altLang="en-US"/>
+          </a:p>
+        </p:txBody>
+      </p:sp>
+    </p:spTree>
+    <p:extLst>
+      <p:ext uri="{BB962C8B-B14F-4D97-AF65-F5344CB8AC3E}">
+        <p14:creationId xmlns:p14="http://schemas.microsoft.com/office/powerpoint/2010/main" val="2452605596"/>
       </p:ext>
     </p:extLst>
   </p:cSld>
@@ -1179,7 +1263,7 @@
                   <a:srgbClr val="000000"/>
                 </a:solidFill>
               </a:rPr>
-              <a:t>September 16, 2022</a:t>
+              <a:t>September 17, 2022</a:t>
             </a:fld>
             <a:endParaRPr lang="zh-CN" altLang="en-US">
               <a:solidFill>
@@ -1386,7 +1470,7 @@
                   <a:srgbClr val="000000"/>
                 </a:solidFill>
               </a:rPr>
-              <a:t>September 16, 2022</a:t>
+              <a:t>September 17, 2022</a:t>
             </a:fld>
             <a:endParaRPr lang="zh-CN" altLang="en-US">
               <a:solidFill>
@@ -1603,7 +1687,7 @@
                   <a:srgbClr val="000000"/>
                 </a:solidFill>
               </a:rPr>
-              <a:t>September 16, 2022</a:t>
+              <a:t>September 17, 2022</a:t>
             </a:fld>
             <a:endParaRPr lang="zh-CN" altLang="en-US">
               <a:solidFill>
@@ -1871,7 +1955,7 @@
                   <a:srgbClr val="000000"/>
                 </a:solidFill>
               </a:rPr>
-              <a:t>September 16, 2022</a:t>
+              <a:t>September 17, 2022</a:t>
             </a:fld>
             <a:endParaRPr lang="zh-CN" altLang="en-US">
               <a:solidFill>
@@ -2139,7 +2223,7 @@
                   <a:srgbClr val="000000"/>
                 </a:solidFill>
               </a:rPr>
-              <a:t>September 16, 2022</a:t>
+              <a:t>September 17, 2022</a:t>
             </a:fld>
             <a:endParaRPr lang="zh-CN" altLang="en-US">
               <a:solidFill>
@@ -2423,7 +2507,7 @@
                   <a:srgbClr val="000000"/>
                 </a:solidFill>
               </a:rPr>
-              <a:t>September 16, 2022</a:t>
+              <a:t>September 17, 2022</a:t>
             </a:fld>
             <a:endParaRPr lang="zh-CN" altLang="en-US">
               <a:solidFill>
@@ -2691,7 +2775,7 @@
                   <a:srgbClr val="000000"/>
                 </a:solidFill>
               </a:rPr>
-              <a:t>September 16, 2022</a:t>
+              <a:t>September 17, 2022</a:t>
             </a:fld>
             <a:endParaRPr lang="zh-CN" altLang="en-US">
               <a:solidFill>
@@ -3094,7 +3178,7 @@
                   <a:srgbClr val="000000"/>
                 </a:solidFill>
               </a:rPr>
-              <a:t>September 16, 2022</a:t>
+              <a:t>September 17, 2022</a:t>
             </a:fld>
             <a:endParaRPr lang="zh-CN" altLang="en-US">
               <a:solidFill>
@@ -3250,7 +3334,7 @@
                   <a:srgbClr val="000000"/>
                 </a:solidFill>
               </a:rPr>
-              <a:t>September 16, 2022</a:t>
+              <a:t>September 17, 2022</a:t>
             </a:fld>
             <a:endParaRPr lang="zh-CN" altLang="en-US">
               <a:solidFill>
@@ -3384,7 +3468,7 @@
                   <a:srgbClr val="000000"/>
                 </a:solidFill>
               </a:rPr>
-              <a:t>September 16, 2022</a:t>
+              <a:t>September 17, 2022</a:t>
             </a:fld>
             <a:endParaRPr lang="zh-CN" altLang="en-US">
               <a:solidFill>
@@ -3698,7 +3782,7 @@
                   <a:srgbClr val="000000"/>
                 </a:solidFill>
               </a:rPr>
-              <a:t>September 16, 2022</a:t>
+              <a:t>September 17, 2022</a:t>
             </a:fld>
             <a:endParaRPr lang="zh-CN" altLang="en-US">
               <a:solidFill>
@@ -3989,7 +4073,7 @@
                   <a:srgbClr val="000000"/>
                 </a:solidFill>
               </a:rPr>
-              <a:t>September 16, 2022</a:t>
+              <a:t>September 17, 2022</a:t>
             </a:fld>
             <a:endParaRPr lang="zh-CN" altLang="en-US">
               <a:solidFill>
@@ -4145,7 +4229,7 @@
               </a14:hiddenLine>
             </a:ext>
             <a:ext uri="{FAA26D3D-D897-4be2-8F04-BA451C77F1D7}">
-              <ma14:placeholderFlag xmlns:ma14="http://schemas.microsoft.com/office/mac/drawingml/2011/main" xmlns="" val="1"/>
+              <ma14:placeholderFlag xmlns="" xmlns:ma14="http://schemas.microsoft.com/office/mac/drawingml/2011/main" val="1"/>
             </a:ext>
           </a:extLst>
         </p:spPr>
@@ -4206,7 +4290,7 @@
               </a14:hiddenLine>
             </a:ext>
             <a:ext uri="{FAA26D3D-D897-4be2-8F04-BA451C77F1D7}">
-              <ma14:placeholderFlag xmlns:ma14="http://schemas.microsoft.com/office/mac/drawingml/2011/main" xmlns="" val="1"/>
+              <ma14:placeholderFlag xmlns="" xmlns:ma14="http://schemas.microsoft.com/office/mac/drawingml/2011/main" val="1"/>
             </a:ext>
           </a:extLst>
         </p:spPr>
@@ -4306,7 +4390,7 @@
                   <a:srgbClr val="000000"/>
                 </a:solidFill>
               </a:rPr>
-              <a:t>September 16, 2022</a:t>
+              <a:t>September 17, 2022</a:t>
             </a:fld>
             <a:endParaRPr lang="zh-CN" altLang="en-US">
               <a:solidFill>
@@ -9614,8 +9698,16 @@
               <a:t>（</a:t>
             </a:r>
             <a:r>
+              <a:rPr lang="en-US" altLang="zh-CN" sz="4400"/>
+              <a:t>30%=22%+</a:t>
+            </a:r>
+            <a:r>
               <a:rPr lang="en-US" altLang="zh-CN" sz="4400" dirty="0"/>
-              <a:t>20%=15%+5%</a:t>
+              <a:t>8</a:t>
+            </a:r>
+            <a:r>
+              <a:rPr lang="en-US" altLang="zh-CN" sz="4400"/>
+              <a:t>%</a:t>
             </a:r>
             <a:r>
               <a:rPr lang="zh-CN" altLang="en-US" sz="4400" dirty="0"/>
@@ -9677,10 +9769,9 @@
               <a:t> </a:t>
             </a:r>
             <a:r>
-              <a:rPr lang="en-US" altLang="zh-CN" sz="3900"/>
+              <a:rPr lang="en-US" altLang="zh-CN" sz="3900" dirty="0"/>
               <a:t>above</a:t>
             </a:r>
-            <a:endParaRPr lang="en-US" altLang="zh-CN" sz="3900" dirty="0"/>
           </a:p>
           <a:p>
             <a:r>
@@ -9689,7 +9780,7 @@
             </a:r>
             <a:r>
               <a:rPr lang="en-US" altLang="zh-CN" sz="4400" dirty="0"/>
-              <a:t>(40%=20%+20%) </a:t>
+              <a:t>(30%=20%+10%) </a:t>
             </a:r>
           </a:p>
           <a:p>
